--- a/employee data analysis.pptx
+++ b/employee data analysis.pptx
@@ -1,33 +1,33 @@
 
 <file path=ppt/presentation.xml><?xml version="1.0" encoding="utf-8"?>
-<p:presentation xmlns:a="http://schemas.openxmlformats.org/drawingml/2006/main" xmlns:r="http://schemas.openxmlformats.org/officeDocument/2006/relationships" xmlns:p="http://schemas.openxmlformats.org/presentationml/2006/main">
+<p:presentation xmlns:p="http://schemas.openxmlformats.org/presentationml/2006/main" xmlns:r="http://schemas.openxmlformats.org/officeDocument/2006/relationships" xmlns:a="http://schemas.openxmlformats.org/drawingml/2006/main">
   <p:sldMasterIdLst>
     <p:sldMasterId id="2147483648" r:id="rId1"/>
   </p:sldMasterIdLst>
   <p:notesMasterIdLst>
-    <p:notesMasterId r:id="rId14"/>
+    <p:notesMasterId r:id="rId2"/>
   </p:notesMasterIdLst>
   <p:sldIdLst>
-    <p:sldId id="256" r:id="rId2"/>
     <p:sldId id="257" r:id="rId3"/>
     <p:sldId id="258" r:id="rId4"/>
     <p:sldId id="259" r:id="rId5"/>
     <p:sldId id="260" r:id="rId6"/>
     <p:sldId id="261" r:id="rId7"/>
     <p:sldId id="262" r:id="rId8"/>
-    <p:sldId id="269" r:id="rId9"/>
-    <p:sldId id="263" r:id="rId10"/>
-    <p:sldId id="264" r:id="rId11"/>
-    <p:sldId id="265" r:id="rId12"/>
+    <p:sldId id="263" r:id="rId9"/>
+    <p:sldId id="264" r:id="rId10"/>
+    <p:sldId id="265" r:id="rId11"/>
+    <p:sldId id="266" r:id="rId12"/>
     <p:sldId id="268" r:id="rId13"/>
+    <p:sldId id="269" r:id="rId14"/>
   </p:sldIdLst>
-  <p:sldSz cx="12192000" cy="6858000"/>
+  <p:sldSz type="screen16x9" cy="6858000" cx="12192000"/>
   <p:notesSz cx="12192000" cy="6858000"/>
   <p:defaultTextStyle>
     <a:defPPr>
       <a:defRPr lang="en-US"/>
     </a:defPPr>
-    <a:lvl1pPr marL="0" algn="l" defTabSz="914400" rtl="0" eaLnBrk="1" latinLnBrk="0" hangingPunct="1">
+    <a:lvl1pPr algn="l" defTabSz="914400" eaLnBrk="1" hangingPunct="1" latinLnBrk="0" marL="0" rtl="0">
       <a:defRPr sz="1800" kern="1200">
         <a:solidFill>
           <a:schemeClr val="tx1"/>
@@ -37,7 +37,7 @@
         <a:cs typeface="+mn-cs"/>
       </a:defRPr>
     </a:lvl1pPr>
-    <a:lvl2pPr marL="457200" algn="l" defTabSz="914400" rtl="0" eaLnBrk="1" latinLnBrk="0" hangingPunct="1">
+    <a:lvl2pPr algn="l" defTabSz="914400" eaLnBrk="1" hangingPunct="1" latinLnBrk="0" marL="457200" rtl="0">
       <a:defRPr sz="1800" kern="1200">
         <a:solidFill>
           <a:schemeClr val="tx1"/>
@@ -47,7 +47,7 @@
         <a:cs typeface="+mn-cs"/>
       </a:defRPr>
     </a:lvl2pPr>
-    <a:lvl3pPr marL="914400" algn="l" defTabSz="914400" rtl="0" eaLnBrk="1" latinLnBrk="0" hangingPunct="1">
+    <a:lvl3pPr algn="l" defTabSz="914400" eaLnBrk="1" hangingPunct="1" latinLnBrk="0" marL="914400" rtl="0">
       <a:defRPr sz="1800" kern="1200">
         <a:solidFill>
           <a:schemeClr val="tx1"/>
@@ -57,7 +57,7 @@
         <a:cs typeface="+mn-cs"/>
       </a:defRPr>
     </a:lvl3pPr>
-    <a:lvl4pPr marL="1371600" algn="l" defTabSz="914400" rtl="0" eaLnBrk="1" latinLnBrk="0" hangingPunct="1">
+    <a:lvl4pPr algn="l" defTabSz="914400" eaLnBrk="1" hangingPunct="1" latinLnBrk="0" marL="1371600" rtl="0">
       <a:defRPr sz="1800" kern="1200">
         <a:solidFill>
           <a:schemeClr val="tx1"/>
@@ -67,7 +67,7 @@
         <a:cs typeface="+mn-cs"/>
       </a:defRPr>
     </a:lvl4pPr>
-    <a:lvl5pPr marL="1828800" algn="l" defTabSz="914400" rtl="0" eaLnBrk="1" latinLnBrk="0" hangingPunct="1">
+    <a:lvl5pPr algn="l" defTabSz="914400" eaLnBrk="1" hangingPunct="1" latinLnBrk="0" marL="1828800" rtl="0">
       <a:defRPr sz="1800" kern="1200">
         <a:solidFill>
           <a:schemeClr val="tx1"/>
@@ -77,7 +77,7 @@
         <a:cs typeface="+mn-cs"/>
       </a:defRPr>
     </a:lvl5pPr>
-    <a:lvl6pPr marL="2286000" algn="l" defTabSz="914400" rtl="0" eaLnBrk="1" latinLnBrk="0" hangingPunct="1">
+    <a:lvl6pPr algn="l" defTabSz="914400" eaLnBrk="1" hangingPunct="1" latinLnBrk="0" marL="2286000" rtl="0">
       <a:defRPr sz="1800" kern="1200">
         <a:solidFill>
           <a:schemeClr val="tx1"/>
@@ -87,7 +87,7 @@
         <a:cs typeface="+mn-cs"/>
       </a:defRPr>
     </a:lvl6pPr>
-    <a:lvl7pPr marL="2743200" algn="l" defTabSz="914400" rtl="0" eaLnBrk="1" latinLnBrk="0" hangingPunct="1">
+    <a:lvl7pPr algn="l" defTabSz="914400" eaLnBrk="1" hangingPunct="1" latinLnBrk="0" marL="2743200" rtl="0">
       <a:defRPr sz="1800" kern="1200">
         <a:solidFill>
           <a:schemeClr val="tx1"/>
@@ -97,7 +97,7 @@
         <a:cs typeface="+mn-cs"/>
       </a:defRPr>
     </a:lvl7pPr>
-    <a:lvl8pPr marL="3200400" algn="l" defTabSz="914400" rtl="0" eaLnBrk="1" latinLnBrk="0" hangingPunct="1">
+    <a:lvl8pPr algn="l" defTabSz="914400" eaLnBrk="1" hangingPunct="1" latinLnBrk="0" marL="3200400" rtl="0">
       <a:defRPr sz="1800" kern="1200">
         <a:solidFill>
           <a:schemeClr val="tx1"/>
@@ -107,7 +107,7 @@
         <a:cs typeface="+mn-cs"/>
       </a:defRPr>
     </a:lvl8pPr>
-    <a:lvl9pPr marL="3657600" algn="l" defTabSz="914400" rtl="0" eaLnBrk="1" latinLnBrk="0" hangingPunct="1">
+    <a:lvl9pPr algn="l" defTabSz="914400" eaLnBrk="1" hangingPunct="1" latinLnBrk="0" marL="3657600" rtl="0">
       <a:defRPr sz="1800" kern="1200">
         <a:solidFill>
           <a:schemeClr val="tx1"/>
@@ -118,27 +118,11 @@
       </a:defRPr>
     </a:lvl9pPr>
   </p:defaultTextStyle>
-  <p:extLst>
-    <p:ext uri="{EFAFB233-063F-42B5-8137-9DF3F51BA10A}">
-      <p15:sldGuideLst xmlns:p15="http://schemas.microsoft.com/office/powerpoint/2012/main">
-        <p15:guide id="1" orient="horz" pos="2880">
-          <p15:clr>
-            <a:srgbClr val="A4A3A4"/>
-          </p15:clr>
-        </p15:guide>
-        <p15:guide id="2" pos="2160">
-          <p15:clr>
-            <a:srgbClr val="A4A3A4"/>
-          </p15:clr>
-        </p15:guide>
-      </p15:sldGuideLst>
-    </p:ext>
-  </p:extLst>
 </p:presentation>
 </file>
 
 <file path=ppt/charts/chart1.xml><?xml version="1.0" encoding="utf-8"?>
-<c:chartSpace xmlns:c="http://schemas.openxmlformats.org/drawingml/2006/chart" xmlns:a="http://schemas.openxmlformats.org/drawingml/2006/main" xmlns:r="http://schemas.openxmlformats.org/officeDocument/2006/relationships" xmlns:c16r2="http://schemas.microsoft.com/office/drawing/2015/06/chart">
+<c:chartSpace xmlns:c="http://schemas.openxmlformats.org/drawingml/2006/chart" xmlns:a="http://schemas.openxmlformats.org/drawingml/2006/main" xmlns:r="http://schemas.openxmlformats.org/officeDocument/2006/relationships">
   <c:date1904 val="0"/>
   <c:lang val="en-US"/>
   <c:roundedCorners val="0"/>
@@ -796,43 +780,38 @@
                 <c:formatCode>General</c:formatCode>
                 <c:ptCount val="10"/>
                 <c:pt idx="0">
-                  <c:v>36</c:v>
+                  <c:v>36.0</c:v>
                 </c:pt>
                 <c:pt idx="1">
-                  <c:v>39</c:v>
+                  <c:v>39.0</c:v>
                 </c:pt>
                 <c:pt idx="2">
-                  <c:v>39</c:v>
+                  <c:v>39.0</c:v>
                 </c:pt>
                 <c:pt idx="3">
-                  <c:v>39</c:v>
+                  <c:v>39.0</c:v>
                 </c:pt>
                 <c:pt idx="4">
-                  <c:v>30</c:v>
+                  <c:v>30.0</c:v>
                 </c:pt>
                 <c:pt idx="5">
-                  <c:v>34</c:v>
+                  <c:v>34.0</c:v>
                 </c:pt>
                 <c:pt idx="6">
-                  <c:v>35</c:v>
+                  <c:v>35.0</c:v>
                 </c:pt>
                 <c:pt idx="7">
-                  <c:v>46</c:v>
+                  <c:v>46.0</c:v>
                 </c:pt>
                 <c:pt idx="8">
-                  <c:v>41</c:v>
+                  <c:v>41.0</c:v>
                 </c:pt>
                 <c:pt idx="9">
-                  <c:v>30</c:v>
+                  <c:v>30.0</c:v>
                 </c:pt>
               </c:numCache>
             </c:numRef>
           </c:val>
-          <c:extLst>
-            <c:ext xmlns:c16="http://schemas.microsoft.com/office/drawing/2014/chart" uri="{C3380CC4-5D6E-409C-BE32-E72D297353CC}">
-              <c16:uniqueId val="{00000000-6822-4BE2-B102-E9302E38E94E}"/>
-            </c:ext>
-          </c:extLst>
         </c:ser>
         <c:ser>
           <c:idx val="1"/>
@@ -917,43 +896,38 @@
                 <c:formatCode>General</c:formatCode>
                 <c:ptCount val="10"/>
                 <c:pt idx="0">
-                  <c:v>235</c:v>
+                  <c:v>235.0</c:v>
                 </c:pt>
                 <c:pt idx="1">
-                  <c:v>234</c:v>
+                  <c:v>234.0</c:v>
                 </c:pt>
                 <c:pt idx="2">
-                  <c:v>240</c:v>
+                  <c:v>240.0</c:v>
                 </c:pt>
                 <c:pt idx="3">
-                  <c:v>226</c:v>
+                  <c:v>226.0</c:v>
                 </c:pt>
                 <c:pt idx="4">
-                  <c:v>251</c:v>
+                  <c:v>251.0</c:v>
                 </c:pt>
                 <c:pt idx="5">
-                  <c:v>241</c:v>
+                  <c:v>241.0</c:v>
                 </c:pt>
                 <c:pt idx="6">
-                  <c:v>228</c:v>
+                  <c:v>228.0</c:v>
                 </c:pt>
                 <c:pt idx="7">
-                  <c:v>233</c:v>
+                  <c:v>233.0</c:v>
                 </c:pt>
                 <c:pt idx="8">
-                  <c:v>233</c:v>
+                  <c:v>233.0</c:v>
                 </c:pt>
                 <c:pt idx="9">
-                  <c:v>240</c:v>
+                  <c:v>240.0</c:v>
                 </c:pt>
               </c:numCache>
             </c:numRef>
           </c:val>
-          <c:extLst>
-            <c:ext xmlns:c16="http://schemas.microsoft.com/office/drawing/2014/chart" uri="{C3380CC4-5D6E-409C-BE32-E72D297353CC}">
-              <c16:uniqueId val="{00000002-6822-4BE2-B102-E9302E38E94E}"/>
-            </c:ext>
-          </c:extLst>
         </c:ser>
         <c:ser>
           <c:idx val="2"/>
@@ -1038,43 +1012,38 @@
                 <c:formatCode>General</c:formatCode>
                 <c:ptCount val="10"/>
                 <c:pt idx="0">
-                  <c:v>24</c:v>
+                  <c:v>24.0</c:v>
                 </c:pt>
                 <c:pt idx="1">
-                  <c:v>17</c:v>
+                  <c:v>17.0</c:v>
                 </c:pt>
                 <c:pt idx="2">
-                  <c:v>16</c:v>
+                  <c:v>16.0</c:v>
                 </c:pt>
                 <c:pt idx="3">
-                  <c:v>20</c:v>
+                  <c:v>20.0</c:v>
                 </c:pt>
                 <c:pt idx="4">
-                  <c:v>11</c:v>
+                  <c:v>11.0</c:v>
                 </c:pt>
                 <c:pt idx="5">
-                  <c:v>16</c:v>
+                  <c:v>16.0</c:v>
                 </c:pt>
                 <c:pt idx="6">
-                  <c:v>23</c:v>
+                  <c:v>23.0</c:v>
                 </c:pt>
                 <c:pt idx="7">
-                  <c:v>20</c:v>
+                  <c:v>20.0</c:v>
                 </c:pt>
                 <c:pt idx="8">
-                  <c:v>15</c:v>
+                  <c:v>15.0</c:v>
                 </c:pt>
                 <c:pt idx="9">
-                  <c:v>15</c:v>
+                  <c:v>15.0</c:v>
                 </c:pt>
               </c:numCache>
             </c:numRef>
           </c:val>
-          <c:extLst>
-            <c:ext xmlns:c16="http://schemas.microsoft.com/office/drawing/2014/chart" uri="{C3380CC4-5D6E-409C-BE32-E72D297353CC}">
-              <c16:uniqueId val="{00000004-6822-4BE2-B102-E9302E38E94E}"/>
-            </c:ext>
-          </c:extLst>
         </c:ser>
         <c:ser>
           <c:idx val="3"/>
@@ -1145,43 +1114,38 @@
                 <c:formatCode>General</c:formatCode>
                 <c:ptCount val="10"/>
                 <c:pt idx="0">
-                  <c:v>8</c:v>
+                  <c:v>8.0</c:v>
                 </c:pt>
                 <c:pt idx="1">
-                  <c:v>10</c:v>
+                  <c:v>10.0</c:v>
                 </c:pt>
                 <c:pt idx="2">
-                  <c:v>7</c:v>
+                  <c:v>7.0</c:v>
                 </c:pt>
                 <c:pt idx="3">
-                  <c:v>11</c:v>
+                  <c:v>11.0</c:v>
                 </c:pt>
                 <c:pt idx="4">
-                  <c:v>12</c:v>
+                  <c:v>12.0</c:v>
                 </c:pt>
                 <c:pt idx="5">
-                  <c:v>10</c:v>
+                  <c:v>10.0</c:v>
                 </c:pt>
                 <c:pt idx="6">
-                  <c:v>13</c:v>
+                  <c:v>13.0</c:v>
                 </c:pt>
                 <c:pt idx="7">
-                  <c:v>5</c:v>
+                  <c:v>5.0</c:v>
                 </c:pt>
                 <c:pt idx="8">
-                  <c:v>8</c:v>
+                  <c:v>8.0</c:v>
                 </c:pt>
                 <c:pt idx="9">
-                  <c:v>9</c:v>
+                  <c:v>9.0</c:v>
                 </c:pt>
               </c:numCache>
             </c:numRef>
           </c:val>
-          <c:extLst>
-            <c:ext xmlns:c16="http://schemas.microsoft.com/office/drawing/2014/chart" uri="{C3380CC4-5D6E-409C-BE32-E72D297353CC}">
-              <c16:uniqueId val="{00000005-6822-4BE2-B102-E9302E38E94E}"/>
-            </c:ext>
-          </c:extLst>
         </c:ser>
         <c:dLbls>
           <c:showLegendKey val="0"/>
@@ -1278,7 +1242,6 @@
     <c:plotVisOnly val="1"/>
     <c:dispBlanksAs val="gap"/>
     <c:showDLblsOverMax val="0"/>
-    <c:extLst/>
   </c:chart>
   <c:txPr>
     <a:bodyPr/>
@@ -1293,22 +1256,6 @@
   <c:externalData r:id="rId1">
     <c:autoUpdate val="0"/>
   </c:externalData>
-  <c:extLst>
-    <c:ext xmlns:c14="http://schemas.microsoft.com/office/drawing/2007/8/2/chart" uri="{781A3756-C4B2-4CAC-9D66-4F8BD8637D16}">
-      <c14:pivotOptions>
-        <c14:dropZoneFilter val="1"/>
-        <c14:dropZoneCategories val="1"/>
-        <c14:dropZoneData val="1"/>
-        <c14:dropZoneSeries val="1"/>
-        <c14:dropZonesVisible val="1"/>
-      </c14:pivotOptions>
-    </c:ext>
-    <c:ext xmlns:c16="http://schemas.microsoft.com/office/drawing/2014/chart" uri="{E28EC0CA-F0BB-4C9C-879D-F8772B89E7AC}">
-      <c16:pivotOptions16>
-        <c16:showExpandCollapseFieldButtons val="1"/>
-      </c16:pivotOptions16>
-    </c:ext>
-  </c:extLst>
 </c:chartSpace>
 </file>
 
@@ -1322,7 +1269,7 @@
     </p:bg>
     <p:spTree>
       <p:nvGrpSpPr>
-        <p:cNvPr id="1" name=""/>
+        <p:cNvPr id="46" name=""/>
         <p:cNvGrpSpPr/>
         <p:nvPr/>
       </p:nvGrpSpPr>
@@ -1336,7 +1283,7 @@
       </p:grpSpPr>
       <p:sp>
         <p:nvSpPr>
-          <p:cNvPr id="2" name="Header Placeholder 1"/>
+          <p:cNvPr id="1048693" name="Header Placeholder 1"/>
           <p:cNvSpPr>
             <a:spLocks noGrp="1"/>
           </p:cNvSpPr>
@@ -1349,12 +1296,10 @@
             <a:off x="0" y="0"/>
             <a:ext cx="5283200" cy="344488"/>
           </a:xfrm>
-          <a:prstGeom prst="rect">
-            <a:avLst/>
-          </a:prstGeom>
+          <a:prstGeom prst="rect"/>
         </p:spPr>
         <p:txBody>
-          <a:bodyPr vert="horz" lIns="91440" tIns="45720" rIns="91440" bIns="45720" rtlCol="0"/>
+          <a:bodyPr bIns="45720" lIns="91440" rIns="91440" rtlCol="0" tIns="45720" vert="horz"/>
           <a:lstStyle>
             <a:lvl1pPr algn="l">
               <a:defRPr sz="1200"/>
@@ -1367,7 +1312,7 @@
       </p:sp>
       <p:sp>
         <p:nvSpPr>
-          <p:cNvPr id="3" name="Date Placeholder 2"/>
+          <p:cNvPr id="1048694" name="Date Placeholder 2"/>
           <p:cNvSpPr>
             <a:spLocks noGrp="1"/>
           </p:cNvSpPr>
@@ -1380,12 +1325,10 @@
             <a:off x="6905625" y="0"/>
             <a:ext cx="5283200" cy="344488"/>
           </a:xfrm>
-          <a:prstGeom prst="rect">
-            <a:avLst/>
-          </a:prstGeom>
+          <a:prstGeom prst="rect"/>
         </p:spPr>
         <p:txBody>
-          <a:bodyPr vert="horz" lIns="91440" tIns="45720" rIns="91440" bIns="45720" rtlCol="0"/>
+          <a:bodyPr bIns="45720" lIns="91440" rIns="91440" rtlCol="0" tIns="45720" vert="horz"/>
           <a:lstStyle>
             <a:lvl1pPr algn="r">
               <a:defRPr sz="1200"/>
@@ -1402,9 +1345,9 @@
       </p:sp>
       <p:sp>
         <p:nvSpPr>
-          <p:cNvPr id="4" name="Slide Image Placeholder 3"/>
+          <p:cNvPr id="1048695" name="Slide Image Placeholder 3"/>
           <p:cNvSpPr>
-            <a:spLocks noGrp="1" noRot="1" noChangeAspect="1"/>
+            <a:spLocks noChangeAspect="1" noRot="1" noGrp="1"/>
           </p:cNvSpPr>
           <p:nvPr>
             <p:ph type="sldImg" idx="2"/>
@@ -1415,9 +1358,7 @@
             <a:off x="4038600" y="857250"/>
             <a:ext cx="4114800" cy="2314575"/>
           </a:xfrm>
-          <a:prstGeom prst="rect">
-            <a:avLst/>
-          </a:prstGeom>
+          <a:prstGeom prst="rect"/>
           <a:noFill/>
           <a:ln w="12700">
             <a:solidFill>
@@ -1426,8 +1367,7 @@
           </a:ln>
         </p:spPr>
         <p:txBody>
-          <a:bodyPr vert="horz" lIns="91440" tIns="45720" rIns="91440" bIns="45720" rtlCol="0" anchor="ctr"/>
-          <a:lstStyle/>
+          <a:bodyPr anchor="ctr" bIns="45720" lIns="91440" rIns="91440" rtlCol="0" tIns="45720" vert="horz"/>
           <a:p>
             <a:endParaRPr lang="en-IN"/>
           </a:p>
@@ -1435,7 +1375,7 @@
       </p:sp>
       <p:sp>
         <p:nvSpPr>
-          <p:cNvPr id="5" name="Notes Placeholder 4"/>
+          <p:cNvPr id="1048696" name="Notes Placeholder 4"/>
           <p:cNvSpPr>
             <a:spLocks noGrp="1"/>
           </p:cNvSpPr>
@@ -1448,13 +1388,10 @@
             <a:off x="1219200" y="3300413"/>
             <a:ext cx="9753600" cy="2700337"/>
           </a:xfrm>
-          <a:prstGeom prst="rect">
-            <a:avLst/>
-          </a:prstGeom>
+          <a:prstGeom prst="rect"/>
         </p:spPr>
         <p:txBody>
-          <a:bodyPr vert="horz" lIns="91440" tIns="45720" rIns="91440" bIns="45720" rtlCol="0"/>
-          <a:lstStyle/>
+          <a:bodyPr bIns="45720" lIns="91440" rIns="91440" rtlCol="0" tIns="45720" vert="horz"/>
           <a:p>
             <a:pPr lvl="0"/>
             <a:r>
@@ -1495,7 +1432,7 @@
       </p:sp>
       <p:sp>
         <p:nvSpPr>
-          <p:cNvPr id="6" name="Footer Placeholder 5"/>
+          <p:cNvPr id="1048697" name="Footer Placeholder 5"/>
           <p:cNvSpPr>
             <a:spLocks noGrp="1"/>
           </p:cNvSpPr>
@@ -1508,12 +1445,10 @@
             <a:off x="0" y="6513513"/>
             <a:ext cx="5283200" cy="344487"/>
           </a:xfrm>
-          <a:prstGeom prst="rect">
-            <a:avLst/>
-          </a:prstGeom>
+          <a:prstGeom prst="rect"/>
         </p:spPr>
         <p:txBody>
-          <a:bodyPr vert="horz" lIns="91440" tIns="45720" rIns="91440" bIns="45720" rtlCol="0" anchor="b"/>
+          <a:bodyPr anchor="b" bIns="45720" lIns="91440" rIns="91440" rtlCol="0" tIns="45720" vert="horz"/>
           <a:lstStyle>
             <a:lvl1pPr algn="l">
               <a:defRPr sz="1200"/>
@@ -1526,7 +1461,7 @@
       </p:sp>
       <p:sp>
         <p:nvSpPr>
-          <p:cNvPr id="7" name="Slide Number Placeholder 6"/>
+          <p:cNvPr id="1048698" name="Slide Number Placeholder 6"/>
           <p:cNvSpPr>
             <a:spLocks noGrp="1"/>
           </p:cNvSpPr>
@@ -1539,12 +1474,10 @@
             <a:off x="6905625" y="6513513"/>
             <a:ext cx="5283200" cy="344487"/>
           </a:xfrm>
-          <a:prstGeom prst="rect">
-            <a:avLst/>
-          </a:prstGeom>
+          <a:prstGeom prst="rect"/>
         </p:spPr>
         <p:txBody>
-          <a:bodyPr vert="horz" lIns="91440" tIns="45720" rIns="91440" bIns="45720" rtlCol="0" anchor="b"/>
+          <a:bodyPr anchor="b" bIns="45720" lIns="91440" rIns="91440" rtlCol="0" tIns="45720" vert="horz"/>
           <a:lstStyle>
             <a:lvl1pPr algn="r">
               <a:defRPr sz="1200"/>
@@ -1560,15 +1493,10 @@
         </p:txBody>
       </p:sp>
     </p:spTree>
-    <p:extLst>
-      <p:ext uri="{BB962C8B-B14F-4D97-AF65-F5344CB8AC3E}">
-        <p14:creationId xmlns:p14="http://schemas.microsoft.com/office/powerpoint/2010/main" val="2918557904"/>
-      </p:ext>
-    </p:extLst>
   </p:cSld>
-  <p:clrMap bg1="lt1" tx1="dk1" bg2="lt2" tx2="dk2" accent1="accent1" accent2="accent2" accent3="accent3" accent4="accent4" accent5="accent5" accent6="accent6" hlink="hlink" folHlink="folHlink"/>
+  <p:clrMap accent1="accent1" accent2="accent2" accent3="accent3" accent4="accent4" accent5="accent5" accent6="accent6" bg1="lt1" bg2="lt2" tx1="dk1" tx2="dk2" hlink="hlink" folHlink="folHlink"/>
   <p:notesStyle>
-    <a:lvl1pPr marL="0" algn="l" defTabSz="914400" rtl="0" eaLnBrk="1" latinLnBrk="0" hangingPunct="1">
+    <a:lvl1pPr algn="l" defTabSz="914400" eaLnBrk="1" hangingPunct="1" latinLnBrk="0" marL="0" rtl="0">
       <a:defRPr sz="1200" kern="1200">
         <a:solidFill>
           <a:schemeClr val="tx1"/>
@@ -1578,7 +1506,7 @@
         <a:cs typeface="+mn-cs"/>
       </a:defRPr>
     </a:lvl1pPr>
-    <a:lvl2pPr marL="457200" algn="l" defTabSz="914400" rtl="0" eaLnBrk="1" latinLnBrk="0" hangingPunct="1">
+    <a:lvl2pPr algn="l" defTabSz="914400" eaLnBrk="1" hangingPunct="1" latinLnBrk="0" marL="457200" rtl="0">
       <a:defRPr sz="1200" kern="1200">
         <a:solidFill>
           <a:schemeClr val="tx1"/>
@@ -1588,7 +1516,7 @@
         <a:cs typeface="+mn-cs"/>
       </a:defRPr>
     </a:lvl2pPr>
-    <a:lvl3pPr marL="914400" algn="l" defTabSz="914400" rtl="0" eaLnBrk="1" latinLnBrk="0" hangingPunct="1">
+    <a:lvl3pPr algn="l" defTabSz="914400" eaLnBrk="1" hangingPunct="1" latinLnBrk="0" marL="914400" rtl="0">
       <a:defRPr sz="1200" kern="1200">
         <a:solidFill>
           <a:schemeClr val="tx1"/>
@@ -1598,7 +1526,7 @@
         <a:cs typeface="+mn-cs"/>
       </a:defRPr>
     </a:lvl3pPr>
-    <a:lvl4pPr marL="1371600" algn="l" defTabSz="914400" rtl="0" eaLnBrk="1" latinLnBrk="0" hangingPunct="1">
+    <a:lvl4pPr algn="l" defTabSz="914400" eaLnBrk="1" hangingPunct="1" latinLnBrk="0" marL="1371600" rtl="0">
       <a:defRPr sz="1200" kern="1200">
         <a:solidFill>
           <a:schemeClr val="tx1"/>
@@ -1608,7 +1536,7 @@
         <a:cs typeface="+mn-cs"/>
       </a:defRPr>
     </a:lvl4pPr>
-    <a:lvl5pPr marL="1828800" algn="l" defTabSz="914400" rtl="0" eaLnBrk="1" latinLnBrk="0" hangingPunct="1">
+    <a:lvl5pPr algn="l" defTabSz="914400" eaLnBrk="1" hangingPunct="1" latinLnBrk="0" marL="1828800" rtl="0">
       <a:defRPr sz="1200" kern="1200">
         <a:solidFill>
           <a:schemeClr val="tx1"/>
@@ -1618,7 +1546,7 @@
         <a:cs typeface="+mn-cs"/>
       </a:defRPr>
     </a:lvl5pPr>
-    <a:lvl6pPr marL="2286000" algn="l" defTabSz="914400" rtl="0" eaLnBrk="1" latinLnBrk="0" hangingPunct="1">
+    <a:lvl6pPr algn="l" defTabSz="914400" eaLnBrk="1" hangingPunct="1" latinLnBrk="0" marL="2286000" rtl="0">
       <a:defRPr sz="1200" kern="1200">
         <a:solidFill>
           <a:schemeClr val="tx1"/>
@@ -1628,7 +1556,7 @@
         <a:cs typeface="+mn-cs"/>
       </a:defRPr>
     </a:lvl6pPr>
-    <a:lvl7pPr marL="2743200" algn="l" defTabSz="914400" rtl="0" eaLnBrk="1" latinLnBrk="0" hangingPunct="1">
+    <a:lvl7pPr algn="l" defTabSz="914400" eaLnBrk="1" hangingPunct="1" latinLnBrk="0" marL="2743200" rtl="0">
       <a:defRPr sz="1200" kern="1200">
         <a:solidFill>
           <a:schemeClr val="tx1"/>
@@ -1638,7 +1566,7 @@
         <a:cs typeface="+mn-cs"/>
       </a:defRPr>
     </a:lvl7pPr>
-    <a:lvl8pPr marL="3200400" algn="l" defTabSz="914400" rtl="0" eaLnBrk="1" latinLnBrk="0" hangingPunct="1">
+    <a:lvl8pPr algn="l" defTabSz="914400" eaLnBrk="1" hangingPunct="1" latinLnBrk="0" marL="3200400" rtl="0">
       <a:defRPr sz="1200" kern="1200">
         <a:solidFill>
           <a:schemeClr val="tx1"/>
@@ -1648,7 +1576,7 @@
         <a:cs typeface="+mn-cs"/>
       </a:defRPr>
     </a:lvl8pPr>
-    <a:lvl9pPr marL="3657600" algn="l" defTabSz="914400" rtl="0" eaLnBrk="1" latinLnBrk="0" hangingPunct="1">
+    <a:lvl9pPr algn="l" defTabSz="914400" eaLnBrk="1" hangingPunct="1" latinLnBrk="0" marL="3657600" rtl="0">
       <a:defRPr sz="1200" kern="1200">
         <a:solidFill>
           <a:schemeClr val="tx1"/>
@@ -1667,7 +1595,7 @@
   <p:cSld>
     <p:spTree>
       <p:nvGrpSpPr>
-        <p:cNvPr id="1" name=""/>
+        <p:cNvPr id="22" name=""/>
         <p:cNvGrpSpPr/>
         <p:nvPr/>
       </p:nvGrpSpPr>
@@ -1681,9 +1609,9 @@
       </p:grpSpPr>
       <p:sp>
         <p:nvSpPr>
-          <p:cNvPr id="2" name="Slide Image Placeholder 1"/>
+          <p:cNvPr id="1048603" name="Slide Image Placeholder 1"/>
           <p:cNvSpPr>
-            <a:spLocks noGrp="1" noRot="1" noChangeAspect="1"/>
+            <a:spLocks noChangeAspect="1" noRot="1" noGrp="1"/>
           </p:cNvSpPr>
           <p:nvPr>
             <p:ph type="sldImg"/>
@@ -1693,7 +1621,7 @@
       </p:sp>
       <p:sp>
         <p:nvSpPr>
-          <p:cNvPr id="3" name="Notes Placeholder 2"/>
+          <p:cNvPr id="1048604" name="Notes Placeholder 2"/>
           <p:cNvSpPr>
             <a:spLocks noGrp="1"/>
           </p:cNvSpPr>
@@ -1704,15 +1632,14 @@
         <p:spPr/>
         <p:txBody>
           <a:bodyPr/>
-          <a:lstStyle/>
-          <a:p>
-            <a:endParaRPr lang="en-IN" dirty="0"/>
-          </a:p>
-        </p:txBody>
-      </p:sp>
-      <p:sp>
-        <p:nvSpPr>
-          <p:cNvPr id="4" name="Slide Number Placeholder 3"/>
+          <a:p>
+            <a:endParaRPr dirty="0" lang="en-IN"/>
+          </a:p>
+        </p:txBody>
+      </p:sp>
+      <p:sp>
+        <p:nvSpPr>
+          <p:cNvPr id="1048605" name="Slide Number Placeholder 3"/>
           <p:cNvSpPr>
             <a:spLocks noGrp="1"/>
           </p:cNvSpPr>
@@ -1723,7 +1650,6 @@
         <p:spPr/>
         <p:txBody>
           <a:bodyPr/>
-          <a:lstStyle/>
           <a:p>
             <a:fld id="{F7F439ED-1E90-4106-847A-8EF19031FE2F}" type="slidenum">
               <a:rPr lang="en-IN" smtClean="0"/>
@@ -1734,11 +1660,6 @@
         </p:txBody>
       </p:sp>
     </p:spTree>
-    <p:extLst>
-      <p:ext uri="{BB962C8B-B14F-4D97-AF65-F5344CB8AC3E}">
-        <p14:creationId xmlns:p14="http://schemas.microsoft.com/office/powerpoint/2010/main" val="404353501"/>
-      </p:ext>
-    </p:extLst>
   </p:cSld>
   <p:clrMapOvr>
     <a:masterClrMapping/>
@@ -1747,11 +1668,11 @@
 </file>
 
 <file path=ppt/slideLayouts/slideLayout1.xml><?xml version="1.0" encoding="utf-8"?>
-<p:sldLayout xmlns:a="http://schemas.openxmlformats.org/drawingml/2006/main" xmlns:r="http://schemas.openxmlformats.org/officeDocument/2006/relationships" xmlns:p="http://schemas.openxmlformats.org/presentationml/2006/main" type="obj" preserve="1">
+<p:sldLayout xmlns:a="http://schemas.openxmlformats.org/drawingml/2006/main" xmlns:r="http://schemas.openxmlformats.org/officeDocument/2006/relationships" xmlns:p="http://schemas.openxmlformats.org/presentationml/2006/main" preserve="1" type="obj">
   <p:cSld name="Title Slide">
     <p:spTree>
       <p:nvGrpSpPr>
-        <p:cNvPr id="1" name=""/>
+        <p:cNvPr id="18" name=""/>
         <p:cNvGrpSpPr/>
         <p:nvPr/>
       </p:nvGrpSpPr>
@@ -1765,7 +1686,7 @@
       </p:grpSpPr>
       <p:sp>
         <p:nvSpPr>
-          <p:cNvPr id="2" name="Holder 2"/>
+          <p:cNvPr id="1048591" name="Holder 2"/>
           <p:cNvSpPr>
             <a:spLocks noGrp="1"/>
           </p:cNvSpPr>
@@ -1778,17 +1699,15 @@
             <a:off x="3195574" y="2067305"/>
             <a:ext cx="5800851" cy="518160"/>
           </a:xfrm>
-          <a:prstGeom prst="rect">
-            <a:avLst/>
-          </a:prstGeom>
+          <a:prstGeom prst="rect"/>
         </p:spPr>
         <p:txBody>
-          <a:bodyPr wrap="square" lIns="0" tIns="0" rIns="0" bIns="0">
+          <a:bodyPr bIns="0" lIns="0" rIns="0" tIns="0" wrap="square">
             <a:spAutoFit/>
           </a:bodyPr>
           <a:lstStyle>
             <a:lvl1pPr>
-              <a:defRPr sz="3200" b="0" i="0">
+              <a:defRPr b="0" sz="3200" i="0">
                 <a:solidFill>
                   <a:schemeClr val="tx1"/>
                 </a:solidFill>
@@ -1797,14 +1716,12 @@
               </a:defRPr>
             </a:lvl1pPr>
           </a:lstStyle>
-          <a:p>
-            <a:endParaRPr/>
-          </a:p>
-        </p:txBody>
-      </p:sp>
-      <p:sp>
-        <p:nvSpPr>
-          <p:cNvPr id="3" name="Holder 3"/>
+          <a:p/>
+        </p:txBody>
+      </p:sp>
+      <p:sp>
+        <p:nvSpPr>
+          <p:cNvPr id="1048592" name="Holder 3"/>
           <p:cNvSpPr>
             <a:spLocks noGrp="1"/>
           </p:cNvSpPr>
@@ -1817,27 +1734,18 @@
             <a:off x="1828800" y="3840480"/>
             <a:ext cx="8534400" cy="1714500"/>
           </a:xfrm>
-          <a:prstGeom prst="rect">
-            <a:avLst/>
-          </a:prstGeom>
+          <a:prstGeom prst="rect"/>
         </p:spPr>
         <p:txBody>
-          <a:bodyPr wrap="square" lIns="0" tIns="0" rIns="0" bIns="0">
+          <a:bodyPr bIns="0" lIns="0" rIns="0" tIns="0" wrap="square">
             <a:spAutoFit/>
           </a:bodyPr>
-          <a:lstStyle>
-            <a:lvl1pPr>
-              <a:defRPr/>
-            </a:lvl1pPr>
-          </a:lstStyle>
-          <a:p>
-            <a:endParaRPr/>
-          </a:p>
-        </p:txBody>
-      </p:sp>
-      <p:sp>
-        <p:nvSpPr>
-          <p:cNvPr id="4" name="Holder 4"/>
+          <a:p/>
+        </p:txBody>
+      </p:sp>
+      <p:sp>
+        <p:nvSpPr>
+          <p:cNvPr id="1048593" name="Holder 4"/>
           <p:cNvSpPr>
             <a:spLocks noGrp="1"/>
           </p:cNvSpPr>
@@ -1847,7 +1755,7 @@
         </p:nvSpPr>
         <p:spPr/>
         <p:txBody>
-          <a:bodyPr lIns="0" tIns="0" rIns="0" bIns="0"/>
+          <a:bodyPr bIns="0" lIns="0" rIns="0" tIns="0"/>
           <a:lstStyle>
             <a:lvl1pPr algn="ctr">
               <a:defRPr>
@@ -1859,14 +1767,12 @@
               </a:defRPr>
             </a:lvl1pPr>
           </a:lstStyle>
-          <a:p>
-            <a:endParaRPr/>
-          </a:p>
-        </p:txBody>
-      </p:sp>
-      <p:sp>
-        <p:nvSpPr>
-          <p:cNvPr id="5" name="Holder 5"/>
+          <a:p/>
+        </p:txBody>
+      </p:sp>
+      <p:sp>
+        <p:nvSpPr>
+          <p:cNvPr id="1048594" name="Holder 5"/>
           <p:cNvSpPr>
             <a:spLocks noGrp="1"/>
           </p:cNvSpPr>
@@ -1876,7 +1782,7 @@
         </p:nvSpPr>
         <p:spPr/>
         <p:txBody>
-          <a:bodyPr lIns="0" tIns="0" rIns="0" bIns="0"/>
+          <a:bodyPr bIns="0" lIns="0" rIns="0" tIns="0"/>
           <a:lstStyle>
             <a:lvl1pPr algn="l">
               <a:defRPr>
@@ -1899,7 +1805,7 @@
       </p:sp>
       <p:sp>
         <p:nvSpPr>
-          <p:cNvPr id="6" name="Holder 6"/>
+          <p:cNvPr id="1048595" name="Holder 6"/>
           <p:cNvSpPr>
             <a:spLocks noGrp="1"/>
           </p:cNvSpPr>
@@ -1909,10 +1815,10 @@
         </p:nvSpPr>
         <p:spPr/>
         <p:txBody>
-          <a:bodyPr lIns="0" tIns="0" rIns="0" bIns="0"/>
+          <a:bodyPr bIns="0" lIns="0" rIns="0" tIns="0"/>
           <a:lstStyle>
             <a:lvl1pPr>
-              <a:defRPr sz="1100" b="0" i="0">
+              <a:defRPr b="0" sz="1100" i="0">
                 <a:solidFill>
                   <a:srgbClr val="2D936B"/>
                 </a:solidFill>
@@ -1931,10 +1837,10 @@
               </a:spcBef>
             </a:pPr>
             <a:fld id="{81D60167-4931-47E6-BA6A-407CBD079E47}" type="slidenum">
-              <a:rPr spc="10" dirty="0"/>
+              <a:rPr dirty="0" spc="10"/>
               <a:t>‹#›</a:t>
             </a:fld>
-            <a:endParaRPr spc="10" dirty="0"/>
+            <a:endParaRPr dirty="0" spc="10"/>
           </a:p>
         </p:txBody>
       </p:sp>
@@ -1947,11 +1853,11 @@
 </file>
 
 <file path=ppt/slideLayouts/slideLayout2.xml><?xml version="1.0" encoding="utf-8"?>
-<p:sldLayout xmlns:a="http://schemas.openxmlformats.org/drawingml/2006/main" xmlns:r="http://schemas.openxmlformats.org/officeDocument/2006/relationships" xmlns:p="http://schemas.openxmlformats.org/presentationml/2006/main" type="obj" preserve="1">
+<p:sldLayout xmlns:a="http://schemas.openxmlformats.org/drawingml/2006/main" xmlns:r="http://schemas.openxmlformats.org/officeDocument/2006/relationships" xmlns:p="http://schemas.openxmlformats.org/presentationml/2006/main" preserve="1" type="obj">
   <p:cSld name="Title and Content">
     <p:spTree>
       <p:nvGrpSpPr>
-        <p:cNvPr id="1" name=""/>
+        <p:cNvPr id="43" name=""/>
         <p:cNvGrpSpPr/>
         <p:nvPr/>
       </p:nvGrpSpPr>
@@ -1965,7 +1871,7 @@
       </p:grpSpPr>
       <p:sp>
         <p:nvSpPr>
-          <p:cNvPr id="2" name="Holder 2"/>
+          <p:cNvPr id="1048679" name="Holder 2"/>
           <p:cNvSpPr>
             <a:spLocks noGrp="1"/>
           </p:cNvSpPr>
@@ -1975,10 +1881,10 @@
         </p:nvSpPr>
         <p:spPr/>
         <p:txBody>
-          <a:bodyPr lIns="0" tIns="0" rIns="0" bIns="0"/>
+          <a:bodyPr bIns="0" lIns="0" rIns="0" tIns="0"/>
           <a:lstStyle>
             <a:lvl1pPr>
-              <a:defRPr sz="4800" b="1" i="0">
+              <a:defRPr b="1" sz="4800" i="0">
                 <a:solidFill>
                   <a:schemeClr val="tx1"/>
                 </a:solidFill>
@@ -1987,14 +1893,12 @@
               </a:defRPr>
             </a:lvl1pPr>
           </a:lstStyle>
-          <a:p>
-            <a:endParaRPr/>
-          </a:p>
-        </p:txBody>
-      </p:sp>
-      <p:sp>
-        <p:nvSpPr>
-          <p:cNvPr id="3" name="Holder 3"/>
+          <a:p/>
+        </p:txBody>
+      </p:sp>
+      <p:sp>
+        <p:nvSpPr>
+          <p:cNvPr id="1048680" name="Holder 3"/>
           <p:cNvSpPr>
             <a:spLocks noGrp="1"/>
           </p:cNvSpPr>
@@ -2004,20 +1908,13 @@
         </p:nvSpPr>
         <p:spPr/>
         <p:txBody>
-          <a:bodyPr lIns="0" tIns="0" rIns="0" bIns="0"/>
-          <a:lstStyle>
-            <a:lvl1pPr>
-              <a:defRPr/>
-            </a:lvl1pPr>
-          </a:lstStyle>
-          <a:p>
-            <a:endParaRPr/>
-          </a:p>
-        </p:txBody>
-      </p:sp>
-      <p:sp>
-        <p:nvSpPr>
-          <p:cNvPr id="4" name="Holder 4"/>
+          <a:bodyPr bIns="0" lIns="0" rIns="0" tIns="0"/>
+          <a:p/>
+        </p:txBody>
+      </p:sp>
+      <p:sp>
+        <p:nvSpPr>
+          <p:cNvPr id="1048681" name="Holder 4"/>
           <p:cNvSpPr>
             <a:spLocks noGrp="1"/>
           </p:cNvSpPr>
@@ -2027,7 +1924,7 @@
         </p:nvSpPr>
         <p:spPr/>
         <p:txBody>
-          <a:bodyPr lIns="0" tIns="0" rIns="0" bIns="0"/>
+          <a:bodyPr bIns="0" lIns="0" rIns="0" tIns="0"/>
           <a:lstStyle>
             <a:lvl1pPr algn="ctr">
               <a:defRPr>
@@ -2039,14 +1936,12 @@
               </a:defRPr>
             </a:lvl1pPr>
           </a:lstStyle>
-          <a:p>
-            <a:endParaRPr/>
-          </a:p>
-        </p:txBody>
-      </p:sp>
-      <p:sp>
-        <p:nvSpPr>
-          <p:cNvPr id="5" name="Holder 5"/>
+          <a:p/>
+        </p:txBody>
+      </p:sp>
+      <p:sp>
+        <p:nvSpPr>
+          <p:cNvPr id="1048682" name="Holder 5"/>
           <p:cNvSpPr>
             <a:spLocks noGrp="1"/>
           </p:cNvSpPr>
@@ -2056,7 +1951,7 @@
         </p:nvSpPr>
         <p:spPr/>
         <p:txBody>
-          <a:bodyPr lIns="0" tIns="0" rIns="0" bIns="0"/>
+          <a:bodyPr bIns="0" lIns="0" rIns="0" tIns="0"/>
           <a:lstStyle>
             <a:lvl1pPr algn="l">
               <a:defRPr>
@@ -2079,7 +1974,7 @@
       </p:sp>
       <p:sp>
         <p:nvSpPr>
-          <p:cNvPr id="6" name="Holder 6"/>
+          <p:cNvPr id="1048683" name="Holder 6"/>
           <p:cNvSpPr>
             <a:spLocks noGrp="1"/>
           </p:cNvSpPr>
@@ -2089,10 +1984,10 @@
         </p:nvSpPr>
         <p:spPr/>
         <p:txBody>
-          <a:bodyPr lIns="0" tIns="0" rIns="0" bIns="0"/>
+          <a:bodyPr bIns="0" lIns="0" rIns="0" tIns="0"/>
           <a:lstStyle>
             <a:lvl1pPr>
-              <a:defRPr sz="1100" b="0" i="0">
+              <a:defRPr b="0" sz="1100" i="0">
                 <a:solidFill>
                   <a:srgbClr val="2D936B"/>
                 </a:solidFill>
@@ -2111,10 +2006,10 @@
               </a:spcBef>
             </a:pPr>
             <a:fld id="{81D60167-4931-47E6-BA6A-407CBD079E47}" type="slidenum">
-              <a:rPr spc="10" dirty="0"/>
+              <a:rPr dirty="0" spc="10"/>
               <a:t>‹#›</a:t>
             </a:fld>
-            <a:endParaRPr spc="10" dirty="0"/>
+            <a:endParaRPr dirty="0" spc="10"/>
           </a:p>
         </p:txBody>
       </p:sp>
@@ -2127,11 +2022,11 @@
 </file>
 
 <file path=ppt/slideLayouts/slideLayout3.xml><?xml version="1.0" encoding="utf-8"?>
-<p:sldLayout xmlns:a="http://schemas.openxmlformats.org/drawingml/2006/main" xmlns:r="http://schemas.openxmlformats.org/officeDocument/2006/relationships" xmlns:p="http://schemas.openxmlformats.org/presentationml/2006/main" type="obj" preserve="1">
+<p:sldLayout xmlns:a="http://schemas.openxmlformats.org/drawingml/2006/main" xmlns:r="http://schemas.openxmlformats.org/officeDocument/2006/relationships" xmlns:p="http://schemas.openxmlformats.org/presentationml/2006/main" preserve="1" type="obj">
   <p:cSld name="Two Content">
     <p:spTree>
       <p:nvGrpSpPr>
-        <p:cNvPr id="1" name=""/>
+        <p:cNvPr id="44" name=""/>
         <p:cNvGrpSpPr/>
         <p:nvPr/>
       </p:nvGrpSpPr>
@@ -2145,7 +2040,7 @@
       </p:grpSpPr>
       <p:sp>
         <p:nvSpPr>
-          <p:cNvPr id="2" name="Holder 2"/>
+          <p:cNvPr id="1048684" name="Holder 2"/>
           <p:cNvSpPr>
             <a:spLocks noGrp="1"/>
           </p:cNvSpPr>
@@ -2155,10 +2050,10 @@
         </p:nvSpPr>
         <p:spPr/>
         <p:txBody>
-          <a:bodyPr lIns="0" tIns="0" rIns="0" bIns="0"/>
+          <a:bodyPr bIns="0" lIns="0" rIns="0" tIns="0"/>
           <a:lstStyle>
             <a:lvl1pPr>
-              <a:defRPr sz="4800" b="1" i="0">
+              <a:defRPr b="1" sz="4800" i="0">
                 <a:solidFill>
                   <a:schemeClr val="tx1"/>
                 </a:solidFill>
@@ -2167,14 +2062,12 @@
               </a:defRPr>
             </a:lvl1pPr>
           </a:lstStyle>
-          <a:p>
-            <a:endParaRPr/>
-          </a:p>
-        </p:txBody>
-      </p:sp>
-      <p:sp>
-        <p:nvSpPr>
-          <p:cNvPr id="3" name="Holder 3"/>
+          <a:p/>
+        </p:txBody>
+      </p:sp>
+      <p:sp>
+        <p:nvSpPr>
+          <p:cNvPr id="1048685" name="Holder 3"/>
           <p:cNvSpPr>
             <a:spLocks noGrp="1"/>
           </p:cNvSpPr>
@@ -2187,27 +2080,18 @@
             <a:off x="609600" y="1577340"/>
             <a:ext cx="5303520" cy="4526280"/>
           </a:xfrm>
-          <a:prstGeom prst="rect">
-            <a:avLst/>
-          </a:prstGeom>
+          <a:prstGeom prst="rect"/>
         </p:spPr>
         <p:txBody>
-          <a:bodyPr wrap="square" lIns="0" tIns="0" rIns="0" bIns="0">
+          <a:bodyPr bIns="0" lIns="0" rIns="0" tIns="0" wrap="square">
             <a:spAutoFit/>
           </a:bodyPr>
-          <a:lstStyle>
-            <a:lvl1pPr>
-              <a:defRPr/>
-            </a:lvl1pPr>
-          </a:lstStyle>
-          <a:p>
-            <a:endParaRPr/>
-          </a:p>
-        </p:txBody>
-      </p:sp>
-      <p:sp>
-        <p:nvSpPr>
-          <p:cNvPr id="4" name="Holder 4"/>
+          <a:p/>
+        </p:txBody>
+      </p:sp>
+      <p:sp>
+        <p:nvSpPr>
+          <p:cNvPr id="1048686" name="Holder 4"/>
           <p:cNvSpPr>
             <a:spLocks noGrp="1"/>
           </p:cNvSpPr>
@@ -2220,27 +2104,18 @@
             <a:off x="6278880" y="1577340"/>
             <a:ext cx="5303520" cy="4526280"/>
           </a:xfrm>
-          <a:prstGeom prst="rect">
-            <a:avLst/>
-          </a:prstGeom>
+          <a:prstGeom prst="rect"/>
         </p:spPr>
         <p:txBody>
-          <a:bodyPr wrap="square" lIns="0" tIns="0" rIns="0" bIns="0">
+          <a:bodyPr bIns="0" lIns="0" rIns="0" tIns="0" wrap="square">
             <a:spAutoFit/>
           </a:bodyPr>
-          <a:lstStyle>
-            <a:lvl1pPr>
-              <a:defRPr/>
-            </a:lvl1pPr>
-          </a:lstStyle>
-          <a:p>
-            <a:endParaRPr/>
-          </a:p>
-        </p:txBody>
-      </p:sp>
-      <p:sp>
-        <p:nvSpPr>
-          <p:cNvPr id="5" name="Holder 5"/>
+          <a:p/>
+        </p:txBody>
+      </p:sp>
+      <p:sp>
+        <p:nvSpPr>
+          <p:cNvPr id="1048687" name="Holder 5"/>
           <p:cNvSpPr>
             <a:spLocks noGrp="1"/>
           </p:cNvSpPr>
@@ -2250,7 +2125,7 @@
         </p:nvSpPr>
         <p:spPr/>
         <p:txBody>
-          <a:bodyPr lIns="0" tIns="0" rIns="0" bIns="0"/>
+          <a:bodyPr bIns="0" lIns="0" rIns="0" tIns="0"/>
           <a:lstStyle>
             <a:lvl1pPr algn="ctr">
               <a:defRPr>
@@ -2262,14 +2137,12 @@
               </a:defRPr>
             </a:lvl1pPr>
           </a:lstStyle>
-          <a:p>
-            <a:endParaRPr/>
-          </a:p>
-        </p:txBody>
-      </p:sp>
-      <p:sp>
-        <p:nvSpPr>
-          <p:cNvPr id="6" name="Holder 6"/>
+          <a:p/>
+        </p:txBody>
+      </p:sp>
+      <p:sp>
+        <p:nvSpPr>
+          <p:cNvPr id="1048688" name="Holder 6"/>
           <p:cNvSpPr>
             <a:spLocks noGrp="1"/>
           </p:cNvSpPr>
@@ -2279,7 +2152,7 @@
         </p:nvSpPr>
         <p:spPr/>
         <p:txBody>
-          <a:bodyPr lIns="0" tIns="0" rIns="0" bIns="0"/>
+          <a:bodyPr bIns="0" lIns="0" rIns="0" tIns="0"/>
           <a:lstStyle>
             <a:lvl1pPr algn="l">
               <a:defRPr>
@@ -2302,7 +2175,7 @@
       </p:sp>
       <p:sp>
         <p:nvSpPr>
-          <p:cNvPr id="7" name="Holder 7"/>
+          <p:cNvPr id="1048689" name="Holder 7"/>
           <p:cNvSpPr>
             <a:spLocks noGrp="1"/>
           </p:cNvSpPr>
@@ -2312,10 +2185,10 @@
         </p:nvSpPr>
         <p:spPr/>
         <p:txBody>
-          <a:bodyPr lIns="0" tIns="0" rIns="0" bIns="0"/>
+          <a:bodyPr bIns="0" lIns="0" rIns="0" tIns="0"/>
           <a:lstStyle>
             <a:lvl1pPr>
-              <a:defRPr sz="1100" b="0" i="0">
+              <a:defRPr b="0" sz="1100" i="0">
                 <a:solidFill>
                   <a:srgbClr val="2D936B"/>
                 </a:solidFill>
@@ -2334,10 +2207,10 @@
               </a:spcBef>
             </a:pPr>
             <a:fld id="{81D60167-4931-47E6-BA6A-407CBD079E47}" type="slidenum">
-              <a:rPr spc="10" dirty="0"/>
+              <a:rPr dirty="0" spc="10"/>
               <a:t>‹#›</a:t>
             </a:fld>
-            <a:endParaRPr spc="10" dirty="0"/>
+            <a:endParaRPr dirty="0" spc="10"/>
           </a:p>
         </p:txBody>
       </p:sp>
@@ -2350,11 +2223,11 @@
 </file>
 
 <file path=ppt/slideLayouts/slideLayout4.xml><?xml version="1.0" encoding="utf-8"?>
-<p:sldLayout xmlns:a="http://schemas.openxmlformats.org/drawingml/2006/main" xmlns:r="http://schemas.openxmlformats.org/officeDocument/2006/relationships" xmlns:p="http://schemas.openxmlformats.org/presentationml/2006/main" type="obj" preserve="1">
+<p:sldLayout xmlns:a="http://schemas.openxmlformats.org/drawingml/2006/main" xmlns:r="http://schemas.openxmlformats.org/officeDocument/2006/relationships" xmlns:p="http://schemas.openxmlformats.org/presentationml/2006/main" preserve="1" type="obj">
   <p:cSld name="Title Only">
     <p:spTree>
       <p:nvGrpSpPr>
-        <p:cNvPr id="1" name=""/>
+        <p:cNvPr id="25" name=""/>
         <p:cNvGrpSpPr/>
         <p:nvPr/>
       </p:nvGrpSpPr>
@@ -2368,7 +2241,7 @@
       </p:grpSpPr>
       <p:sp>
         <p:nvSpPr>
-          <p:cNvPr id="2" name="Holder 2"/>
+          <p:cNvPr id="1048606" name="Holder 2"/>
           <p:cNvSpPr>
             <a:spLocks noGrp="1"/>
           </p:cNvSpPr>
@@ -2378,10 +2251,10 @@
         </p:nvSpPr>
         <p:spPr/>
         <p:txBody>
-          <a:bodyPr lIns="0" tIns="0" rIns="0" bIns="0"/>
+          <a:bodyPr bIns="0" lIns="0" rIns="0" tIns="0"/>
           <a:lstStyle>
             <a:lvl1pPr>
-              <a:defRPr sz="4800" b="1" i="0">
+              <a:defRPr b="1" sz="4800" i="0">
                 <a:solidFill>
                   <a:schemeClr val="tx1"/>
                 </a:solidFill>
@@ -2390,14 +2263,12 @@
               </a:defRPr>
             </a:lvl1pPr>
           </a:lstStyle>
-          <a:p>
-            <a:endParaRPr/>
-          </a:p>
-        </p:txBody>
-      </p:sp>
-      <p:sp>
-        <p:nvSpPr>
-          <p:cNvPr id="3" name="Holder 3"/>
+          <a:p/>
+        </p:txBody>
+      </p:sp>
+      <p:sp>
+        <p:nvSpPr>
+          <p:cNvPr id="1048607" name="Holder 3"/>
           <p:cNvSpPr>
             <a:spLocks noGrp="1"/>
           </p:cNvSpPr>
@@ -2407,7 +2278,7 @@
         </p:nvSpPr>
         <p:spPr/>
         <p:txBody>
-          <a:bodyPr lIns="0" tIns="0" rIns="0" bIns="0"/>
+          <a:bodyPr bIns="0" lIns="0" rIns="0" tIns="0"/>
           <a:lstStyle>
             <a:lvl1pPr algn="ctr">
               <a:defRPr>
@@ -2419,14 +2290,12 @@
               </a:defRPr>
             </a:lvl1pPr>
           </a:lstStyle>
-          <a:p>
-            <a:endParaRPr/>
-          </a:p>
-        </p:txBody>
-      </p:sp>
-      <p:sp>
-        <p:nvSpPr>
-          <p:cNvPr id="4" name="Holder 4"/>
+          <a:p/>
+        </p:txBody>
+      </p:sp>
+      <p:sp>
+        <p:nvSpPr>
+          <p:cNvPr id="1048608" name="Holder 4"/>
           <p:cNvSpPr>
             <a:spLocks noGrp="1"/>
           </p:cNvSpPr>
@@ -2436,7 +2305,7 @@
         </p:nvSpPr>
         <p:spPr/>
         <p:txBody>
-          <a:bodyPr lIns="0" tIns="0" rIns="0" bIns="0"/>
+          <a:bodyPr bIns="0" lIns="0" rIns="0" tIns="0"/>
           <a:lstStyle>
             <a:lvl1pPr algn="l">
               <a:defRPr>
@@ -2459,7 +2328,7 @@
       </p:sp>
       <p:sp>
         <p:nvSpPr>
-          <p:cNvPr id="5" name="Holder 5"/>
+          <p:cNvPr id="1048609" name="Holder 5"/>
           <p:cNvSpPr>
             <a:spLocks noGrp="1"/>
           </p:cNvSpPr>
@@ -2469,10 +2338,10 @@
         </p:nvSpPr>
         <p:spPr/>
         <p:txBody>
-          <a:bodyPr lIns="0" tIns="0" rIns="0" bIns="0"/>
+          <a:bodyPr bIns="0" lIns="0" rIns="0" tIns="0"/>
           <a:lstStyle>
             <a:lvl1pPr>
-              <a:defRPr sz="1100" b="0" i="0">
+              <a:defRPr b="0" sz="1100" i="0">
                 <a:solidFill>
                   <a:srgbClr val="2D936B"/>
                 </a:solidFill>
@@ -2491,10 +2360,10 @@
               </a:spcBef>
             </a:pPr>
             <a:fld id="{81D60167-4931-47E6-BA6A-407CBD079E47}" type="slidenum">
-              <a:rPr spc="10" dirty="0"/>
+              <a:rPr dirty="0" spc="10"/>
               <a:t>‹#›</a:t>
             </a:fld>
-            <a:endParaRPr spc="10" dirty="0"/>
+            <a:endParaRPr dirty="0" spc="10"/>
           </a:p>
         </p:txBody>
       </p:sp>
@@ -2507,11 +2376,11 @@
 </file>
 
 <file path=ppt/slideLayouts/slideLayout5.xml><?xml version="1.0" encoding="utf-8"?>
-<p:sldLayout xmlns:a="http://schemas.openxmlformats.org/drawingml/2006/main" xmlns:r="http://schemas.openxmlformats.org/officeDocument/2006/relationships" xmlns:p="http://schemas.openxmlformats.org/presentationml/2006/main" type="obj" preserve="1">
+<p:sldLayout xmlns:a="http://schemas.openxmlformats.org/drawingml/2006/main" xmlns:r="http://schemas.openxmlformats.org/officeDocument/2006/relationships" xmlns:p="http://schemas.openxmlformats.org/presentationml/2006/main" preserve="1" type="obj">
   <p:cSld name="Blank">
     <p:spTree>
       <p:nvGrpSpPr>
-        <p:cNvPr id="1" name=""/>
+        <p:cNvPr id="45" name=""/>
         <p:cNvGrpSpPr/>
         <p:nvPr/>
       </p:nvGrpSpPr>
@@ -2525,7 +2394,7 @@
       </p:grpSpPr>
       <p:sp>
         <p:nvSpPr>
-          <p:cNvPr id="2" name="Holder 2"/>
+          <p:cNvPr id="1048690" name="Holder 2"/>
           <p:cNvSpPr>
             <a:spLocks noGrp="1"/>
           </p:cNvSpPr>
@@ -2535,7 +2404,7 @@
         </p:nvSpPr>
         <p:spPr/>
         <p:txBody>
-          <a:bodyPr lIns="0" tIns="0" rIns="0" bIns="0"/>
+          <a:bodyPr bIns="0" lIns="0" rIns="0" tIns="0"/>
           <a:lstStyle>
             <a:lvl1pPr algn="ctr">
               <a:defRPr>
@@ -2547,14 +2416,12 @@
               </a:defRPr>
             </a:lvl1pPr>
           </a:lstStyle>
-          <a:p>
-            <a:endParaRPr/>
-          </a:p>
-        </p:txBody>
-      </p:sp>
-      <p:sp>
-        <p:nvSpPr>
-          <p:cNvPr id="3" name="Holder 3"/>
+          <a:p/>
+        </p:txBody>
+      </p:sp>
+      <p:sp>
+        <p:nvSpPr>
+          <p:cNvPr id="1048691" name="Holder 3"/>
           <p:cNvSpPr>
             <a:spLocks noGrp="1"/>
           </p:cNvSpPr>
@@ -2564,7 +2431,7 @@
         </p:nvSpPr>
         <p:spPr/>
         <p:txBody>
-          <a:bodyPr lIns="0" tIns="0" rIns="0" bIns="0"/>
+          <a:bodyPr bIns="0" lIns="0" rIns="0" tIns="0"/>
           <a:lstStyle>
             <a:lvl1pPr algn="l">
               <a:defRPr>
@@ -2587,7 +2454,7 @@
       </p:sp>
       <p:sp>
         <p:nvSpPr>
-          <p:cNvPr id="4" name="Holder 4"/>
+          <p:cNvPr id="1048692" name="Holder 4"/>
           <p:cNvSpPr>
             <a:spLocks noGrp="1"/>
           </p:cNvSpPr>
@@ -2597,10 +2464,10 @@
         </p:nvSpPr>
         <p:spPr/>
         <p:txBody>
-          <a:bodyPr lIns="0" tIns="0" rIns="0" bIns="0"/>
+          <a:bodyPr bIns="0" lIns="0" rIns="0" tIns="0"/>
           <a:lstStyle>
             <a:lvl1pPr>
-              <a:defRPr sz="1100" b="0" i="0">
+              <a:defRPr b="0" sz="1100" i="0">
                 <a:solidFill>
                   <a:srgbClr val="2D936B"/>
                 </a:solidFill>
@@ -2619,10 +2486,10 @@
               </a:spcBef>
             </a:pPr>
             <a:fld id="{81D60167-4931-47E6-BA6A-407CBD079E47}" type="slidenum">
-              <a:rPr spc="10" dirty="0"/>
+              <a:rPr dirty="0" spc="10"/>
               <a:t>‹#›</a:t>
             </a:fld>
-            <a:endParaRPr spc="10" dirty="0"/>
+            <a:endParaRPr dirty="0" spc="10"/>
           </a:p>
         </p:txBody>
       </p:sp>
@@ -2647,7 +2514,7 @@
     </p:bg>
     <p:spTree>
       <p:nvGrpSpPr>
-        <p:cNvPr id="1" name=""/>
+        <p:cNvPr id="12" name=""/>
         <p:cNvGrpSpPr/>
         <p:nvPr/>
       </p:nvGrpSpPr>
@@ -2661,7 +2528,7 @@
       </p:grpSpPr>
       <p:sp>
         <p:nvSpPr>
-          <p:cNvPr id="16" name="bg object 16"/>
+          <p:cNvPr id="1048576" name="bg object 16"/>
           <p:cNvSpPr/>
           <p:nvPr/>
         </p:nvSpPr>
@@ -2672,9 +2539,7 @@
           </a:xfrm>
           <a:custGeom>
             <a:avLst/>
-            <a:gdLst/>
             <a:ahLst/>
-            <a:cxnLst/>
             <a:rect l="l" t="t" r="r" b="b"/>
             <a:pathLst>
               <a:path w="1218565" h="6853555">
@@ -2694,16 +2559,13 @@
           </a:ln>
         </p:spPr>
         <p:txBody>
-          <a:bodyPr wrap="square" lIns="0" tIns="0" rIns="0" bIns="0" rtlCol="0"/>
-          <a:lstStyle/>
-          <a:p>
-            <a:endParaRPr/>
-          </a:p>
-        </p:txBody>
-      </p:sp>
-      <p:sp>
-        <p:nvSpPr>
-          <p:cNvPr id="17" name="bg object 17"/>
+          <a:bodyPr bIns="0" lIns="0" rIns="0" rtlCol="0" tIns="0" wrap="square"/>
+          <a:p/>
+        </p:txBody>
+      </p:sp>
+      <p:sp>
+        <p:nvSpPr>
+          <p:cNvPr id="1048577" name="bg object 17"/>
           <p:cNvSpPr/>
           <p:nvPr/>
         </p:nvSpPr>
@@ -2714,9 +2576,7 @@
           </a:xfrm>
           <a:custGeom>
             <a:avLst/>
-            <a:gdLst/>
             <a:ahLst/>
-            <a:cxnLst/>
             <a:rect l="l" t="t" r="r" b="b"/>
             <a:pathLst>
               <a:path w="4743450" h="3163570">
@@ -2736,16 +2596,13 @@
           </a:ln>
         </p:spPr>
         <p:txBody>
-          <a:bodyPr wrap="square" lIns="0" tIns="0" rIns="0" bIns="0" rtlCol="0"/>
-          <a:lstStyle/>
-          <a:p>
-            <a:endParaRPr/>
-          </a:p>
-        </p:txBody>
-      </p:sp>
-      <p:sp>
-        <p:nvSpPr>
-          <p:cNvPr id="18" name="bg object 18"/>
+          <a:bodyPr bIns="0" lIns="0" rIns="0" rtlCol="0" tIns="0" wrap="square"/>
+          <a:p/>
+        </p:txBody>
+      </p:sp>
+      <p:sp>
+        <p:nvSpPr>
+          <p:cNvPr id="1048578" name="bg object 18"/>
           <p:cNvSpPr/>
           <p:nvPr/>
         </p:nvSpPr>
@@ -2756,9 +2613,7 @@
           </a:xfrm>
           <a:custGeom>
             <a:avLst/>
-            <a:gdLst/>
             <a:ahLst/>
-            <a:cxnLst/>
             <a:rect l="l" t="t" r="r" b="b"/>
             <a:pathLst>
               <a:path w="3009900" h="6858000">
@@ -2788,16 +2643,13 @@
           </a:solidFill>
         </p:spPr>
         <p:txBody>
-          <a:bodyPr wrap="square" lIns="0" tIns="0" rIns="0" bIns="0" rtlCol="0"/>
-          <a:lstStyle/>
-          <a:p>
-            <a:endParaRPr/>
-          </a:p>
-        </p:txBody>
-      </p:sp>
-      <p:sp>
-        <p:nvSpPr>
-          <p:cNvPr id="19" name="bg object 19"/>
+          <a:bodyPr bIns="0" lIns="0" rIns="0" rtlCol="0" tIns="0" wrap="square"/>
+          <a:p/>
+        </p:txBody>
+      </p:sp>
+      <p:sp>
+        <p:nvSpPr>
+          <p:cNvPr id="1048579" name="bg object 19"/>
           <p:cNvSpPr/>
           <p:nvPr/>
         </p:nvSpPr>
@@ -2808,9 +2660,7 @@
           </a:xfrm>
           <a:custGeom>
             <a:avLst/>
-            <a:gdLst/>
             <a:ahLst/>
-            <a:cxnLst/>
             <a:rect l="l" t="t" r="r" b="b"/>
             <a:pathLst>
               <a:path w="2589529" h="6858000">
@@ -2840,16 +2690,13 @@
           </a:solidFill>
         </p:spPr>
         <p:txBody>
-          <a:bodyPr wrap="square" lIns="0" tIns="0" rIns="0" bIns="0" rtlCol="0"/>
-          <a:lstStyle/>
-          <a:p>
-            <a:endParaRPr/>
-          </a:p>
-        </p:txBody>
-      </p:sp>
-      <p:sp>
-        <p:nvSpPr>
-          <p:cNvPr id="20" name="bg object 20"/>
+          <a:bodyPr bIns="0" lIns="0" rIns="0" rtlCol="0" tIns="0" wrap="square"/>
+          <a:p/>
+        </p:txBody>
+      </p:sp>
+      <p:sp>
+        <p:nvSpPr>
+          <p:cNvPr id="1048580" name="bg object 20"/>
           <p:cNvSpPr/>
           <p:nvPr/>
         </p:nvSpPr>
@@ -2860,9 +2707,7 @@
           </a:xfrm>
           <a:custGeom>
             <a:avLst/>
-            <a:gdLst/>
             <a:ahLst/>
-            <a:cxnLst/>
             <a:rect l="l" t="t" r="r" b="b"/>
             <a:pathLst>
               <a:path w="3257550" h="3810000">
@@ -2889,16 +2734,13 @@
           </a:solidFill>
         </p:spPr>
         <p:txBody>
-          <a:bodyPr wrap="square" lIns="0" tIns="0" rIns="0" bIns="0" rtlCol="0"/>
-          <a:lstStyle/>
-          <a:p>
-            <a:endParaRPr/>
-          </a:p>
-        </p:txBody>
-      </p:sp>
-      <p:sp>
-        <p:nvSpPr>
-          <p:cNvPr id="21" name="bg object 21"/>
+          <a:bodyPr bIns="0" lIns="0" rIns="0" rtlCol="0" tIns="0" wrap="square"/>
+          <a:p/>
+        </p:txBody>
+      </p:sp>
+      <p:sp>
+        <p:nvSpPr>
+          <p:cNvPr id="1048581" name="bg object 21"/>
           <p:cNvSpPr/>
           <p:nvPr/>
         </p:nvSpPr>
@@ -2909,9 +2751,7 @@
           </a:xfrm>
           <a:custGeom>
             <a:avLst/>
-            <a:gdLst/>
             <a:ahLst/>
-            <a:cxnLst/>
             <a:rect l="l" t="t" r="r" b="b"/>
             <a:pathLst>
               <a:path w="2854325" h="6858000">
@@ -2941,16 +2781,13 @@
           </a:solidFill>
         </p:spPr>
         <p:txBody>
-          <a:bodyPr wrap="square" lIns="0" tIns="0" rIns="0" bIns="0" rtlCol="0"/>
-          <a:lstStyle/>
-          <a:p>
-            <a:endParaRPr/>
-          </a:p>
-        </p:txBody>
-      </p:sp>
-      <p:sp>
-        <p:nvSpPr>
-          <p:cNvPr id="22" name="bg object 22"/>
+          <a:bodyPr bIns="0" lIns="0" rIns="0" rtlCol="0" tIns="0" wrap="square"/>
+          <a:p/>
+        </p:txBody>
+      </p:sp>
+      <p:sp>
+        <p:nvSpPr>
+          <p:cNvPr id="1048582" name="bg object 22"/>
           <p:cNvSpPr/>
           <p:nvPr/>
         </p:nvSpPr>
@@ -2961,9 +2798,7 @@
           </a:xfrm>
           <a:custGeom>
             <a:avLst/>
-            <a:gdLst/>
             <a:ahLst/>
-            <a:cxnLst/>
             <a:rect l="l" t="t" r="r" b="b"/>
             <a:pathLst>
               <a:path w="1295400" h="6858000">
@@ -2993,16 +2828,13 @@
           </a:solidFill>
         </p:spPr>
         <p:txBody>
-          <a:bodyPr wrap="square" lIns="0" tIns="0" rIns="0" bIns="0" rtlCol="0"/>
-          <a:lstStyle/>
-          <a:p>
-            <a:endParaRPr/>
-          </a:p>
-        </p:txBody>
-      </p:sp>
-      <p:sp>
-        <p:nvSpPr>
-          <p:cNvPr id="23" name="bg object 23"/>
+          <a:bodyPr bIns="0" lIns="0" rIns="0" rtlCol="0" tIns="0" wrap="square"/>
+          <a:p/>
+        </p:txBody>
+      </p:sp>
+      <p:sp>
+        <p:nvSpPr>
+          <p:cNvPr id="1048583" name="bg object 23"/>
           <p:cNvSpPr/>
           <p:nvPr/>
         </p:nvSpPr>
@@ -3013,9 +2845,7 @@
           </a:xfrm>
           <a:custGeom>
             <a:avLst/>
-            <a:gdLst/>
             <a:ahLst/>
-            <a:cxnLst/>
             <a:rect l="l" t="t" r="r" b="b"/>
             <a:pathLst>
               <a:path w="1256029" h="6858000">
@@ -3045,16 +2875,13 @@
           </a:solidFill>
         </p:spPr>
         <p:txBody>
-          <a:bodyPr wrap="square" lIns="0" tIns="0" rIns="0" bIns="0" rtlCol="0"/>
-          <a:lstStyle/>
-          <a:p>
-            <a:endParaRPr/>
-          </a:p>
-        </p:txBody>
-      </p:sp>
-      <p:sp>
-        <p:nvSpPr>
-          <p:cNvPr id="24" name="bg object 24"/>
+          <a:bodyPr bIns="0" lIns="0" rIns="0" rtlCol="0" tIns="0" wrap="square"/>
+          <a:p/>
+        </p:txBody>
+      </p:sp>
+      <p:sp>
+        <p:nvSpPr>
+          <p:cNvPr id="1048584" name="bg object 24"/>
           <p:cNvSpPr/>
           <p:nvPr/>
         </p:nvSpPr>
@@ -3065,9 +2892,7 @@
           </a:xfrm>
           <a:custGeom>
             <a:avLst/>
-            <a:gdLst/>
             <a:ahLst/>
-            <a:cxnLst/>
             <a:rect l="l" t="t" r="r" b="b"/>
             <a:pathLst>
               <a:path w="1819275" h="3267075">
@@ -3094,16 +2919,13 @@
           </a:solidFill>
         </p:spPr>
         <p:txBody>
-          <a:bodyPr wrap="square" lIns="0" tIns="0" rIns="0" bIns="0" rtlCol="0"/>
-          <a:lstStyle/>
-          <a:p>
-            <a:endParaRPr/>
-          </a:p>
-        </p:txBody>
-      </p:sp>
-      <p:sp>
-        <p:nvSpPr>
-          <p:cNvPr id="25" name="bg object 25"/>
+          <a:bodyPr bIns="0" lIns="0" rIns="0" rtlCol="0" tIns="0" wrap="square"/>
+          <a:p/>
+        </p:txBody>
+      </p:sp>
+      <p:sp>
+        <p:nvSpPr>
+          <p:cNvPr id="1048585" name="bg object 25"/>
           <p:cNvSpPr/>
           <p:nvPr/>
         </p:nvSpPr>
@@ -3114,9 +2936,7 @@
           </a:xfrm>
           <a:custGeom>
             <a:avLst/>
-            <a:gdLst/>
             <a:ahLst/>
-            <a:cxnLst/>
             <a:rect l="l" t="t" r="r" b="b"/>
             <a:pathLst>
               <a:path w="447675" h="2847975">
@@ -3143,16 +2963,13 @@
           </a:solidFill>
         </p:spPr>
         <p:txBody>
-          <a:bodyPr wrap="square" lIns="0" tIns="0" rIns="0" bIns="0" rtlCol="0"/>
-          <a:lstStyle/>
-          <a:p>
-            <a:endParaRPr/>
-          </a:p>
-        </p:txBody>
-      </p:sp>
-      <p:sp>
-        <p:nvSpPr>
-          <p:cNvPr id="2" name="Holder 2"/>
+          <a:bodyPr bIns="0" lIns="0" rIns="0" rtlCol="0" tIns="0" wrap="square"/>
+          <a:p/>
+        </p:txBody>
+      </p:sp>
+      <p:sp>
+        <p:nvSpPr>
+          <p:cNvPr id="1048586" name="Holder 2"/>
           <p:cNvSpPr>
             <a:spLocks noGrp="1"/>
           </p:cNvSpPr>
@@ -3165,17 +2982,15 @@
             <a:off x="755332" y="385444"/>
             <a:ext cx="10681335" cy="758190"/>
           </a:xfrm>
-          <a:prstGeom prst="rect">
-            <a:avLst/>
-          </a:prstGeom>
+          <a:prstGeom prst="rect"/>
         </p:spPr>
         <p:txBody>
-          <a:bodyPr wrap="square" lIns="0" tIns="0" rIns="0" bIns="0">
+          <a:bodyPr bIns="0" lIns="0" rIns="0" tIns="0" wrap="square">
             <a:spAutoFit/>
           </a:bodyPr>
           <a:lstStyle>
             <a:lvl1pPr>
-              <a:defRPr sz="4800" b="1" i="0">
+              <a:defRPr b="1" sz="4800" i="0">
                 <a:solidFill>
                   <a:schemeClr val="tx1"/>
                 </a:solidFill>
@@ -3184,14 +2999,12 @@
               </a:defRPr>
             </a:lvl1pPr>
           </a:lstStyle>
-          <a:p>
-            <a:endParaRPr/>
-          </a:p>
-        </p:txBody>
-      </p:sp>
-      <p:sp>
-        <p:nvSpPr>
-          <p:cNvPr id="3" name="Holder 3"/>
+          <a:p/>
+        </p:txBody>
+      </p:sp>
+      <p:sp>
+        <p:nvSpPr>
+          <p:cNvPr id="1048587" name="Holder 3"/>
           <p:cNvSpPr>
             <a:spLocks noGrp="1"/>
           </p:cNvSpPr>
@@ -3204,27 +3017,18 @@
             <a:off x="609600" y="1577340"/>
             <a:ext cx="10972800" cy="4526280"/>
           </a:xfrm>
-          <a:prstGeom prst="rect">
-            <a:avLst/>
-          </a:prstGeom>
+          <a:prstGeom prst="rect"/>
         </p:spPr>
         <p:txBody>
-          <a:bodyPr wrap="square" lIns="0" tIns="0" rIns="0" bIns="0">
+          <a:bodyPr bIns="0" lIns="0" rIns="0" tIns="0" wrap="square">
             <a:spAutoFit/>
           </a:bodyPr>
-          <a:lstStyle>
-            <a:lvl1pPr>
-              <a:defRPr/>
-            </a:lvl1pPr>
-          </a:lstStyle>
-          <a:p>
-            <a:endParaRPr/>
-          </a:p>
-        </p:txBody>
-      </p:sp>
-      <p:sp>
-        <p:nvSpPr>
-          <p:cNvPr id="4" name="Holder 4"/>
+          <a:p/>
+        </p:txBody>
+      </p:sp>
+      <p:sp>
+        <p:nvSpPr>
+          <p:cNvPr id="1048588" name="Holder 4"/>
           <p:cNvSpPr>
             <a:spLocks noGrp="1"/>
           </p:cNvSpPr>
@@ -3237,12 +3041,10 @@
             <a:off x="4145280" y="6377940"/>
             <a:ext cx="3901440" cy="342900"/>
           </a:xfrm>
-          <a:prstGeom prst="rect">
-            <a:avLst/>
-          </a:prstGeom>
+          <a:prstGeom prst="rect"/>
         </p:spPr>
         <p:txBody>
-          <a:bodyPr wrap="square" lIns="0" tIns="0" rIns="0" bIns="0">
+          <a:bodyPr bIns="0" lIns="0" rIns="0" tIns="0" wrap="square">
             <a:spAutoFit/>
           </a:bodyPr>
           <a:lstStyle>
@@ -3256,14 +3058,12 @@
               </a:defRPr>
             </a:lvl1pPr>
           </a:lstStyle>
-          <a:p>
-            <a:endParaRPr/>
-          </a:p>
-        </p:txBody>
-      </p:sp>
-      <p:sp>
-        <p:nvSpPr>
-          <p:cNvPr id="5" name="Holder 5"/>
+          <a:p/>
+        </p:txBody>
+      </p:sp>
+      <p:sp>
+        <p:nvSpPr>
+          <p:cNvPr id="1048589" name="Holder 5"/>
           <p:cNvSpPr>
             <a:spLocks noGrp="1"/>
           </p:cNvSpPr>
@@ -3276,12 +3076,10 @@
             <a:off x="609600" y="6377940"/>
             <a:ext cx="2804160" cy="342900"/>
           </a:xfrm>
-          <a:prstGeom prst="rect">
-            <a:avLst/>
-          </a:prstGeom>
+          <a:prstGeom prst="rect"/>
         </p:spPr>
         <p:txBody>
-          <a:bodyPr wrap="square" lIns="0" tIns="0" rIns="0" bIns="0">
+          <a:bodyPr bIns="0" lIns="0" rIns="0" tIns="0" wrap="square">
             <a:spAutoFit/>
           </a:bodyPr>
           <a:lstStyle>
@@ -3306,7 +3104,7 @@
       </p:sp>
       <p:sp>
         <p:nvSpPr>
-          <p:cNvPr id="6" name="Holder 6"/>
+          <p:cNvPr id="1048590" name="Holder 6"/>
           <p:cNvSpPr>
             <a:spLocks noGrp="1"/>
           </p:cNvSpPr>
@@ -3319,17 +3117,15 @@
             <a:off x="11353418" y="6473337"/>
             <a:ext cx="151129" cy="191770"/>
           </a:xfrm>
-          <a:prstGeom prst="rect">
-            <a:avLst/>
-          </a:prstGeom>
+          <a:prstGeom prst="rect"/>
         </p:spPr>
         <p:txBody>
-          <a:bodyPr wrap="square" lIns="0" tIns="0" rIns="0" bIns="0">
+          <a:bodyPr bIns="0" lIns="0" rIns="0" tIns="0" wrap="square">
             <a:spAutoFit/>
           </a:bodyPr>
           <a:lstStyle>
             <a:lvl1pPr>
-              <a:defRPr sz="1100" b="0" i="0">
+              <a:defRPr b="0" sz="1100" i="0">
                 <a:solidFill>
                   <a:srgbClr val="2D936B"/>
                 </a:solidFill>
@@ -3348,22 +3144,22 @@
               </a:spcBef>
             </a:pPr>
             <a:fld id="{81D60167-4931-47E6-BA6A-407CBD079E47}" type="slidenum">
-              <a:rPr spc="10" dirty="0"/>
+              <a:rPr dirty="0" spc="10"/>
               <a:t>‹#›</a:t>
             </a:fld>
-            <a:endParaRPr spc="10" dirty="0"/>
+            <a:endParaRPr dirty="0" spc="10"/>
           </a:p>
         </p:txBody>
       </p:sp>
     </p:spTree>
   </p:cSld>
-  <p:clrMap bg1="lt1" tx1="dk1" bg2="lt2" tx2="dk2" accent1="accent1" accent2="accent2" accent3="accent3" accent4="accent4" accent5="accent5" accent6="accent6" hlink="hlink" folHlink="folHlink"/>
+  <p:clrMap accent1="accent1" accent2="accent2" accent3="accent3" accent4="accent4" accent5="accent5" accent6="accent6" bg1="lt1" bg2="lt2" tx1="dk1" tx2="dk2" hlink="hlink" folHlink="folHlink"/>
   <p:sldLayoutIdLst>
-    <p:sldLayoutId id="2147483661" r:id="rId1"/>
-    <p:sldLayoutId id="2147483662" r:id="rId2"/>
-    <p:sldLayoutId id="2147483663" r:id="rId3"/>
-    <p:sldLayoutId id="2147483664" r:id="rId4"/>
-    <p:sldLayoutId id="2147483665" r:id="rId5"/>
+    <p:sldLayoutId id="2147483649" r:id="rId1"/>
+    <p:sldLayoutId id="2147483650" r:id="rId2"/>
+    <p:sldLayoutId id="2147483651" r:id="rId3"/>
+    <p:sldLayoutId id="2147483652" r:id="rId4"/>
+    <p:sldLayoutId id="2147483653" r:id="rId5"/>
   </p:sldLayoutIdLst>
   <p:txStyles>
     <p:titleStyle>
@@ -3514,7 +3310,7 @@
   <p:cSld>
     <p:spTree>
       <p:nvGrpSpPr>
-        <p:cNvPr id="1" name=""/>
+        <p:cNvPr id="19" name=""/>
         <p:cNvGrpSpPr/>
         <p:nvPr/>
       </p:nvGrpSpPr>
@@ -3528,7 +3324,7 @@
       </p:grpSpPr>
       <p:grpSp>
         <p:nvGrpSpPr>
-          <p:cNvPr id="2" name="object 2"/>
+          <p:cNvPr id="20" name="object 2"/>
           <p:cNvGrpSpPr/>
           <p:nvPr/>
         </p:nvGrpSpPr>
@@ -3542,7 +3338,7 @@
         </p:grpSpPr>
         <p:sp>
           <p:nvSpPr>
-            <p:cNvPr id="3" name="object 3"/>
+            <p:cNvPr id="1048596" name="object 3"/>
             <p:cNvSpPr/>
             <p:nvPr/>
           </p:nvSpPr>
@@ -3553,9 +3349,7 @@
             </a:xfrm>
             <a:custGeom>
               <a:avLst/>
-              <a:gdLst/>
               <a:ahLst/>
-              <a:cxnLst/>
               <a:rect l="l" t="t" r="r" b="b"/>
               <a:pathLst>
                 <a:path w="1228725" h="1057275">
@@ -3589,16 +3383,13 @@
             </a:solidFill>
           </p:spPr>
           <p:txBody>
-            <a:bodyPr wrap="square" lIns="0" tIns="0" rIns="0" bIns="0" rtlCol="0"/>
-            <a:lstStyle/>
-            <a:p>
-              <a:endParaRPr/>
-            </a:p>
+            <a:bodyPr bIns="0" lIns="0" rIns="0" rtlCol="0" tIns="0" wrap="square"/>
+            <a:p/>
           </p:txBody>
         </p:sp>
         <p:sp>
           <p:nvSpPr>
-            <p:cNvPr id="4" name="object 4"/>
+            <p:cNvPr id="1048597" name="object 4"/>
             <p:cNvSpPr/>
             <p:nvPr/>
           </p:nvSpPr>
@@ -3609,9 +3400,7 @@
             </a:xfrm>
             <a:custGeom>
               <a:avLst/>
-              <a:gdLst/>
               <a:ahLst/>
-              <a:cxnLst/>
               <a:rect l="l" t="t" r="r" b="b"/>
               <a:pathLst>
                 <a:path w="647700" h="561975">
@@ -3645,17 +3434,14 @@
             </a:solidFill>
           </p:spPr>
           <p:txBody>
-            <a:bodyPr wrap="square" lIns="0" tIns="0" rIns="0" bIns="0" rtlCol="0"/>
-            <a:lstStyle/>
-            <a:p>
-              <a:endParaRPr/>
-            </a:p>
+            <a:bodyPr bIns="0" lIns="0" rIns="0" rtlCol="0" tIns="0" wrap="square"/>
+            <a:p/>
           </p:txBody>
         </p:sp>
       </p:grpSp>
       <p:sp>
         <p:nvSpPr>
-          <p:cNvPr id="5" name="object 5"/>
+          <p:cNvPr id="1048598" name="object 5"/>
           <p:cNvSpPr/>
           <p:nvPr/>
         </p:nvSpPr>
@@ -3666,9 +3452,7 @@
           </a:xfrm>
           <a:custGeom>
             <a:avLst/>
-            <a:gdLst/>
             <a:ahLst/>
-            <a:cxnLst/>
             <a:rect l="l" t="t" r="r" b="b"/>
             <a:pathLst>
               <a:path w="1666875" h="1438275">
@@ -3702,16 +3486,13 @@
           </a:solidFill>
         </p:spPr>
         <p:txBody>
-          <a:bodyPr wrap="square" lIns="0" tIns="0" rIns="0" bIns="0" rtlCol="0"/>
-          <a:lstStyle/>
-          <a:p>
-            <a:endParaRPr/>
-          </a:p>
-        </p:txBody>
-      </p:sp>
-      <p:sp>
-        <p:nvSpPr>
-          <p:cNvPr id="6" name="object 6"/>
+          <a:bodyPr bIns="0" lIns="0" rIns="0" rtlCol="0" tIns="0" wrap="square"/>
+          <a:p/>
+        </p:txBody>
+      </p:sp>
+      <p:sp>
+        <p:nvSpPr>
+          <p:cNvPr id="1048599" name="object 6"/>
           <p:cNvSpPr/>
           <p:nvPr/>
         </p:nvSpPr>
@@ -3722,9 +3503,7 @@
           </a:xfrm>
           <a:custGeom>
             <a:avLst/>
-            <a:gdLst/>
             <a:ahLst/>
-            <a:cxnLst/>
             <a:rect l="l" t="t" r="r" b="b"/>
             <a:pathLst>
               <a:path w="723900" h="619125">
@@ -3758,16 +3537,13 @@
           </a:solidFill>
         </p:spPr>
         <p:txBody>
-          <a:bodyPr wrap="square" lIns="0" tIns="0" rIns="0" bIns="0" rtlCol="0"/>
-          <a:lstStyle/>
-          <a:p>
-            <a:endParaRPr/>
-          </a:p>
-        </p:txBody>
-      </p:sp>
-      <p:sp>
-        <p:nvSpPr>
-          <p:cNvPr id="7" name="object 7"/>
+          <a:bodyPr bIns="0" lIns="0" rIns="0" rtlCol="0" tIns="0" wrap="square"/>
+          <a:p/>
+        </p:txBody>
+      </p:sp>
+      <p:sp>
+        <p:nvSpPr>
+          <p:cNvPr id="1048600" name="object 7"/>
           <p:cNvSpPr txBox="1">
             <a:spLocks noGrp="1"/>
           </p:cNvSpPr>
@@ -3780,15 +3556,12 @@
             <a:off x="-828675" y="19665"/>
             <a:ext cx="9982200" cy="1001556"/>
           </a:xfrm>
-          <a:prstGeom prst="rect">
-            <a:avLst/>
-          </a:prstGeom>
+          <a:prstGeom prst="rect"/>
         </p:spPr>
         <p:txBody>
-          <a:bodyPr vert="horz" wrap="square" lIns="0" tIns="16510" rIns="0" bIns="0" rtlCol="0">
+          <a:bodyPr bIns="0" lIns="0" rIns="0" rtlCol="0" tIns="16510" vert="horz" wrap="square">
             <a:spAutoFit/>
           </a:bodyPr>
-          <a:lstStyle/>
           <a:p>
             <a:pPr marL="3213735">
               <a:spcBef>
@@ -3796,7 +3569,7 @@
               </a:spcBef>
             </a:pPr>
             <a:r>
-              <a:rPr lang="en-US" b="1" dirty="0">
+              <a:rPr b="1" dirty="0" lang="en-US">
                 <a:solidFill>
                   <a:srgbClr val="0F0F0F"/>
                 </a:solidFill>
@@ -3806,7 +3579,7 @@
               <a:t>Employee Data Analysis using Excel</a:t>
             </a:r>
             <a:r>
-              <a:rPr lang="en-US" b="1" i="0" dirty="0">
+              <a:rPr b="1" dirty="0" i="0" lang="en-US">
                 <a:solidFill>
                   <a:srgbClr val="0F0F0F"/>
                 </a:solidFill>
@@ -3817,7 +3590,7 @@
               <a:t> </a:t>
             </a:r>
             <a:br>
-              <a:rPr lang="en-US" b="1" i="0" dirty="0">
+              <a:rPr b="1" dirty="0" i="0" lang="en-US">
                 <a:solidFill>
                   <a:srgbClr val="0F0F0F"/>
                 </a:solidFill>
@@ -3825,18 +3598,20 @@
                 <a:latin typeface="Roboto" panose="020F0502020204030204" pitchFamily="2" charset="0"/>
               </a:rPr>
             </a:br>
-            <a:endParaRPr spc="15" dirty="0"/>
+            <a:endParaRPr dirty="0" spc="15"/>
           </a:p>
         </p:txBody>
       </p:sp>
       <p:pic>
         <p:nvPicPr>
-          <p:cNvPr id="9" name="object 9"/>
-          <p:cNvPicPr/>
+          <p:cNvPr id="2097152" name="object 9"/>
+          <p:cNvPicPr>
+            <a:picLocks/>
+          </p:cNvPicPr>
           <p:nvPr/>
         </p:nvPicPr>
         <p:blipFill>
-          <a:blip r:embed="rId3" cstate="print"/>
+          <a:blip xmlns:r="http://schemas.openxmlformats.org/officeDocument/2006/relationships" r:embed="rId1" cstate="print"/>
           <a:stretch>
             <a:fillRect/>
           </a:stretch>
@@ -3846,14 +3621,12 @@
             <a:off x="676275" y="6467475"/>
             <a:ext cx="2143125" cy="200025"/>
           </a:xfrm>
-          <a:prstGeom prst="rect">
-            <a:avLst/>
-          </a:prstGeom>
+          <a:prstGeom prst="rect"/>
         </p:spPr>
       </p:pic>
       <p:sp>
         <p:nvSpPr>
-          <p:cNvPr id="11" name="object 11"/>
+          <p:cNvPr id="1048601" name="object 11"/>
           <p:cNvSpPr txBox="1">
             <a:spLocks noGrp="1"/>
           </p:cNvSpPr>
@@ -3862,15 +3635,12 @@
           </p:nvPr>
         </p:nvSpPr>
         <p:spPr>
-          <a:prstGeom prst="rect">
-            <a:avLst/>
-          </a:prstGeom>
+          <a:prstGeom prst="rect"/>
         </p:spPr>
         <p:txBody>
-          <a:bodyPr vert="horz" wrap="square" lIns="0" tIns="6985" rIns="0" bIns="0" rtlCol="0">
+          <a:bodyPr bIns="0" lIns="0" rIns="0" rtlCol="0" tIns="6985" vert="horz" wrap="square">
             <a:spAutoFit/>
           </a:bodyPr>
-          <a:lstStyle/>
           <a:p>
             <a:pPr marL="38100">
               <a:lnSpc>
@@ -3881,85 +3651,273 @@
               </a:spcBef>
             </a:pPr>
             <a:fld id="{81D60167-4931-47E6-BA6A-407CBD079E47}" type="slidenum">
-              <a:rPr spc="10" dirty="0"/>
+              <a:rPr dirty="0" spc="10"/>
               <a:t>1</a:t>
             </a:fld>
-            <a:endParaRPr spc="10" dirty="0"/>
-          </a:p>
-        </p:txBody>
-      </p:sp>
-      <p:sp>
-        <p:nvSpPr>
-          <p:cNvPr id="14" name="TextBox 13">
-            <a:extLst>
-              <a:ext uri="{FF2B5EF4-FFF2-40B4-BE49-F238E27FC236}">
-                <a16:creationId xmlns:a16="http://schemas.microsoft.com/office/drawing/2014/main" id="{D55ADE35-C35B-07C1-F5AA-C33B3DDB802E}"/>
-              </a:ext>
-            </a:extLst>
-          </p:cNvPr>
+            <a:endParaRPr dirty="0" spc="10"/>
+          </a:p>
+        </p:txBody>
+      </p:sp>
+      <p:sp>
+        <p:nvSpPr>
+          <p:cNvPr id="1048602" name="TextBox 13"/>
           <p:cNvSpPr txBox="1"/>
           <p:nvPr/>
         </p:nvSpPr>
         <p:spPr>
           <a:xfrm>
-            <a:off x="3243233" y="3486303"/>
-            <a:ext cx="8610600" cy="1938992"/>
+            <a:off x="1114424" y="3283267"/>
+            <a:ext cx="8610600" cy="1869440"/>
           </a:xfrm>
-          <a:prstGeom prst="rect">
-            <a:avLst/>
-          </a:prstGeom>
+          <a:prstGeom prst="rect"/>
           <a:noFill/>
         </p:spPr>
         <p:txBody>
-          <a:bodyPr wrap="square" rtlCol="0">
+          <a:bodyPr rtlCol="0" wrap="square">
             <a:spAutoFit/>
           </a:bodyPr>
-          <a:lstStyle/>
-          <a:p>
-            <a:r>
-              <a:rPr lang="en-US" sz="2400" dirty="0"/>
+          <a:p>
+            <a:r>
+              <a:rPr dirty="0" sz="2400" lang="en-US"/>
               <a:t>STUDENT NAME</a:t>
             </a:r>
             <a:r>
-              <a:rPr lang="en-IN" sz="2400" dirty="0"/>
-              <a:t>: SUBASHINI.J</a:t>
-            </a:r>
-            <a:endParaRPr lang="en-US" sz="2400" dirty="0"/>
-          </a:p>
-          <a:p>
-            <a:r>
-              <a:rPr lang="en-US" sz="2400" dirty="0"/>
+              <a:rPr dirty="0" sz="2400" lang="en-IN"/>
+              <a:t>: </a:t>
+            </a:r>
+            <a:r>
+              <a:rPr dirty="0" sz="2400" lang="en-US"/>
+              <a:t>D</a:t>
+            </a:r>
+            <a:r>
+              <a:rPr dirty="0" sz="2400" lang="en-US"/>
+              <a:t>E</a:t>
+            </a:r>
+            <a:r>
+              <a:rPr dirty="0" sz="2400" lang="en-US"/>
+              <a:t>E</a:t>
+            </a:r>
+            <a:r>
+              <a:rPr dirty="0" sz="2400" lang="en-US"/>
+              <a:t>P</a:t>
+            </a:r>
+            <a:r>
+              <a:rPr dirty="0" sz="2400" lang="en-US"/>
+              <a:t>A</a:t>
+            </a:r>
+            <a:r>
+              <a:rPr dirty="0" sz="2400" lang="en-US"/>
+              <a:t>S</a:t>
+            </a:r>
+            <a:r>
+              <a:rPr dirty="0" sz="2400" lang="en-US"/>
+              <a:t>A</a:t>
+            </a:r>
+            <a:r>
+              <a:rPr dirty="0" sz="2400" lang="en-US"/>
+              <a:t>KTHI</a:t>
+            </a:r>
+            <a:r>
+              <a:rPr dirty="0" sz="2400" lang="en-US"/>
+              <a:t>.</a:t>
+            </a:r>
+            <a:r>
+              <a:rPr dirty="0" sz="2400" lang="en-US"/>
+              <a:t> </a:t>
+            </a:r>
+            <a:r>
+              <a:rPr dirty="0" sz="2400" lang="en-US"/>
+              <a:t>S</a:t>
+            </a:r>
+            <a:endParaRPr dirty="0" sz="2400" lang="en-US"/>
+          </a:p>
+          <a:p>
+            <a:r>
+              <a:rPr dirty="0" sz="2400" lang="en-US"/>
               <a:t>REGISTER NO: </a:t>
             </a:r>
             <a:r>
-              <a:rPr lang="en-IN" sz="2400" dirty="0"/>
-              <a:t> 312210872</a:t>
-            </a:r>
-            <a:endParaRPr lang="en-US" sz="2400" dirty="0"/>
-          </a:p>
-          <a:p>
-            <a:r>
-              <a:rPr lang="en-US" sz="2400" dirty="0"/>
+              <a:rPr dirty="0" sz="2400" lang="en-IN"/>
+              <a:t> 3122</a:t>
+            </a:r>
+            <a:r>
+              <a:rPr dirty="0" sz="2400" lang="en-US"/>
+              <a:t>1</a:t>
+            </a:r>
+            <a:r>
+              <a:rPr dirty="0" sz="2400" lang="en-US"/>
+              <a:t>9</a:t>
+            </a:r>
+            <a:r>
+              <a:rPr dirty="0" sz="2400" lang="en-US"/>
+              <a:t>5</a:t>
+            </a:r>
+            <a:r>
+              <a:rPr dirty="0" sz="2400" lang="en-US"/>
+              <a:t>5</a:t>
+            </a:r>
+            <a:r>
+              <a:rPr dirty="0" sz="2400" lang="en-US"/>
+              <a:t>4</a:t>
+            </a:r>
+            <a:endParaRPr dirty="0" sz="2400" lang="en-US"/>
+          </a:p>
+          <a:p>
+            <a:r>
+              <a:rPr dirty="0" sz="2400" lang="en-US"/>
               <a:t>DEPARTMENT: B.COM</a:t>
             </a:r>
             <a:r>
-              <a:rPr lang="en-IN" sz="2400" dirty="0"/>
-              <a:t>(General) III - B</a:t>
-            </a:r>
-            <a:endParaRPr lang="en-US" sz="2400" dirty="0"/>
-          </a:p>
-          <a:p>
-            <a:r>
-              <a:rPr lang="en-US" sz="2400" dirty="0"/>
-              <a:t>COLLEGE: BHAKTAVATSALAM MEMORIAL COLLEGE FOR WOMEN</a:t>
-            </a:r>
-          </a:p>
-          <a:p>
-            <a:r>
-              <a:rPr lang="en-US" sz="2400" dirty="0"/>
-              <a:t>           </a:t>
-            </a:r>
-            <a:endParaRPr lang="en-IN" sz="2400" dirty="0"/>
+              <a:rPr dirty="0" sz="2400" lang="en-IN"/>
+              <a:t>(</a:t>
+            </a:r>
+            <a:r>
+              <a:rPr dirty="0" sz="2400" lang="en-US"/>
+              <a:t>C</a:t>
+            </a:r>
+            <a:r>
+              <a:rPr dirty="0" sz="2400" lang="en-US"/>
+              <a:t>o</a:t>
+            </a:r>
+            <a:r>
+              <a:rPr dirty="0" sz="2400" lang="en-US"/>
+              <a:t>m</a:t>
+            </a:r>
+            <a:r>
+              <a:rPr dirty="0" sz="2400" lang="en-US"/>
+              <a:t>p</a:t>
+            </a:r>
+            <a:r>
+              <a:rPr dirty="0" sz="2400" lang="en-US"/>
+              <a:t>u</a:t>
+            </a:r>
+            <a:r>
+              <a:rPr dirty="0" sz="2400" lang="en-US"/>
+              <a:t>ter</a:t>
+            </a:r>
+            <a:r>
+              <a:rPr dirty="0" sz="2400" lang="en-US"/>
+              <a:t> </a:t>
+            </a:r>
+            <a:r>
+              <a:rPr dirty="0" sz="2400" lang="en-US"/>
+              <a:t>A</a:t>
+            </a:r>
+            <a:r>
+              <a:rPr dirty="0" sz="2400" lang="en-US"/>
+              <a:t>p</a:t>
+            </a:r>
+            <a:r>
+              <a:rPr dirty="0" sz="2400" lang="en-US"/>
+              <a:t>p</a:t>
+            </a:r>
+            <a:r>
+              <a:rPr dirty="0" sz="2400" lang="en-US"/>
+              <a:t>lication</a:t>
+            </a:r>
+            <a:r>
+              <a:rPr dirty="0" sz="2400" lang="en-IN"/>
+              <a:t>) III </a:t>
+            </a:r>
+            <a:endParaRPr dirty="0" sz="2400" lang="en-US"/>
+          </a:p>
+          <a:p>
+            <a:r>
+              <a:rPr dirty="0" sz="2400" lang="en-US"/>
+              <a:t>C</a:t>
+            </a:r>
+            <a:r>
+              <a:rPr dirty="0" sz="2400" lang="en-US"/>
+              <a:t>O</a:t>
+            </a:r>
+            <a:r>
+              <a:rPr dirty="0" sz="2400" lang="en-US"/>
+              <a:t>L</a:t>
+            </a:r>
+            <a:r>
+              <a:rPr dirty="0" sz="2400" lang="en-US"/>
+              <a:t>L</a:t>
+            </a:r>
+            <a:r>
+              <a:rPr dirty="0" sz="2400" lang="en-US"/>
+              <a:t>E</a:t>
+            </a:r>
+            <a:r>
+              <a:rPr dirty="0" sz="2400" lang="en-US"/>
+              <a:t>G</a:t>
+            </a:r>
+            <a:r>
+              <a:rPr dirty="0" sz="2400" lang="en-US"/>
+              <a:t>E: </a:t>
+            </a:r>
+            <a:r>
+              <a:rPr dirty="0" sz="2400" lang="en-US"/>
+              <a:t>S</a:t>
+            </a:r>
+            <a:r>
+              <a:rPr dirty="0" sz="2400" lang="en-US"/>
+              <a:t> </a:t>
+            </a:r>
+            <a:r>
+              <a:rPr dirty="0" sz="2400" lang="en-US"/>
+              <a:t>A</a:t>
+            </a:r>
+            <a:r>
+              <a:rPr dirty="0" sz="2400" lang="en-US"/>
+              <a:t> </a:t>
+            </a:r>
+            <a:r>
+              <a:rPr dirty="0" sz="2400" lang="en-US"/>
+              <a:t>C</a:t>
+            </a:r>
+            <a:r>
+              <a:rPr dirty="0" sz="2400" lang="en-US"/>
+              <a:t>O</a:t>
+            </a:r>
+            <a:r>
+              <a:rPr dirty="0" sz="2400" lang="en-US"/>
+              <a:t>L</a:t>
+            </a:r>
+            <a:r>
+              <a:rPr dirty="0" sz="2400" lang="en-US"/>
+              <a:t>LEGE </a:t>
+            </a:r>
+            <a:r>
+              <a:rPr dirty="0" sz="2400" lang="en-US"/>
+              <a:t>OF </a:t>
+            </a:r>
+            <a:r>
+              <a:rPr dirty="0" sz="2400" lang="en-US"/>
+              <a:t>A</a:t>
+            </a:r>
+            <a:r>
+              <a:rPr dirty="0" sz="2400" lang="en-US"/>
+              <a:t>R</a:t>
+            </a:r>
+            <a:r>
+              <a:rPr dirty="0" sz="2400" lang="en-US"/>
+              <a:t>T</a:t>
+            </a:r>
+            <a:r>
+              <a:rPr dirty="0" sz="2400" lang="en-US"/>
+              <a:t>S </a:t>
+            </a:r>
+            <a:r>
+              <a:rPr dirty="0" sz="2400" lang="en-US"/>
+              <a:t>AND </a:t>
+            </a:r>
+            <a:r>
+              <a:rPr dirty="0" sz="2400" lang="en-US"/>
+              <a:t>SCIENCE </a:t>
+            </a:r>
+            <a:endParaRPr dirty="0" sz="2400" lang="en-US"/>
+          </a:p>
+          <a:p>
+            <a:r>
+              <a:rPr dirty="0" sz="2400" lang="en-US"/>
+              <a:t>        </a:t>
+            </a:r>
+            <a:endParaRPr dirty="0" sz="2400" lang="en-IN"/>
           </a:p>
         </p:txBody>
       </p:sp>
@@ -3976,7 +3934,7 @@
   <p:cSld>
     <p:spTree>
       <p:nvGrpSpPr>
-        <p:cNvPr id="1" name=""/>
+        <p:cNvPr id="40" name=""/>
         <p:cNvGrpSpPr/>
         <p:nvPr/>
       </p:nvGrpSpPr>
@@ -3990,7 +3948,7 @@
       </p:grpSpPr>
       <p:sp>
         <p:nvSpPr>
-          <p:cNvPr id="5" name="object 5"/>
+          <p:cNvPr id="1048668" name="object 5"/>
           <p:cNvSpPr/>
           <p:nvPr/>
         </p:nvSpPr>
@@ -4001,9 +3959,7 @@
           </a:xfrm>
           <a:custGeom>
             <a:avLst/>
-            <a:gdLst/>
             <a:ahLst/>
-            <a:cxnLst/>
             <a:rect l="l" t="t" r="r" b="b"/>
             <a:pathLst>
               <a:path w="180975" h="180975">
@@ -4031,21 +3987,20 @@
           </a:solidFill>
         </p:spPr>
         <p:txBody>
-          <a:bodyPr wrap="square" lIns="0" tIns="0" rIns="0" bIns="0" rtlCol="0"/>
-          <a:lstStyle/>
-          <a:p>
-            <a:endParaRPr/>
-          </a:p>
+          <a:bodyPr bIns="0" lIns="0" rIns="0" rtlCol="0" tIns="0" wrap="square"/>
+          <a:p/>
         </p:txBody>
       </p:sp>
       <p:pic>
         <p:nvPicPr>
-          <p:cNvPr id="6" name="object 6"/>
-          <p:cNvPicPr/>
+          <p:cNvPr id="2097166" name="object 6"/>
+          <p:cNvPicPr>
+            <a:picLocks/>
+          </p:cNvPicPr>
           <p:nvPr/>
         </p:nvPicPr>
         <p:blipFill>
-          <a:blip r:embed="rId2" cstate="print"/>
+          <a:blip xmlns:r="http://schemas.openxmlformats.org/officeDocument/2006/relationships" r:embed="rId1" cstate="print"/>
           <a:stretch>
             <a:fillRect/>
           </a:stretch>
@@ -4055,14 +4010,12 @@
             <a:off x="1666875" y="6467475"/>
             <a:ext cx="76200" cy="177800"/>
           </a:xfrm>
-          <a:prstGeom prst="rect">
-            <a:avLst/>
-          </a:prstGeom>
+          <a:prstGeom prst="rect"/>
         </p:spPr>
       </p:pic>
       <p:sp>
         <p:nvSpPr>
-          <p:cNvPr id="9" name="object 9"/>
+          <p:cNvPr id="1048669" name="object 9"/>
           <p:cNvSpPr txBox="1"/>
           <p:nvPr/>
         </p:nvSpPr>
@@ -4071,15 +4024,12 @@
             <a:off x="11277218" y="6473337"/>
             <a:ext cx="228600" cy="191770"/>
           </a:xfrm>
-          <a:prstGeom prst="rect">
-            <a:avLst/>
-          </a:prstGeom>
+          <a:prstGeom prst="rect"/>
         </p:spPr>
         <p:txBody>
-          <a:bodyPr vert="horz" wrap="square" lIns="0" tIns="6985" rIns="0" bIns="0" rtlCol="0">
+          <a:bodyPr bIns="0" lIns="0" rIns="0" rtlCol="0" tIns="6985" vert="horz" wrap="square">
             <a:spAutoFit/>
           </a:bodyPr>
-          <a:lstStyle/>
           <a:p>
             <a:pPr marL="38100">
               <a:lnSpc>
@@ -4090,7 +4040,7 @@
               </a:spcBef>
             </a:pPr>
             <a:fld id="{81D60167-4931-47E6-BA6A-407CBD079E47}" type="slidenum">
-              <a:rPr sz="1100" spc="10" dirty="0">
+              <a:rPr dirty="0" sz="1100" spc="10">
                 <a:solidFill>
                   <a:srgbClr val="2D936B"/>
                 </a:solidFill>
@@ -4108,24 +4058,21 @@
       </p:sp>
       <p:sp>
         <p:nvSpPr>
-          <p:cNvPr id="8" name="object 8"/>
+          <p:cNvPr id="1048670" name="object 8"/>
           <p:cNvSpPr txBox="1"/>
           <p:nvPr/>
         </p:nvSpPr>
         <p:spPr>
           <a:xfrm>
             <a:off x="739775" y="291147"/>
-            <a:ext cx="3303904" cy="758190"/>
+            <a:ext cx="3303904" cy="1461135"/>
           </a:xfrm>
-          <a:prstGeom prst="rect">
-            <a:avLst/>
-          </a:prstGeom>
+          <a:prstGeom prst="rect"/>
         </p:spPr>
         <p:txBody>
-          <a:bodyPr vert="horz" wrap="square" lIns="0" tIns="13335" rIns="0" bIns="0" rtlCol="0">
+          <a:bodyPr bIns="0" lIns="0" rIns="0" rtlCol="0" tIns="13335" vert="horz" wrap="square">
             <a:spAutoFit/>
           </a:bodyPr>
-          <a:lstStyle/>
           <a:p>
             <a:pPr marL="12700">
               <a:lnSpc>
@@ -4136,62 +4083,62 @@
               </a:spcBef>
             </a:pPr>
             <a:r>
-              <a:rPr sz="4800" b="1" spc="15" dirty="0">
+              <a:rPr b="1" dirty="0" sz="4800" spc="15">
                 <a:latin typeface="Trebuchet MS"/>
                 <a:cs typeface="Trebuchet MS"/>
               </a:rPr>
               <a:t>M</a:t>
             </a:r>
             <a:r>
-              <a:rPr sz="4800" b="1" dirty="0">
+              <a:rPr b="1" dirty="0" sz="4800">
                 <a:latin typeface="Trebuchet MS"/>
                 <a:cs typeface="Trebuchet MS"/>
               </a:rPr>
               <a:t>O</a:t>
             </a:r>
             <a:r>
-              <a:rPr sz="4800" b="1" spc="-15" dirty="0">
+              <a:rPr b="1" dirty="0" sz="4800" spc="-15">
                 <a:latin typeface="Trebuchet MS"/>
                 <a:cs typeface="Trebuchet MS"/>
               </a:rPr>
               <a:t>D</a:t>
             </a:r>
             <a:r>
-              <a:rPr sz="4800" b="1" spc="-35" dirty="0">
+              <a:rPr b="1" dirty="0" sz="4800" spc="-35">
                 <a:latin typeface="Trebuchet MS"/>
                 <a:cs typeface="Trebuchet MS"/>
               </a:rPr>
               <a:t>E</a:t>
             </a:r>
             <a:r>
-              <a:rPr sz="4800" b="1" spc="-30" dirty="0">
+              <a:rPr b="1" dirty="0" sz="4800" spc="-30">
                 <a:latin typeface="Trebuchet MS"/>
                 <a:cs typeface="Trebuchet MS"/>
               </a:rPr>
               <a:t>LL</a:t>
             </a:r>
             <a:r>
-              <a:rPr sz="4800" b="1" spc="-5" dirty="0">
+              <a:rPr b="1" dirty="0" sz="4800" spc="-5">
                 <a:latin typeface="Trebuchet MS"/>
                 <a:cs typeface="Trebuchet MS"/>
               </a:rPr>
               <a:t>I</a:t>
             </a:r>
             <a:r>
-              <a:rPr sz="4800" b="1" spc="30" dirty="0">
+              <a:rPr b="1" dirty="0" sz="4800" spc="30">
                 <a:latin typeface="Trebuchet MS"/>
                 <a:cs typeface="Trebuchet MS"/>
               </a:rPr>
               <a:t>N</a:t>
             </a:r>
             <a:r>
-              <a:rPr sz="4800" b="1" spc="5" dirty="0">
+              <a:rPr b="1" dirty="0" sz="4800" spc="5">
                 <a:latin typeface="Trebuchet MS"/>
                 <a:cs typeface="Trebuchet MS"/>
               </a:rPr>
               <a:t>G</a:t>
             </a:r>
-            <a:endParaRPr sz="4800" dirty="0">
+            <a:endParaRPr dirty="0" sz="4800">
               <a:latin typeface="Trebuchet MS"/>
               <a:cs typeface="Trebuchet MS"/>
             </a:endParaRPr>
@@ -4200,7 +4147,7 @@
       </p:sp>
       <p:sp>
         <p:nvSpPr>
-          <p:cNvPr id="14" name="object 3"/>
+          <p:cNvPr id="1048671" name="object 3"/>
           <p:cNvSpPr/>
           <p:nvPr/>
         </p:nvSpPr>
@@ -4211,9 +4158,7 @@
           </a:xfrm>
           <a:custGeom>
             <a:avLst/>
-            <a:gdLst/>
             <a:ahLst/>
-            <a:cxnLst/>
             <a:rect l="l" t="t" r="r" b="b"/>
             <a:pathLst>
               <a:path w="457200" h="457200">
@@ -4241,96 +4186,95 @@
           </a:solidFill>
         </p:spPr>
         <p:txBody>
-          <a:bodyPr wrap="square" lIns="0" tIns="0" rIns="0" bIns="0" rtlCol="0"/>
-          <a:lstStyle/>
-          <a:p>
-            <a:r>
-              <a:rPr lang="en-US" dirty="0"/>
+          <a:bodyPr bIns="0" lIns="0" rIns="0" rtlCol="0" tIns="0" wrap="square"/>
+          <a:p>
+            <a:r>
+              <a:rPr dirty="0" lang="en-US"/>
               <a:t>DATA COLLECTION:</a:t>
             </a:r>
           </a:p>
           <a:p>
-            <a:pPr marL="285750" indent="-285750">
+            <a:pPr indent="-285750" marL="285750">
               <a:buFont typeface="Wingdings" panose="05000000000000000000" pitchFamily="2" charset="2"/>
               <a:buChar char="Ø"/>
             </a:pPr>
             <a:r>
-              <a:rPr lang="en-US" dirty="0"/>
+              <a:rPr dirty="0" lang="en-US"/>
               <a:t>Drafted the data from the </a:t>
             </a:r>
             <a:r>
-              <a:rPr lang="en-US" dirty="0" err="1"/>
+              <a:rPr dirty="0" lang="en-US" err="1"/>
               <a:t>edunet</a:t>
             </a:r>
             <a:r>
-              <a:rPr lang="en-US" dirty="0"/>
+              <a:rPr dirty="0" lang="en-US"/>
               <a:t> dataset.</a:t>
             </a:r>
           </a:p>
           <a:p>
             <a:r>
-              <a:rPr lang="en-US" dirty="0"/>
+              <a:rPr dirty="0" lang="en-US"/>
               <a:t>FEATURE COLLECTION:</a:t>
             </a:r>
           </a:p>
           <a:p>
-            <a:pPr marL="285750" indent="-285750">
+            <a:pPr indent="-285750" marL="285750">
               <a:buFont typeface="Wingdings" panose="05000000000000000000" pitchFamily="2" charset="2"/>
               <a:buChar char="Ø"/>
             </a:pPr>
             <a:r>
-              <a:rPr lang="en-US" dirty="0"/>
+              <a:rPr dirty="0" lang="en-US"/>
               <a:t> </a:t>
             </a:r>
             <a:r>
-              <a:rPr lang="en-IN" dirty="0"/>
+              <a:rPr dirty="0" lang="en-IN"/>
               <a:t>Business unit, Gender unit, First name, Performance score.</a:t>
             </a:r>
-            <a:endParaRPr lang="en-US" dirty="0"/>
-          </a:p>
-          <a:p>
-            <a:r>
-              <a:rPr lang="en-US" dirty="0"/>
+            <a:endParaRPr dirty="0" lang="en-US"/>
+          </a:p>
+          <a:p>
+            <a:r>
+              <a:rPr dirty="0" lang="en-US"/>
               <a:t>PERFORMANCE LEVEL:</a:t>
             </a:r>
           </a:p>
           <a:p>
-            <a:pPr marL="285750" indent="-285750">
+            <a:pPr indent="-285750" marL="285750">
               <a:buFont typeface="Wingdings" panose="05000000000000000000" pitchFamily="2" charset="2"/>
               <a:buChar char="Ø"/>
             </a:pPr>
             <a:r>
-              <a:rPr lang="en-US" dirty="0"/>
+              <a:rPr dirty="0" lang="en-US"/>
               <a:t>Exceeds</a:t>
             </a:r>
           </a:p>
           <a:p>
-            <a:pPr marL="285750" indent="-285750">
+            <a:pPr indent="-285750" marL="285750">
               <a:buFont typeface="Wingdings" panose="05000000000000000000" pitchFamily="2" charset="2"/>
               <a:buChar char="Ø"/>
             </a:pPr>
             <a:r>
-              <a:rPr lang="en-US" dirty="0"/>
+              <a:rPr dirty="0" lang="en-US"/>
               <a:t>Fully meets</a:t>
             </a:r>
           </a:p>
           <a:p>
-            <a:pPr marL="285750" indent="-285750">
+            <a:pPr indent="-285750" marL="285750">
               <a:buFont typeface="Wingdings" panose="05000000000000000000" pitchFamily="2" charset="2"/>
               <a:buChar char="Ø"/>
             </a:pPr>
             <a:r>
-              <a:rPr lang="en-US" dirty="0"/>
+              <a:rPr dirty="0" lang="en-US"/>
               <a:t>Needs improvements</a:t>
             </a:r>
           </a:p>
           <a:p>
-            <a:pPr marL="285750" indent="-285750">
+            <a:pPr indent="-285750" marL="285750">
               <a:buFont typeface="Wingdings" panose="05000000000000000000" pitchFamily="2" charset="2"/>
               <a:buChar char="Ø"/>
             </a:pPr>
             <a:r>
-              <a:rPr lang="en-US" dirty="0"/>
+              <a:rPr dirty="0" lang="en-US"/>
               <a:t>PIP</a:t>
             </a:r>
           </a:p>
@@ -4349,7 +4293,7 @@
   <p:cSld>
     <p:spTree>
       <p:nvGrpSpPr>
-        <p:cNvPr id="1" name=""/>
+        <p:cNvPr id="41" name=""/>
         <p:cNvGrpSpPr/>
         <p:nvPr/>
       </p:nvGrpSpPr>
@@ -4363,7 +4307,7 @@
       </p:grpSpPr>
       <p:sp>
         <p:nvSpPr>
-          <p:cNvPr id="3" name="object 3"/>
+          <p:cNvPr id="1048672" name="object 3"/>
           <p:cNvSpPr/>
           <p:nvPr/>
         </p:nvSpPr>
@@ -4374,9 +4318,7 @@
           </a:xfrm>
           <a:custGeom>
             <a:avLst/>
-            <a:gdLst/>
             <a:ahLst/>
-            <a:cxnLst/>
             <a:rect l="l" t="t" r="r" b="b"/>
             <a:pathLst>
               <a:path w="457200" h="457200">
@@ -4404,16 +4346,13 @@
           </a:solidFill>
         </p:spPr>
         <p:txBody>
-          <a:bodyPr wrap="square" lIns="0" tIns="0" rIns="0" bIns="0" rtlCol="0"/>
-          <a:lstStyle/>
-          <a:p>
-            <a:endParaRPr/>
-          </a:p>
-        </p:txBody>
-      </p:sp>
-      <p:sp>
-        <p:nvSpPr>
-          <p:cNvPr id="4" name="object 4"/>
+          <a:bodyPr bIns="0" lIns="0" rIns="0" rtlCol="0" tIns="0" wrap="square"/>
+          <a:p/>
+        </p:txBody>
+      </p:sp>
+      <p:sp>
+        <p:nvSpPr>
+          <p:cNvPr id="1048673" name="object 4"/>
           <p:cNvSpPr/>
           <p:nvPr/>
         </p:nvSpPr>
@@ -4424,9 +4363,7 @@
           </a:xfrm>
           <a:custGeom>
             <a:avLst/>
-            <a:gdLst/>
             <a:ahLst/>
-            <a:cxnLst/>
             <a:rect l="l" t="t" r="r" b="b"/>
             <a:pathLst>
               <a:path w="314325" h="323850">
@@ -4454,16 +4391,13 @@
           </a:solidFill>
         </p:spPr>
         <p:txBody>
-          <a:bodyPr wrap="square" lIns="0" tIns="0" rIns="0" bIns="0" rtlCol="0"/>
-          <a:lstStyle/>
-          <a:p>
-            <a:endParaRPr/>
-          </a:p>
-        </p:txBody>
-      </p:sp>
-      <p:sp>
-        <p:nvSpPr>
-          <p:cNvPr id="5" name="object 5"/>
+          <a:bodyPr bIns="0" lIns="0" rIns="0" rtlCol="0" tIns="0" wrap="square"/>
+          <a:p/>
+        </p:txBody>
+      </p:sp>
+      <p:sp>
+        <p:nvSpPr>
+          <p:cNvPr id="1048674" name="object 5"/>
           <p:cNvSpPr/>
           <p:nvPr/>
         </p:nvSpPr>
@@ -4474,9 +4408,7 @@
           </a:xfrm>
           <a:custGeom>
             <a:avLst/>
-            <a:gdLst/>
             <a:ahLst/>
-            <a:cxnLst/>
             <a:rect l="l" t="t" r="r" b="b"/>
             <a:pathLst>
               <a:path w="180975" h="180975">
@@ -4504,21 +4436,20 @@
           </a:solidFill>
         </p:spPr>
         <p:txBody>
-          <a:bodyPr wrap="square" lIns="0" tIns="0" rIns="0" bIns="0" rtlCol="0"/>
-          <a:lstStyle/>
-          <a:p>
-            <a:endParaRPr/>
-          </a:p>
+          <a:bodyPr bIns="0" lIns="0" rIns="0" rtlCol="0" tIns="0" wrap="square"/>
+          <a:p/>
         </p:txBody>
       </p:sp>
       <p:pic>
         <p:nvPicPr>
-          <p:cNvPr id="6" name="object 6"/>
-          <p:cNvPicPr/>
+          <p:cNvPr id="2097167" name="object 6"/>
+          <p:cNvPicPr>
+            <a:picLocks/>
+          </p:cNvPicPr>
           <p:nvPr/>
         </p:nvPicPr>
         <p:blipFill>
-          <a:blip r:embed="rId2" cstate="print"/>
+          <a:blip xmlns:r="http://schemas.openxmlformats.org/officeDocument/2006/relationships" r:embed="rId2" cstate="print"/>
           <a:stretch>
             <a:fillRect/>
           </a:stretch>
@@ -4528,14 +4459,12 @@
             <a:off x="1666875" y="6467475"/>
             <a:ext cx="76200" cy="177800"/>
           </a:xfrm>
-          <a:prstGeom prst="rect">
-            <a:avLst/>
-          </a:prstGeom>
+          <a:prstGeom prst="rect"/>
         </p:spPr>
       </p:pic>
       <p:sp>
         <p:nvSpPr>
-          <p:cNvPr id="7" name="object 7"/>
+          <p:cNvPr id="1048675" name="object 7"/>
           <p:cNvSpPr txBox="1">
             <a:spLocks noGrp="1"/>
           </p:cNvSpPr>
@@ -4546,17 +4475,14 @@
         <p:spPr>
           <a:xfrm>
             <a:off x="755332" y="385444"/>
-            <a:ext cx="2437130" cy="758190"/>
+            <a:ext cx="2437130" cy="1461135"/>
           </a:xfrm>
-          <a:prstGeom prst="rect">
-            <a:avLst/>
-          </a:prstGeom>
+          <a:prstGeom prst="rect"/>
         </p:spPr>
         <p:txBody>
-          <a:bodyPr vert="horz" wrap="square" lIns="0" tIns="13335" rIns="0" bIns="0" rtlCol="0">
+          <a:bodyPr bIns="0" lIns="0" rIns="0" rtlCol="0" tIns="13335" vert="horz" wrap="square">
             <a:spAutoFit/>
           </a:bodyPr>
-          <a:lstStyle/>
           <a:p>
             <a:pPr marL="12700">
               <a:lnSpc>
@@ -4571,19 +4497,19 @@
               <a:t>R</a:t>
             </a:r>
             <a:r>
-              <a:rPr spc="-40" dirty="0"/>
+              <a:rPr dirty="0" spc="-40"/>
               <a:t>E</a:t>
             </a:r>
             <a:r>
-              <a:rPr spc="15" dirty="0"/>
+              <a:rPr dirty="0" spc="15"/>
               <a:t>S</a:t>
             </a:r>
             <a:r>
-              <a:rPr spc="-30" dirty="0"/>
+              <a:rPr dirty="0" spc="-30"/>
               <a:t>U</a:t>
             </a:r>
             <a:r>
-              <a:rPr spc="-405" dirty="0"/>
+              <a:rPr dirty="0" spc="-405"/>
               <a:t>L</a:t>
             </a:r>
             <a:r>
@@ -4595,7 +4521,7 @@
       </p:sp>
       <p:sp>
         <p:nvSpPr>
-          <p:cNvPr id="9" name="object 9"/>
+          <p:cNvPr id="1048676" name="object 9"/>
           <p:cNvSpPr txBox="1"/>
           <p:nvPr/>
         </p:nvSpPr>
@@ -4604,15 +4530,12 @@
             <a:off x="11277218" y="6473337"/>
             <a:ext cx="228600" cy="191770"/>
           </a:xfrm>
-          <a:prstGeom prst="rect">
-            <a:avLst/>
-          </a:prstGeom>
+          <a:prstGeom prst="rect"/>
         </p:spPr>
         <p:txBody>
-          <a:bodyPr vert="horz" wrap="square" lIns="0" tIns="6985" rIns="0" bIns="0" rtlCol="0">
+          <a:bodyPr bIns="0" lIns="0" rIns="0" rtlCol="0" tIns="6985" vert="horz" wrap="square">
             <a:spAutoFit/>
           </a:bodyPr>
-          <a:lstStyle/>
           <a:p>
             <a:pPr marL="38100">
               <a:lnSpc>
@@ -4623,7 +4546,7 @@
               </a:spcBef>
             </a:pPr>
             <a:fld id="{81D60167-4931-47E6-BA6A-407CBD079E47}" type="slidenum">
-              <a:rPr sz="1100" spc="10" dirty="0">
+              <a:rPr dirty="0" sz="1100" spc="10">
                 <a:solidFill>
                   <a:srgbClr val="2D936B"/>
                 </a:solidFill>
@@ -4641,23 +4564,11 @@
       </p:sp>
       <p:graphicFrame>
         <p:nvGraphicFramePr>
-          <p:cNvPr id="2" name="Chart 1">
-            <a:extLst>
-              <a:ext uri="{FF2B5EF4-FFF2-40B4-BE49-F238E27FC236}">
-                <a16:creationId xmlns:a16="http://schemas.microsoft.com/office/drawing/2014/main" id="{E02D2686-9D2B-6FC3-2DC9-062AEE6CFA56}"/>
-              </a:ext>
-            </a:extLst>
-          </p:cNvPr>
+          <p:cNvPr id="4194304" name="Chart 1"/>
           <p:cNvGraphicFramePr>
             <a:graphicFrameLocks/>
           </p:cNvGraphicFramePr>
-          <p:nvPr>
-            <p:extLst>
-              <p:ext uri="{D42A27DB-BD31-4B8C-83A1-F6EECF244321}">
-                <p14:modId xmlns:p14="http://schemas.microsoft.com/office/powerpoint/2010/main" val="4047622380"/>
-              </p:ext>
-            </p:extLst>
-          </p:nvPr>
+          <p:nvPr/>
         </p:nvGraphicFramePr>
         <p:xfrm>
           <a:off x="1318260" y="1219834"/>
@@ -4665,7 +4576,7 @@
         </p:xfrm>
         <a:graphic>
           <a:graphicData uri="http://schemas.openxmlformats.org/drawingml/2006/chart">
-            <c:chart xmlns:c="http://schemas.openxmlformats.org/drawingml/2006/chart" xmlns:r="http://schemas.openxmlformats.org/officeDocument/2006/relationships" r:id="rId3"/>
+            <c:chart xmlns:c="http://schemas.openxmlformats.org/drawingml/2006/chart" xmlns:r="http://schemas.openxmlformats.org/officeDocument/2006/relationships" r:id="rId1"/>
           </a:graphicData>
         </a:graphic>
       </p:graphicFrame>
@@ -4682,7 +4593,7 @@
   <p:cSld>
     <p:spTree>
       <p:nvGrpSpPr>
-        <p:cNvPr id="1" name=""/>
+        <p:cNvPr id="42" name=""/>
         <p:cNvGrpSpPr/>
         <p:nvPr/>
       </p:nvGrpSpPr>
@@ -4696,13 +4607,7 @@
       </p:grpSpPr>
       <p:sp>
         <p:nvSpPr>
-          <p:cNvPr id="2" name="Title 1">
-            <a:extLst>
-              <a:ext uri="{FF2B5EF4-FFF2-40B4-BE49-F238E27FC236}">
-                <a16:creationId xmlns:a16="http://schemas.microsoft.com/office/drawing/2014/main" id="{F9A5CB5B-BDD0-5A64-1A7C-37D3C88F8F9E}"/>
-              </a:ext>
-            </a:extLst>
-          </p:cNvPr>
+          <p:cNvPr id="1048677" name="Title 1"/>
           <p:cNvSpPr>
             <a:spLocks noGrp="1"/>
           </p:cNvSpPr>
@@ -4710,19 +4615,23 @@
             <p:ph type="title"/>
           </p:nvPr>
         </p:nvSpPr>
-        <p:spPr/>
+        <p:spPr>
+          <a:xfrm>
+            <a:off x="755332" y="385444"/>
+            <a:ext cx="10681335" cy="723901"/>
+          </a:xfrm>
+        </p:spPr>
         <p:txBody>
           <a:bodyPr/>
-          <a:lstStyle/>
-          <a:p>
-            <a:r>
-              <a:rPr lang="en-US" dirty="0">
+          <a:p>
+            <a:r>
+              <a:rPr dirty="0" lang="en-US">
                 <a:latin typeface="Times New Roman" panose="02020603050405020304" pitchFamily="18" charset="0"/>
                 <a:cs typeface="Times New Roman" panose="02020603050405020304" pitchFamily="18" charset="0"/>
               </a:rPr>
               <a:t>conclusion</a:t>
             </a:r>
-            <a:endParaRPr lang="en-IN" dirty="0">
+            <a:endParaRPr dirty="0" lang="en-IN">
               <a:latin typeface="Times New Roman" panose="02020603050405020304" pitchFamily="18" charset="0"/>
               <a:cs typeface="Times New Roman" panose="02020603050405020304" pitchFamily="18" charset="0"/>
             </a:endParaRPr>
@@ -4731,34 +4640,25 @@
       </p:sp>
       <p:sp>
         <p:nvSpPr>
-          <p:cNvPr id="4" name="TextBox 3">
-            <a:extLst>
-              <a:ext uri="{FF2B5EF4-FFF2-40B4-BE49-F238E27FC236}">
-                <a16:creationId xmlns:a16="http://schemas.microsoft.com/office/drawing/2014/main" id="{90719231-595B-C5BD-2BEA-952479415725}"/>
-              </a:ext>
-            </a:extLst>
-          </p:cNvPr>
+          <p:cNvPr id="1048678" name="TextBox 3"/>
           <p:cNvSpPr txBox="1"/>
           <p:nvPr/>
         </p:nvSpPr>
         <p:spPr>
           <a:xfrm>
             <a:off x="781708" y="1509028"/>
-            <a:ext cx="9505291" cy="2308324"/>
+            <a:ext cx="9505291" cy="2225041"/>
           </a:xfrm>
-          <a:prstGeom prst="rect">
-            <a:avLst/>
-          </a:prstGeom>
+          <a:prstGeom prst="rect"/>
           <a:noFill/>
         </p:spPr>
         <p:txBody>
           <a:bodyPr wrap="square">
             <a:spAutoFit/>
           </a:bodyPr>
-          <a:lstStyle/>
-          <a:p>
-            <a:r>
-              <a:rPr lang="en-IN" sz="2400" dirty="0">
+          <a:p>
+            <a:r>
+              <a:rPr dirty="0" sz="2400" lang="en-IN">
                 <a:latin typeface="Times New Roman" panose="02020603050405020304" pitchFamily="18" charset="0"/>
                 <a:cs typeface="Times New Roman" panose="02020603050405020304" pitchFamily="18" charset="0"/>
               </a:rPr>
@@ -4768,11 +4668,6 @@
         </p:txBody>
       </p:sp>
     </p:spTree>
-    <p:extLst>
-      <p:ext uri="{BB962C8B-B14F-4D97-AF65-F5344CB8AC3E}">
-        <p14:creationId xmlns:p14="http://schemas.microsoft.com/office/powerpoint/2010/main" val="2986442291"/>
-      </p:ext>
-    </p:extLst>
   </p:cSld>
   <p:clrMapOvr>
     <a:masterClrMapping/>
@@ -4785,7 +4680,7 @@
   <p:cSld>
     <p:spTree>
       <p:nvGrpSpPr>
-        <p:cNvPr id="1" name=""/>
+        <p:cNvPr id="26" name=""/>
         <p:cNvGrpSpPr/>
         <p:nvPr/>
       </p:nvGrpSpPr>
@@ -4799,7 +4694,7 @@
       </p:grpSpPr>
       <p:sp>
         <p:nvSpPr>
-          <p:cNvPr id="2" name="object 2"/>
+          <p:cNvPr id="1048610" name="object 2"/>
           <p:cNvSpPr/>
           <p:nvPr/>
         </p:nvSpPr>
@@ -4810,9 +4705,7 @@
           </a:xfrm>
           <a:custGeom>
             <a:avLst/>
-            <a:gdLst/>
             <a:ahLst/>
-            <a:cxnLst/>
             <a:rect l="l" t="t" r="r" b="b"/>
             <a:pathLst>
               <a:path w="12192000" h="6858000">
@@ -4840,8 +4733,7 @@
           </a:solidFill>
         </p:spPr>
         <p:txBody>
-          <a:bodyPr wrap="square" lIns="0" tIns="0" rIns="0" bIns="0" rtlCol="0"/>
-          <a:lstStyle/>
+          <a:bodyPr bIns="0" lIns="0" rIns="0" rtlCol="0" tIns="0" wrap="square"/>
           <a:p>
             <a:endParaRPr dirty="0">
               <a:latin typeface="Times New Roman" panose="02020603050405020304" pitchFamily="18" charset="0"/>
@@ -4852,7 +4744,7 @@
       </p:sp>
       <p:grpSp>
         <p:nvGrpSpPr>
-          <p:cNvPr id="3" name="object 3"/>
+          <p:cNvPr id="27" name="object 3"/>
           <p:cNvGrpSpPr/>
           <p:nvPr/>
         </p:nvGrpSpPr>
@@ -4866,7 +4758,7 @@
         </p:grpSpPr>
         <p:sp>
           <p:nvSpPr>
-            <p:cNvPr id="4" name="object 4"/>
+            <p:cNvPr id="1048611" name="object 4"/>
             <p:cNvSpPr/>
             <p:nvPr/>
           </p:nvSpPr>
@@ -4877,9 +4769,7 @@
             </a:xfrm>
             <a:custGeom>
               <a:avLst/>
-              <a:gdLst/>
               <a:ahLst/>
-              <a:cxnLst/>
               <a:rect l="l" t="t" r="r" b="b"/>
               <a:pathLst>
                 <a:path w="1218565" h="6853555">
@@ -4899,16 +4789,13 @@
             </a:ln>
           </p:spPr>
           <p:txBody>
-            <a:bodyPr wrap="square" lIns="0" tIns="0" rIns="0" bIns="0" rtlCol="0"/>
-            <a:lstStyle/>
-            <a:p>
-              <a:endParaRPr/>
-            </a:p>
+            <a:bodyPr bIns="0" lIns="0" rIns="0" rtlCol="0" tIns="0" wrap="square"/>
+            <a:p/>
           </p:txBody>
         </p:sp>
         <p:sp>
           <p:nvSpPr>
-            <p:cNvPr id="5" name="object 5"/>
+            <p:cNvPr id="1048612" name="object 5"/>
             <p:cNvSpPr/>
             <p:nvPr/>
           </p:nvSpPr>
@@ -4919,9 +4806,7 @@
             </a:xfrm>
             <a:custGeom>
               <a:avLst/>
-              <a:gdLst/>
               <a:ahLst/>
-              <a:cxnLst/>
               <a:rect l="l" t="t" r="r" b="b"/>
               <a:pathLst>
                 <a:path w="4743450" h="3163570">
@@ -4941,16 +4826,13 @@
             </a:ln>
           </p:spPr>
           <p:txBody>
-            <a:bodyPr wrap="square" lIns="0" tIns="0" rIns="0" bIns="0" rtlCol="0"/>
-            <a:lstStyle/>
-            <a:p>
-              <a:endParaRPr/>
-            </a:p>
+            <a:bodyPr bIns="0" lIns="0" rIns="0" rtlCol="0" tIns="0" wrap="square"/>
+            <a:p/>
           </p:txBody>
         </p:sp>
         <p:sp>
           <p:nvSpPr>
-            <p:cNvPr id="6" name="object 6"/>
+            <p:cNvPr id="1048613" name="object 6"/>
             <p:cNvSpPr/>
             <p:nvPr/>
           </p:nvSpPr>
@@ -4961,9 +4843,7 @@
             </a:xfrm>
             <a:custGeom>
               <a:avLst/>
-              <a:gdLst/>
               <a:ahLst/>
-              <a:cxnLst/>
               <a:rect l="l" t="t" r="r" b="b"/>
               <a:pathLst>
                 <a:path w="3009900" h="6858000">
@@ -4993,16 +4873,13 @@
             </a:solidFill>
           </p:spPr>
           <p:txBody>
-            <a:bodyPr wrap="square" lIns="0" tIns="0" rIns="0" bIns="0" rtlCol="0"/>
-            <a:lstStyle/>
-            <a:p>
-              <a:endParaRPr/>
-            </a:p>
+            <a:bodyPr bIns="0" lIns="0" rIns="0" rtlCol="0" tIns="0" wrap="square"/>
+            <a:p/>
           </p:txBody>
         </p:sp>
         <p:sp>
           <p:nvSpPr>
-            <p:cNvPr id="7" name="object 7"/>
+            <p:cNvPr id="1048614" name="object 7"/>
             <p:cNvSpPr/>
             <p:nvPr/>
           </p:nvSpPr>
@@ -5013,9 +4890,7 @@
             </a:xfrm>
             <a:custGeom>
               <a:avLst/>
-              <a:gdLst/>
               <a:ahLst/>
-              <a:cxnLst/>
               <a:rect l="l" t="t" r="r" b="b"/>
               <a:pathLst>
                 <a:path w="2589529" h="6858000">
@@ -5045,16 +4920,13 @@
             </a:solidFill>
           </p:spPr>
           <p:txBody>
-            <a:bodyPr wrap="square" lIns="0" tIns="0" rIns="0" bIns="0" rtlCol="0"/>
-            <a:lstStyle/>
-            <a:p>
-              <a:endParaRPr/>
-            </a:p>
+            <a:bodyPr bIns="0" lIns="0" rIns="0" rtlCol="0" tIns="0" wrap="square"/>
+            <a:p/>
           </p:txBody>
         </p:sp>
         <p:sp>
           <p:nvSpPr>
-            <p:cNvPr id="8" name="object 8"/>
+            <p:cNvPr id="1048615" name="object 8"/>
             <p:cNvSpPr/>
             <p:nvPr/>
           </p:nvSpPr>
@@ -5065,9 +4937,7 @@
             </a:xfrm>
             <a:custGeom>
               <a:avLst/>
-              <a:gdLst/>
               <a:ahLst/>
-              <a:cxnLst/>
               <a:rect l="l" t="t" r="r" b="b"/>
               <a:pathLst>
                 <a:path w="3257550" h="3810000">
@@ -5094,16 +4964,13 @@
             </a:solidFill>
           </p:spPr>
           <p:txBody>
-            <a:bodyPr wrap="square" lIns="0" tIns="0" rIns="0" bIns="0" rtlCol="0"/>
-            <a:lstStyle/>
-            <a:p>
-              <a:endParaRPr/>
-            </a:p>
+            <a:bodyPr bIns="0" lIns="0" rIns="0" rtlCol="0" tIns="0" wrap="square"/>
+            <a:p/>
           </p:txBody>
         </p:sp>
         <p:sp>
           <p:nvSpPr>
-            <p:cNvPr id="9" name="object 9"/>
+            <p:cNvPr id="1048616" name="object 9"/>
             <p:cNvSpPr/>
             <p:nvPr/>
           </p:nvSpPr>
@@ -5114,9 +4981,7 @@
             </a:xfrm>
             <a:custGeom>
               <a:avLst/>
-              <a:gdLst/>
               <a:ahLst/>
-              <a:cxnLst/>
               <a:rect l="l" t="t" r="r" b="b"/>
               <a:pathLst>
                 <a:path w="2854325" h="6858000">
@@ -5146,16 +5011,13 @@
             </a:solidFill>
           </p:spPr>
           <p:txBody>
-            <a:bodyPr wrap="square" lIns="0" tIns="0" rIns="0" bIns="0" rtlCol="0"/>
-            <a:lstStyle/>
-            <a:p>
-              <a:endParaRPr/>
-            </a:p>
+            <a:bodyPr bIns="0" lIns="0" rIns="0" rtlCol="0" tIns="0" wrap="square"/>
+            <a:p/>
           </p:txBody>
         </p:sp>
         <p:sp>
           <p:nvSpPr>
-            <p:cNvPr id="10" name="object 10"/>
+            <p:cNvPr id="1048617" name="object 10"/>
             <p:cNvSpPr/>
             <p:nvPr/>
           </p:nvSpPr>
@@ -5166,9 +5028,7 @@
             </a:xfrm>
             <a:custGeom>
               <a:avLst/>
-              <a:gdLst/>
               <a:ahLst/>
-              <a:cxnLst/>
               <a:rect l="l" t="t" r="r" b="b"/>
               <a:pathLst>
                 <a:path w="1295400" h="6858000">
@@ -5198,16 +5058,13 @@
             </a:solidFill>
           </p:spPr>
           <p:txBody>
-            <a:bodyPr wrap="square" lIns="0" tIns="0" rIns="0" bIns="0" rtlCol="0"/>
-            <a:lstStyle/>
-            <a:p>
-              <a:endParaRPr/>
-            </a:p>
+            <a:bodyPr bIns="0" lIns="0" rIns="0" rtlCol="0" tIns="0" wrap="square"/>
+            <a:p/>
           </p:txBody>
         </p:sp>
         <p:sp>
           <p:nvSpPr>
-            <p:cNvPr id="11" name="object 11"/>
+            <p:cNvPr id="1048618" name="object 11"/>
             <p:cNvSpPr/>
             <p:nvPr/>
           </p:nvSpPr>
@@ -5218,9 +5075,7 @@
             </a:xfrm>
             <a:custGeom>
               <a:avLst/>
-              <a:gdLst/>
               <a:ahLst/>
-              <a:cxnLst/>
               <a:rect l="l" t="t" r="r" b="b"/>
               <a:pathLst>
                 <a:path w="1256029" h="6858000">
@@ -5250,16 +5105,13 @@
             </a:solidFill>
           </p:spPr>
           <p:txBody>
-            <a:bodyPr wrap="square" lIns="0" tIns="0" rIns="0" bIns="0" rtlCol="0"/>
-            <a:lstStyle/>
-            <a:p>
-              <a:endParaRPr/>
-            </a:p>
+            <a:bodyPr bIns="0" lIns="0" rIns="0" rtlCol="0" tIns="0" wrap="square"/>
+            <a:p/>
           </p:txBody>
         </p:sp>
         <p:sp>
           <p:nvSpPr>
-            <p:cNvPr id="12" name="object 12"/>
+            <p:cNvPr id="1048619" name="object 12"/>
             <p:cNvSpPr/>
             <p:nvPr/>
           </p:nvSpPr>
@@ -5270,9 +5122,7 @@
             </a:xfrm>
             <a:custGeom>
               <a:avLst/>
-              <a:gdLst/>
               <a:ahLst/>
-              <a:cxnLst/>
               <a:rect l="l" t="t" r="r" b="b"/>
               <a:pathLst>
                 <a:path w="1819275" h="3267075">
@@ -5299,17 +5149,14 @@
             </a:solidFill>
           </p:spPr>
           <p:txBody>
-            <a:bodyPr wrap="square" lIns="0" tIns="0" rIns="0" bIns="0" rtlCol="0"/>
-            <a:lstStyle/>
-            <a:p>
-              <a:endParaRPr/>
-            </a:p>
+            <a:bodyPr bIns="0" lIns="0" rIns="0" rtlCol="0" tIns="0" wrap="square"/>
+            <a:p/>
           </p:txBody>
         </p:sp>
       </p:grpSp>
       <p:sp>
         <p:nvSpPr>
-          <p:cNvPr id="13" name="object 13"/>
+          <p:cNvPr id="1048620" name="object 13"/>
           <p:cNvSpPr/>
           <p:nvPr/>
         </p:nvSpPr>
@@ -5320,9 +5167,7 @@
           </a:xfrm>
           <a:custGeom>
             <a:avLst/>
-            <a:gdLst/>
             <a:ahLst/>
-            <a:cxnLst/>
             <a:rect l="l" t="t" r="r" b="b"/>
             <a:pathLst>
               <a:path w="447675" h="2847975">
@@ -5349,16 +5194,13 @@
           </a:solidFill>
         </p:spPr>
         <p:txBody>
-          <a:bodyPr wrap="square" lIns="0" tIns="0" rIns="0" bIns="0" rtlCol="0"/>
-          <a:lstStyle/>
-          <a:p>
-            <a:endParaRPr/>
-          </a:p>
-        </p:txBody>
-      </p:sp>
-      <p:sp>
-        <p:nvSpPr>
-          <p:cNvPr id="14" name="object 14"/>
+          <a:bodyPr bIns="0" lIns="0" rIns="0" rtlCol="0" tIns="0" wrap="square"/>
+          <a:p/>
+        </p:txBody>
+      </p:sp>
+      <p:sp>
+        <p:nvSpPr>
+          <p:cNvPr id="1048621" name="object 14"/>
           <p:cNvSpPr/>
           <p:nvPr/>
         </p:nvSpPr>
@@ -5369,9 +5211,7 @@
           </a:xfrm>
           <a:custGeom>
             <a:avLst/>
-            <a:gdLst/>
             <a:ahLst/>
-            <a:cxnLst/>
             <a:rect l="l" t="t" r="r" b="b"/>
             <a:pathLst>
               <a:path w="457200" h="457200">
@@ -5399,16 +5239,13 @@
           </a:solidFill>
         </p:spPr>
         <p:txBody>
-          <a:bodyPr wrap="square" lIns="0" tIns="0" rIns="0" bIns="0" rtlCol="0"/>
-          <a:lstStyle/>
-          <a:p>
-            <a:endParaRPr/>
-          </a:p>
-        </p:txBody>
-      </p:sp>
-      <p:sp>
-        <p:nvSpPr>
-          <p:cNvPr id="15" name="object 15"/>
+          <a:bodyPr bIns="0" lIns="0" rIns="0" rtlCol="0" tIns="0" wrap="square"/>
+          <a:p/>
+        </p:txBody>
+      </p:sp>
+      <p:sp>
+        <p:nvSpPr>
+          <p:cNvPr id="1048622" name="object 15"/>
           <p:cNvSpPr/>
           <p:nvPr/>
         </p:nvSpPr>
@@ -5419,9 +5256,7 @@
           </a:xfrm>
           <a:custGeom>
             <a:avLst/>
-            <a:gdLst/>
             <a:ahLst/>
-            <a:cxnLst/>
             <a:rect l="l" t="t" r="r" b="b"/>
             <a:pathLst>
               <a:path w="314325" h="323850">
@@ -5449,16 +5284,13 @@
           </a:solidFill>
         </p:spPr>
         <p:txBody>
-          <a:bodyPr wrap="square" lIns="0" tIns="0" rIns="0" bIns="0" rtlCol="0"/>
-          <a:lstStyle/>
-          <a:p>
-            <a:endParaRPr/>
-          </a:p>
-        </p:txBody>
-      </p:sp>
-      <p:sp>
-        <p:nvSpPr>
-          <p:cNvPr id="16" name="object 16"/>
+          <a:bodyPr bIns="0" lIns="0" rIns="0" rtlCol="0" tIns="0" wrap="square"/>
+          <a:p/>
+        </p:txBody>
+      </p:sp>
+      <p:sp>
+        <p:nvSpPr>
+          <p:cNvPr id="1048623" name="object 16"/>
           <p:cNvSpPr/>
           <p:nvPr/>
         </p:nvSpPr>
@@ -5469,9 +5301,7 @@
           </a:xfrm>
           <a:custGeom>
             <a:avLst/>
-            <a:gdLst/>
             <a:ahLst/>
-            <a:cxnLst/>
             <a:rect l="l" t="t" r="r" b="b"/>
             <a:pathLst>
               <a:path w="180975" h="180975">
@@ -5499,16 +5329,13 @@
           </a:solidFill>
         </p:spPr>
         <p:txBody>
-          <a:bodyPr wrap="square" lIns="0" tIns="0" rIns="0" bIns="0" rtlCol="0"/>
-          <a:lstStyle/>
-          <a:p>
-            <a:endParaRPr/>
-          </a:p>
-        </p:txBody>
-      </p:sp>
-      <p:sp>
-        <p:nvSpPr>
-          <p:cNvPr id="17" name="object 17"/>
+          <a:bodyPr bIns="0" lIns="0" rIns="0" rtlCol="0" tIns="0" wrap="square"/>
+          <a:p/>
+        </p:txBody>
+      </p:sp>
+      <p:sp>
+        <p:nvSpPr>
+          <p:cNvPr id="1048624" name="object 17"/>
           <p:cNvSpPr txBox="1">
             <a:spLocks noGrp="1"/>
           </p:cNvSpPr>
@@ -5519,17 +5346,14 @@
         <p:spPr>
           <a:xfrm>
             <a:off x="739775" y="829627"/>
-            <a:ext cx="3909695" cy="678180"/>
+            <a:ext cx="3909695" cy="638810"/>
           </a:xfrm>
-          <a:prstGeom prst="rect">
-            <a:avLst/>
-          </a:prstGeom>
+          <a:prstGeom prst="rect"/>
         </p:spPr>
         <p:txBody>
-          <a:bodyPr vert="horz" wrap="square" lIns="0" tIns="16510" rIns="0" bIns="0" rtlCol="0">
+          <a:bodyPr bIns="0" lIns="0" rIns="0" rtlCol="0" tIns="16510" vert="horz" wrap="square">
             <a:spAutoFit/>
           </a:bodyPr>
-          <a:lstStyle/>
           <a:p>
             <a:pPr marL="12700">
               <a:lnSpc>
@@ -5540,15 +5364,15 @@
               </a:spcBef>
             </a:pPr>
             <a:r>
-              <a:rPr sz="4250" spc="5" dirty="0"/>
+              <a:rPr dirty="0" sz="4250" spc="5"/>
               <a:t>PROJECT</a:t>
             </a:r>
             <a:r>
-              <a:rPr sz="4250" spc="-85" dirty="0"/>
+              <a:rPr dirty="0" sz="4250" spc="-85"/>
               <a:t> </a:t>
             </a:r>
             <a:r>
-              <a:rPr sz="4250" spc="25" dirty="0"/>
+              <a:rPr dirty="0" sz="4250" spc="25"/>
               <a:t>TITLE</a:t>
             </a:r>
             <a:endParaRPr sz="4250"/>
@@ -5557,7 +5381,7 @@
       </p:sp>
       <p:grpSp>
         <p:nvGrpSpPr>
-          <p:cNvPr id="18" name="object 18"/>
+          <p:cNvPr id="28" name="object 18"/>
           <p:cNvGrpSpPr/>
           <p:nvPr/>
         </p:nvGrpSpPr>
@@ -5571,12 +5395,14 @@
         </p:grpSpPr>
         <p:pic>
           <p:nvPicPr>
-            <p:cNvPr id="19" name="object 19"/>
-            <p:cNvPicPr/>
+            <p:cNvPr id="2097153" name="object 19"/>
+            <p:cNvPicPr>
+              <a:picLocks/>
+            </p:cNvPicPr>
             <p:nvPr/>
           </p:nvPicPr>
           <p:blipFill>
-            <a:blip r:embed="rId2" cstate="print"/>
+            <a:blip xmlns:r="http://schemas.openxmlformats.org/officeDocument/2006/relationships" r:embed="rId1" cstate="print"/>
             <a:stretch>
               <a:fillRect/>
             </a:stretch>
@@ -5586,19 +5412,19 @@
               <a:off x="676275" y="6467475"/>
               <a:ext cx="2143125" cy="200025"/>
             </a:xfrm>
-            <a:prstGeom prst="rect">
-              <a:avLst/>
-            </a:prstGeom>
+            <a:prstGeom prst="rect"/>
           </p:spPr>
         </p:pic>
         <p:pic>
           <p:nvPicPr>
-            <p:cNvPr id="20" name="object 20"/>
-            <p:cNvPicPr/>
+            <p:cNvPr id="2097154" name="object 20"/>
+            <p:cNvPicPr>
+              <a:picLocks/>
+            </p:cNvPicPr>
             <p:nvPr/>
           </p:nvPicPr>
           <p:blipFill>
-            <a:blip r:embed="rId3" cstate="print"/>
+            <a:blip xmlns:r="http://schemas.openxmlformats.org/officeDocument/2006/relationships" r:embed="rId2" cstate="print"/>
             <a:stretch>
               <a:fillRect/>
             </a:stretch>
@@ -5608,15 +5434,13 @@
               <a:off x="466725" y="6410325"/>
               <a:ext cx="3705225" cy="295275"/>
             </a:xfrm>
-            <a:prstGeom prst="rect">
-              <a:avLst/>
-            </a:prstGeom>
+            <a:prstGeom prst="rect"/>
           </p:spPr>
         </p:pic>
       </p:grpSp>
       <p:sp>
         <p:nvSpPr>
-          <p:cNvPr id="22" name="object 22"/>
+          <p:cNvPr id="1048625" name="object 22"/>
           <p:cNvSpPr txBox="1">
             <a:spLocks noGrp="1"/>
           </p:cNvSpPr>
@@ -5625,15 +5449,12 @@
           </p:nvPr>
         </p:nvSpPr>
         <p:spPr>
-          <a:prstGeom prst="rect">
-            <a:avLst/>
-          </a:prstGeom>
+          <a:prstGeom prst="rect"/>
         </p:spPr>
         <p:txBody>
-          <a:bodyPr vert="horz" wrap="square" lIns="0" tIns="6985" rIns="0" bIns="0" rtlCol="0">
+          <a:bodyPr bIns="0" lIns="0" rIns="0" rtlCol="0" tIns="6985" vert="horz" wrap="square">
             <a:spAutoFit/>
           </a:bodyPr>
-          <a:lstStyle/>
           <a:p>
             <a:pPr marL="38100">
               <a:lnSpc>
@@ -5644,43 +5465,34 @@
               </a:spcBef>
             </a:pPr>
             <a:fld id="{81D60167-4931-47E6-BA6A-407CBD079E47}" type="slidenum">
-              <a:rPr spc="10" dirty="0"/>
+              <a:rPr dirty="0" spc="10"/>
               <a:t>2</a:t>
             </a:fld>
-            <a:endParaRPr spc="10" dirty="0"/>
-          </a:p>
-        </p:txBody>
-      </p:sp>
-      <p:sp>
-        <p:nvSpPr>
-          <p:cNvPr id="23" name="TextBox 22">
-            <a:extLst>
-              <a:ext uri="{FF2B5EF4-FFF2-40B4-BE49-F238E27FC236}">
-                <a16:creationId xmlns:a16="http://schemas.microsoft.com/office/drawing/2014/main" id="{F691EEC8-E83B-8506-163B-F39E906CCC0A}"/>
-              </a:ext>
-            </a:extLst>
-          </p:cNvPr>
+            <a:endParaRPr dirty="0" spc="10"/>
+          </a:p>
+        </p:txBody>
+      </p:sp>
+      <p:sp>
+        <p:nvSpPr>
+          <p:cNvPr id="1048626" name="TextBox 22"/>
           <p:cNvSpPr txBox="1"/>
           <p:nvPr/>
         </p:nvSpPr>
         <p:spPr>
           <a:xfrm>
             <a:off x="1217522" y="2123271"/>
-            <a:ext cx="8593228" cy="2123658"/>
+            <a:ext cx="8593228" cy="2072640"/>
           </a:xfrm>
-          <a:prstGeom prst="rect">
-            <a:avLst/>
-          </a:prstGeom>
+          <a:prstGeom prst="rect"/>
           <a:noFill/>
         </p:spPr>
         <p:txBody>
-          <a:bodyPr wrap="square" rtlCol="0">
+          <a:bodyPr rtlCol="0" wrap="square">
             <a:spAutoFit/>
           </a:bodyPr>
-          <a:lstStyle/>
-          <a:p>
-            <a:r>
-              <a:rPr lang="en-US" sz="4400" b="1" dirty="0">
+          <a:p>
+            <a:r>
+              <a:rPr b="1" dirty="0" sz="4400" lang="en-US">
                 <a:solidFill>
                   <a:srgbClr val="0F0F0F"/>
                 </a:solidFill>
@@ -5692,7 +5504,7 @@
           </a:p>
           <a:p>
             <a:r>
-              <a:rPr lang="en-US" sz="4400" b="1" dirty="0">
+              <a:rPr b="1" dirty="0" sz="4400" lang="en-US">
                 <a:solidFill>
                   <a:srgbClr val="0F0F0F"/>
                 </a:solidFill>
@@ -5701,7 +5513,7 @@
               </a:rPr>
               <a:t>SCORE BASED APPROACH</a:t>
             </a:r>
-            <a:endParaRPr lang="en-IN" sz="2800" dirty="0">
+            <a:endParaRPr dirty="0" sz="2800" lang="en-IN">
               <a:solidFill>
                 <a:srgbClr val="7030A0"/>
               </a:solidFill>
@@ -5724,7 +5536,7 @@
   <p:cSld>
     <p:spTree>
       <p:nvGrpSpPr>
-        <p:cNvPr id="1" name=""/>
+        <p:cNvPr id="29" name=""/>
         <p:cNvGrpSpPr/>
         <p:nvPr/>
       </p:nvGrpSpPr>
@@ -5738,7 +5550,7 @@
       </p:grpSpPr>
       <p:sp>
         <p:nvSpPr>
-          <p:cNvPr id="2" name="object 2"/>
+          <p:cNvPr id="1048627" name="object 2"/>
           <p:cNvSpPr/>
           <p:nvPr/>
         </p:nvSpPr>
@@ -5749,9 +5561,7 @@
           </a:xfrm>
           <a:custGeom>
             <a:avLst/>
-            <a:gdLst/>
             <a:ahLst/>
-            <a:cxnLst/>
             <a:rect l="l" t="t" r="r" b="b"/>
             <a:pathLst>
               <a:path w="12192000" h="6858000">
@@ -5779,8 +5589,7 @@
           </a:solidFill>
         </p:spPr>
         <p:txBody>
-          <a:bodyPr wrap="square" lIns="0" tIns="0" rIns="0" bIns="0" rtlCol="0"/>
-          <a:lstStyle/>
+          <a:bodyPr bIns="0" lIns="0" rIns="0" rtlCol="0" tIns="0" wrap="square"/>
           <a:p>
             <a:endParaRPr dirty="0"/>
           </a:p>
@@ -5788,7 +5597,7 @@
       </p:sp>
       <p:grpSp>
         <p:nvGrpSpPr>
-          <p:cNvPr id="3" name="object 3"/>
+          <p:cNvPr id="30" name="object 3"/>
           <p:cNvGrpSpPr/>
           <p:nvPr/>
         </p:nvGrpSpPr>
@@ -5802,7 +5611,7 @@
         </p:grpSpPr>
         <p:sp>
           <p:nvSpPr>
-            <p:cNvPr id="4" name="object 4"/>
+            <p:cNvPr id="1048628" name="object 4"/>
             <p:cNvSpPr/>
             <p:nvPr/>
           </p:nvSpPr>
@@ -5813,9 +5622,7 @@
             </a:xfrm>
             <a:custGeom>
               <a:avLst/>
-              <a:gdLst/>
               <a:ahLst/>
-              <a:cxnLst/>
               <a:rect l="l" t="t" r="r" b="b"/>
               <a:pathLst>
                 <a:path w="1218565" h="6853555">
@@ -5835,16 +5642,13 @@
             </a:ln>
           </p:spPr>
           <p:txBody>
-            <a:bodyPr wrap="square" lIns="0" tIns="0" rIns="0" bIns="0" rtlCol="0"/>
-            <a:lstStyle/>
-            <a:p>
-              <a:endParaRPr/>
-            </a:p>
+            <a:bodyPr bIns="0" lIns="0" rIns="0" rtlCol="0" tIns="0" wrap="square"/>
+            <a:p/>
           </p:txBody>
         </p:sp>
         <p:sp>
           <p:nvSpPr>
-            <p:cNvPr id="5" name="object 5"/>
+            <p:cNvPr id="1048629" name="object 5"/>
             <p:cNvSpPr/>
             <p:nvPr/>
           </p:nvSpPr>
@@ -5855,9 +5659,7 @@
             </a:xfrm>
             <a:custGeom>
               <a:avLst/>
-              <a:gdLst/>
               <a:ahLst/>
-              <a:cxnLst/>
               <a:rect l="l" t="t" r="r" b="b"/>
               <a:pathLst>
                 <a:path w="4743450" h="3163570">
@@ -5877,16 +5679,13 @@
             </a:ln>
           </p:spPr>
           <p:txBody>
-            <a:bodyPr wrap="square" lIns="0" tIns="0" rIns="0" bIns="0" rtlCol="0"/>
-            <a:lstStyle/>
-            <a:p>
-              <a:endParaRPr/>
-            </a:p>
+            <a:bodyPr bIns="0" lIns="0" rIns="0" rtlCol="0" tIns="0" wrap="square"/>
+            <a:p/>
           </p:txBody>
         </p:sp>
         <p:sp>
           <p:nvSpPr>
-            <p:cNvPr id="6" name="object 6"/>
+            <p:cNvPr id="1048630" name="object 6"/>
             <p:cNvSpPr/>
             <p:nvPr/>
           </p:nvSpPr>
@@ -5897,9 +5696,7 @@
             </a:xfrm>
             <a:custGeom>
               <a:avLst/>
-              <a:gdLst/>
               <a:ahLst/>
-              <a:cxnLst/>
               <a:rect l="l" t="t" r="r" b="b"/>
               <a:pathLst>
                 <a:path w="3009900" h="6858000">
@@ -5929,16 +5726,13 @@
             </a:solidFill>
           </p:spPr>
           <p:txBody>
-            <a:bodyPr wrap="square" lIns="0" tIns="0" rIns="0" bIns="0" rtlCol="0"/>
-            <a:lstStyle/>
-            <a:p>
-              <a:endParaRPr/>
-            </a:p>
+            <a:bodyPr bIns="0" lIns="0" rIns="0" rtlCol="0" tIns="0" wrap="square"/>
+            <a:p/>
           </p:txBody>
         </p:sp>
         <p:sp>
           <p:nvSpPr>
-            <p:cNvPr id="7" name="object 7"/>
+            <p:cNvPr id="1048631" name="object 7"/>
             <p:cNvSpPr/>
             <p:nvPr/>
           </p:nvSpPr>
@@ -5949,9 +5743,7 @@
             </a:xfrm>
             <a:custGeom>
               <a:avLst/>
-              <a:gdLst/>
               <a:ahLst/>
-              <a:cxnLst/>
               <a:rect l="l" t="t" r="r" b="b"/>
               <a:pathLst>
                 <a:path w="2589529" h="6858000">
@@ -5981,16 +5773,13 @@
             </a:solidFill>
           </p:spPr>
           <p:txBody>
-            <a:bodyPr wrap="square" lIns="0" tIns="0" rIns="0" bIns="0" rtlCol="0"/>
-            <a:lstStyle/>
-            <a:p>
-              <a:endParaRPr/>
-            </a:p>
+            <a:bodyPr bIns="0" lIns="0" rIns="0" rtlCol="0" tIns="0" wrap="square"/>
+            <a:p/>
           </p:txBody>
         </p:sp>
         <p:sp>
           <p:nvSpPr>
-            <p:cNvPr id="8" name="object 8"/>
+            <p:cNvPr id="1048632" name="object 8"/>
             <p:cNvSpPr/>
             <p:nvPr/>
           </p:nvSpPr>
@@ -6001,9 +5790,7 @@
             </a:xfrm>
             <a:custGeom>
               <a:avLst/>
-              <a:gdLst/>
               <a:ahLst/>
-              <a:cxnLst/>
               <a:rect l="l" t="t" r="r" b="b"/>
               <a:pathLst>
                 <a:path w="3257550" h="3810000">
@@ -6030,16 +5817,13 @@
             </a:solidFill>
           </p:spPr>
           <p:txBody>
-            <a:bodyPr wrap="square" lIns="0" tIns="0" rIns="0" bIns="0" rtlCol="0"/>
-            <a:lstStyle/>
-            <a:p>
-              <a:endParaRPr/>
-            </a:p>
+            <a:bodyPr bIns="0" lIns="0" rIns="0" rtlCol="0" tIns="0" wrap="square"/>
+            <a:p/>
           </p:txBody>
         </p:sp>
         <p:sp>
           <p:nvSpPr>
-            <p:cNvPr id="9" name="object 9"/>
+            <p:cNvPr id="1048633" name="object 9"/>
             <p:cNvSpPr/>
             <p:nvPr/>
           </p:nvSpPr>
@@ -6050,9 +5834,7 @@
             </a:xfrm>
             <a:custGeom>
               <a:avLst/>
-              <a:gdLst/>
               <a:ahLst/>
-              <a:cxnLst/>
               <a:rect l="l" t="t" r="r" b="b"/>
               <a:pathLst>
                 <a:path w="2854325" h="6858000">
@@ -6082,16 +5864,13 @@
             </a:solidFill>
           </p:spPr>
           <p:txBody>
-            <a:bodyPr wrap="square" lIns="0" tIns="0" rIns="0" bIns="0" rtlCol="0"/>
-            <a:lstStyle/>
-            <a:p>
-              <a:endParaRPr/>
-            </a:p>
+            <a:bodyPr bIns="0" lIns="0" rIns="0" rtlCol="0" tIns="0" wrap="square"/>
+            <a:p/>
           </p:txBody>
         </p:sp>
         <p:sp>
           <p:nvSpPr>
-            <p:cNvPr id="10" name="object 10"/>
+            <p:cNvPr id="1048634" name="object 10"/>
             <p:cNvSpPr/>
             <p:nvPr/>
           </p:nvSpPr>
@@ -6102,9 +5881,7 @@
             </a:xfrm>
             <a:custGeom>
               <a:avLst/>
-              <a:gdLst/>
               <a:ahLst/>
-              <a:cxnLst/>
               <a:rect l="l" t="t" r="r" b="b"/>
               <a:pathLst>
                 <a:path w="1295400" h="6858000">
@@ -6134,16 +5911,13 @@
             </a:solidFill>
           </p:spPr>
           <p:txBody>
-            <a:bodyPr wrap="square" lIns="0" tIns="0" rIns="0" bIns="0" rtlCol="0"/>
-            <a:lstStyle/>
-            <a:p>
-              <a:endParaRPr/>
-            </a:p>
+            <a:bodyPr bIns="0" lIns="0" rIns="0" rtlCol="0" tIns="0" wrap="square"/>
+            <a:p/>
           </p:txBody>
         </p:sp>
         <p:sp>
           <p:nvSpPr>
-            <p:cNvPr id="11" name="object 11"/>
+            <p:cNvPr id="1048635" name="object 11"/>
             <p:cNvSpPr/>
             <p:nvPr/>
           </p:nvSpPr>
@@ -6154,9 +5928,7 @@
             </a:xfrm>
             <a:custGeom>
               <a:avLst/>
-              <a:gdLst/>
               <a:ahLst/>
-              <a:cxnLst/>
               <a:rect l="l" t="t" r="r" b="b"/>
               <a:pathLst>
                 <a:path w="1256029" h="6858000">
@@ -6186,16 +5958,13 @@
             </a:solidFill>
           </p:spPr>
           <p:txBody>
-            <a:bodyPr wrap="square" lIns="0" tIns="0" rIns="0" bIns="0" rtlCol="0"/>
-            <a:lstStyle/>
-            <a:p>
-              <a:endParaRPr/>
-            </a:p>
+            <a:bodyPr bIns="0" lIns="0" rIns="0" rtlCol="0" tIns="0" wrap="square"/>
+            <a:p/>
           </p:txBody>
         </p:sp>
         <p:sp>
           <p:nvSpPr>
-            <p:cNvPr id="12" name="object 12"/>
+            <p:cNvPr id="1048636" name="object 12"/>
             <p:cNvSpPr/>
             <p:nvPr/>
           </p:nvSpPr>
@@ -6206,9 +5975,7 @@
             </a:xfrm>
             <a:custGeom>
               <a:avLst/>
-              <a:gdLst/>
               <a:ahLst/>
-              <a:cxnLst/>
               <a:rect l="l" t="t" r="r" b="b"/>
               <a:pathLst>
                 <a:path w="1819275" h="3267075">
@@ -6235,17 +6002,14 @@
             </a:solidFill>
           </p:spPr>
           <p:txBody>
-            <a:bodyPr wrap="square" lIns="0" tIns="0" rIns="0" bIns="0" rtlCol="0"/>
-            <a:lstStyle/>
-            <a:p>
-              <a:endParaRPr/>
-            </a:p>
+            <a:bodyPr bIns="0" lIns="0" rIns="0" rtlCol="0" tIns="0" wrap="square"/>
+            <a:p/>
           </p:txBody>
         </p:sp>
       </p:grpSp>
       <p:sp>
         <p:nvSpPr>
-          <p:cNvPr id="13" name="object 13"/>
+          <p:cNvPr id="1048637" name="object 13"/>
           <p:cNvSpPr/>
           <p:nvPr/>
         </p:nvSpPr>
@@ -6256,9 +6020,7 @@
           </a:xfrm>
           <a:custGeom>
             <a:avLst/>
-            <a:gdLst/>
             <a:ahLst/>
-            <a:cxnLst/>
             <a:rect l="l" t="t" r="r" b="b"/>
             <a:pathLst>
               <a:path w="447675" h="2847975">
@@ -6285,16 +6047,13 @@
           </a:solidFill>
         </p:spPr>
         <p:txBody>
-          <a:bodyPr wrap="square" lIns="0" tIns="0" rIns="0" bIns="0" rtlCol="0"/>
-          <a:lstStyle/>
-          <a:p>
-            <a:endParaRPr/>
-          </a:p>
-        </p:txBody>
-      </p:sp>
-      <p:sp>
-        <p:nvSpPr>
-          <p:cNvPr id="14" name="object 14"/>
+          <a:bodyPr bIns="0" lIns="0" rIns="0" rtlCol="0" tIns="0" wrap="square"/>
+          <a:p/>
+        </p:txBody>
+      </p:sp>
+      <p:sp>
+        <p:nvSpPr>
+          <p:cNvPr id="1048638" name="object 14"/>
           <p:cNvSpPr txBox="1"/>
           <p:nvPr/>
         </p:nvSpPr>
@@ -6303,15 +6062,12 @@
             <a:off x="752475" y="6486037"/>
             <a:ext cx="1773555" cy="166370"/>
           </a:xfrm>
-          <a:prstGeom prst="rect">
-            <a:avLst/>
-          </a:prstGeom>
+          <a:prstGeom prst="rect"/>
         </p:spPr>
         <p:txBody>
-          <a:bodyPr vert="horz" wrap="square" lIns="0" tIns="0" rIns="0" bIns="0" rtlCol="0">
+          <a:bodyPr bIns="0" lIns="0" rIns="0" rtlCol="0" tIns="0" vert="horz" wrap="square">
             <a:spAutoFit/>
           </a:bodyPr>
-          <a:lstStyle/>
           <a:p>
             <a:pPr>
               <a:lnSpc>
@@ -6319,7 +6075,7 @@
               </a:lnSpc>
             </a:pPr>
             <a:r>
-              <a:rPr sz="1100" spc="20" dirty="0">
+              <a:rPr dirty="0" sz="1100" spc="20">
                 <a:solidFill>
                   <a:srgbClr val="2D83C3"/>
                 </a:solidFill>
@@ -6329,7 +6085,7 @@
               <a:t>3/21/202</a:t>
             </a:r>
             <a:r>
-              <a:rPr sz="1100" spc="10" dirty="0">
+              <a:rPr dirty="0" sz="1100" spc="10">
                 <a:solidFill>
                   <a:srgbClr val="2D83C3"/>
                 </a:solidFill>
@@ -6339,7 +6095,7 @@
               <a:t>4</a:t>
             </a:r>
             <a:r>
-              <a:rPr sz="1100" dirty="0">
+              <a:rPr dirty="0" sz="1100">
                 <a:solidFill>
                   <a:srgbClr val="2D83C3"/>
                 </a:solidFill>
@@ -6349,7 +6105,7 @@
               <a:t> </a:t>
             </a:r>
             <a:r>
-              <a:rPr sz="1100" spc="130" dirty="0">
+              <a:rPr dirty="0" sz="1100" spc="130">
                 <a:solidFill>
                   <a:srgbClr val="2D83C3"/>
                 </a:solidFill>
@@ -6359,7 +6115,7 @@
               <a:t> </a:t>
             </a:r>
             <a:r>
-              <a:rPr sz="1100" b="1" spc="50" dirty="0">
+              <a:rPr b="1" dirty="0" sz="1100" spc="50">
                 <a:solidFill>
                   <a:srgbClr val="2D83C3"/>
                 </a:solidFill>
@@ -6369,7 +6125,7 @@
               <a:t>A</a:t>
             </a:r>
             <a:r>
-              <a:rPr sz="1100" b="1" spc="15" dirty="0">
+              <a:rPr b="1" dirty="0" sz="1100" spc="15">
                 <a:solidFill>
                   <a:srgbClr val="2D83C3"/>
                 </a:solidFill>
@@ -6379,7 +6135,7 @@
               <a:t>nnu</a:t>
             </a:r>
             <a:r>
-              <a:rPr sz="1100" b="1" spc="10" dirty="0">
+              <a:rPr b="1" dirty="0" sz="1100" spc="10">
                 <a:solidFill>
                   <a:srgbClr val="2D83C3"/>
                 </a:solidFill>
@@ -6389,7 +6145,7 @@
               <a:t>al</a:t>
             </a:r>
             <a:r>
-              <a:rPr sz="1100" b="1" spc="-140" dirty="0">
+              <a:rPr b="1" dirty="0" sz="1100" spc="-140">
                 <a:solidFill>
                   <a:srgbClr val="2D83C3"/>
                 </a:solidFill>
@@ -6399,7 +6155,7 @@
               <a:t> </a:t>
             </a:r>
             <a:r>
-              <a:rPr sz="1100" b="1" dirty="0">
+              <a:rPr b="1" dirty="0" sz="1100">
                 <a:solidFill>
                   <a:srgbClr val="2D83C3"/>
                 </a:solidFill>
@@ -6409,7 +6165,7 @@
               <a:t>R</a:t>
             </a:r>
             <a:r>
-              <a:rPr sz="1100" b="1" spc="35" dirty="0">
+              <a:rPr b="1" dirty="0" sz="1100" spc="35">
                 <a:solidFill>
                   <a:srgbClr val="2D83C3"/>
                 </a:solidFill>
@@ -6419,7 +6175,7 @@
               <a:t>e</a:t>
             </a:r>
             <a:r>
-              <a:rPr sz="1100" b="1" spc="90" dirty="0">
+              <a:rPr b="1" dirty="0" sz="1100" spc="90">
                 <a:solidFill>
                   <a:srgbClr val="2D83C3"/>
                 </a:solidFill>
@@ -6429,7 +6185,7 @@
               <a:t>v</a:t>
             </a:r>
             <a:r>
-              <a:rPr sz="1100" b="1" spc="-35" dirty="0">
+              <a:rPr b="1" dirty="0" sz="1100" spc="-35">
                 <a:solidFill>
                   <a:srgbClr val="2D83C3"/>
                 </a:solidFill>
@@ -6439,7 +6195,7 @@
               <a:t>i</a:t>
             </a:r>
             <a:r>
-              <a:rPr sz="1100" b="1" spc="35" dirty="0">
+              <a:rPr b="1" dirty="0" sz="1100" spc="35">
                 <a:solidFill>
                   <a:srgbClr val="2D83C3"/>
                 </a:solidFill>
@@ -6449,7 +6205,7 @@
               <a:t>e</a:t>
             </a:r>
             <a:r>
-              <a:rPr sz="1100" b="1" spc="15" dirty="0">
+              <a:rPr b="1" dirty="0" sz="1100" spc="15">
                 <a:solidFill>
                   <a:srgbClr val="2D83C3"/>
                 </a:solidFill>
@@ -6467,7 +6223,7 @@
       </p:sp>
       <p:sp>
         <p:nvSpPr>
-          <p:cNvPr id="15" name="object 15"/>
+          <p:cNvPr id="1048639" name="object 15"/>
           <p:cNvSpPr/>
           <p:nvPr/>
         </p:nvSpPr>
@@ -6478,9 +6234,7 @@
           </a:xfrm>
           <a:custGeom>
             <a:avLst/>
-            <a:gdLst/>
             <a:ahLst/>
-            <a:cxnLst/>
             <a:rect l="l" t="t" r="r" b="b"/>
             <a:pathLst>
               <a:path w="361950" h="361950">
@@ -6568,16 +6322,13 @@
           </a:solidFill>
         </p:spPr>
         <p:txBody>
-          <a:bodyPr wrap="square" lIns="0" tIns="0" rIns="0" bIns="0" rtlCol="0"/>
-          <a:lstStyle/>
-          <a:p>
-            <a:endParaRPr/>
-          </a:p>
-        </p:txBody>
-      </p:sp>
-      <p:sp>
-        <p:nvSpPr>
-          <p:cNvPr id="16" name="object 16"/>
+          <a:bodyPr bIns="0" lIns="0" rIns="0" rtlCol="0" tIns="0" wrap="square"/>
+          <a:p/>
+        </p:txBody>
+      </p:sp>
+      <p:sp>
+        <p:nvSpPr>
+          <p:cNvPr id="1048640" name="object 16"/>
           <p:cNvSpPr/>
           <p:nvPr/>
         </p:nvSpPr>
@@ -6588,9 +6339,7 @@
           </a:xfrm>
           <a:custGeom>
             <a:avLst/>
-            <a:gdLst/>
             <a:ahLst/>
-            <a:cxnLst/>
             <a:rect l="l" t="t" r="r" b="b"/>
             <a:pathLst>
               <a:path w="647700" h="647700">
@@ -6738,21 +6487,20 @@
           </a:solidFill>
         </p:spPr>
         <p:txBody>
-          <a:bodyPr wrap="square" lIns="0" tIns="0" rIns="0" bIns="0" rtlCol="0"/>
-          <a:lstStyle/>
-          <a:p>
-            <a:endParaRPr/>
-          </a:p>
+          <a:bodyPr bIns="0" lIns="0" rIns="0" rtlCol="0" tIns="0" wrap="square"/>
+          <a:p/>
         </p:txBody>
       </p:sp>
       <p:pic>
         <p:nvPicPr>
-          <p:cNvPr id="17" name="object 17"/>
-          <p:cNvPicPr/>
+          <p:cNvPr id="2097155" name="object 17"/>
+          <p:cNvPicPr>
+            <a:picLocks/>
+          </p:cNvPicPr>
           <p:nvPr/>
         </p:nvPicPr>
         <p:blipFill>
-          <a:blip r:embed="rId2" cstate="print"/>
+          <a:blip xmlns:r="http://schemas.openxmlformats.org/officeDocument/2006/relationships" r:embed="rId1" cstate="print"/>
           <a:stretch>
             <a:fillRect/>
           </a:stretch>
@@ -6762,14 +6510,12 @@
             <a:off x="10687050" y="6134100"/>
             <a:ext cx="247650" cy="247650"/>
           </a:xfrm>
-          <a:prstGeom prst="rect">
-            <a:avLst/>
-          </a:prstGeom>
+          <a:prstGeom prst="rect"/>
         </p:spPr>
       </p:pic>
       <p:grpSp>
         <p:nvGrpSpPr>
-          <p:cNvPr id="18" name="object 18"/>
+          <p:cNvPr id="31" name="object 18"/>
           <p:cNvGrpSpPr/>
           <p:nvPr/>
         </p:nvGrpSpPr>
@@ -6783,12 +6529,14 @@
         </p:grpSpPr>
         <p:pic>
           <p:nvPicPr>
-            <p:cNvPr id="19" name="object 19"/>
-            <p:cNvPicPr/>
+            <p:cNvPr id="2097156" name="object 19"/>
+            <p:cNvPicPr>
+              <a:picLocks/>
+            </p:cNvPicPr>
             <p:nvPr/>
           </p:nvPicPr>
           <p:blipFill>
-            <a:blip r:embed="rId3" cstate="print"/>
+            <a:blip xmlns:r="http://schemas.openxmlformats.org/officeDocument/2006/relationships" r:embed="rId2" cstate="print"/>
             <a:stretch>
               <a:fillRect/>
             </a:stretch>
@@ -6798,19 +6546,19 @@
               <a:off x="466725" y="6410325"/>
               <a:ext cx="3705225" cy="295275"/>
             </a:xfrm>
-            <a:prstGeom prst="rect">
-              <a:avLst/>
-            </a:prstGeom>
+            <a:prstGeom prst="rect"/>
           </p:spPr>
         </p:pic>
         <p:pic>
           <p:nvPicPr>
-            <p:cNvPr id="20" name="object 20"/>
-            <p:cNvPicPr/>
+            <p:cNvPr id="2097157" name="object 20"/>
+            <p:cNvPicPr>
+              <a:picLocks/>
+            </p:cNvPicPr>
             <p:nvPr/>
           </p:nvPicPr>
           <p:blipFill>
-            <a:blip r:embed="rId4" cstate="print"/>
+            <a:blip xmlns:r="http://schemas.openxmlformats.org/officeDocument/2006/relationships" r:embed="rId3" cstate="print"/>
             <a:stretch>
               <a:fillRect/>
             </a:stretch>
@@ -6820,15 +6568,13 @@
               <a:off x="47625" y="3819523"/>
               <a:ext cx="1733550" cy="3009898"/>
             </a:xfrm>
-            <a:prstGeom prst="rect">
-              <a:avLst/>
-            </a:prstGeom>
+            <a:prstGeom prst="rect"/>
           </p:spPr>
         </p:pic>
       </p:grpSp>
       <p:sp>
         <p:nvSpPr>
-          <p:cNvPr id="21" name="object 21"/>
+          <p:cNvPr id="1048641" name="object 21"/>
           <p:cNvSpPr txBox="1">
             <a:spLocks noGrp="1"/>
           </p:cNvSpPr>
@@ -6839,17 +6585,14 @@
         <p:spPr>
           <a:xfrm>
             <a:off x="739775" y="445388"/>
-            <a:ext cx="2357120" cy="758190"/>
+            <a:ext cx="2357120" cy="1461135"/>
           </a:xfrm>
-          <a:prstGeom prst="rect">
-            <a:avLst/>
-          </a:prstGeom>
+          <a:prstGeom prst="rect"/>
         </p:spPr>
         <p:txBody>
-          <a:bodyPr vert="horz" wrap="square" lIns="0" tIns="13335" rIns="0" bIns="0" rtlCol="0">
+          <a:bodyPr bIns="0" lIns="0" rIns="0" rtlCol="0" tIns="13335" vert="horz" wrap="square">
             <a:spAutoFit/>
           </a:bodyPr>
-          <a:lstStyle/>
           <a:p>
             <a:pPr marL="12700">
               <a:lnSpc>
@@ -6860,19 +6603,19 @@
               </a:spcBef>
             </a:pPr>
             <a:r>
-              <a:rPr spc="25" dirty="0"/>
+              <a:rPr dirty="0" spc="25"/>
               <a:t>A</a:t>
             </a:r>
             <a:r>
-              <a:rPr spc="-5" dirty="0"/>
+              <a:rPr dirty="0" spc="-5"/>
               <a:t>G</a:t>
             </a:r>
             <a:r>
-              <a:rPr spc="-35" dirty="0"/>
+              <a:rPr dirty="0" spc="-35"/>
               <a:t>E</a:t>
             </a:r>
             <a:r>
-              <a:rPr spc="15" dirty="0"/>
+              <a:rPr dirty="0" spc="15"/>
               <a:t>N</a:t>
             </a:r>
             <a:r>
@@ -6884,7 +6627,7 @@
       </p:sp>
       <p:sp>
         <p:nvSpPr>
-          <p:cNvPr id="22" name="object 22"/>
+          <p:cNvPr id="1048642" name="object 22"/>
           <p:cNvSpPr txBox="1">
             <a:spLocks noGrp="1"/>
           </p:cNvSpPr>
@@ -6893,15 +6636,12 @@
           </p:nvPr>
         </p:nvSpPr>
         <p:spPr>
-          <a:prstGeom prst="rect">
-            <a:avLst/>
-          </a:prstGeom>
+          <a:prstGeom prst="rect"/>
         </p:spPr>
         <p:txBody>
-          <a:bodyPr vert="horz" wrap="square" lIns="0" tIns="6985" rIns="0" bIns="0" rtlCol="0">
+          <a:bodyPr bIns="0" lIns="0" rIns="0" rtlCol="0" tIns="6985" vert="horz" wrap="square">
             <a:spAutoFit/>
           </a:bodyPr>
-          <a:lstStyle/>
           <a:p>
             <a:pPr marL="38100">
               <a:lnSpc>
@@ -6912,43 +6652,34 @@
               </a:spcBef>
             </a:pPr>
             <a:fld id="{81D60167-4931-47E6-BA6A-407CBD079E47}" type="slidenum">
-              <a:rPr spc="10" dirty="0"/>
+              <a:rPr dirty="0" spc="10"/>
               <a:t>3</a:t>
             </a:fld>
-            <a:endParaRPr spc="10" dirty="0"/>
-          </a:p>
-        </p:txBody>
-      </p:sp>
-      <p:sp>
-        <p:nvSpPr>
-          <p:cNvPr id="23" name="TextBox 22">
-            <a:extLst>
-              <a:ext uri="{FF2B5EF4-FFF2-40B4-BE49-F238E27FC236}">
-                <a16:creationId xmlns:a16="http://schemas.microsoft.com/office/drawing/2014/main" id="{D0827FA3-A9D4-0FE5-45BE-664C8C920E82}"/>
-              </a:ext>
-            </a:extLst>
-          </p:cNvPr>
+            <a:endParaRPr dirty="0" spc="10"/>
+          </a:p>
+        </p:txBody>
+      </p:sp>
+      <p:sp>
+        <p:nvSpPr>
+          <p:cNvPr id="1048643" name="TextBox 22"/>
           <p:cNvSpPr txBox="1"/>
           <p:nvPr/>
         </p:nvSpPr>
         <p:spPr>
           <a:xfrm>
             <a:off x="2509807" y="1041533"/>
-            <a:ext cx="5029200" cy="4401205"/>
+            <a:ext cx="5029200" cy="4282440"/>
           </a:xfrm>
-          <a:prstGeom prst="rect">
-            <a:avLst/>
-          </a:prstGeom>
+          <a:prstGeom prst="rect"/>
           <a:noFill/>
         </p:spPr>
         <p:txBody>
-          <a:bodyPr wrap="square" rtlCol="0">
+          <a:bodyPr rtlCol="0" wrap="square">
             <a:spAutoFit/>
           </a:bodyPr>
-          <a:lstStyle/>
           <a:p>
             <a:pPr algn="l"/>
-            <a:endParaRPr lang="en-US" sz="2800" b="0" i="0" dirty="0">
+            <a:endParaRPr b="0" dirty="0" sz="2800" i="0" lang="en-US">
               <a:solidFill>
                 <a:srgbClr val="0D0D0D"/>
               </a:solidFill>
@@ -6963,7 +6694,7 @@
               <a:buAutoNum type="arabicPeriod"/>
             </a:pPr>
             <a:r>
-              <a:rPr lang="en-US" sz="2800" b="0" i="0" dirty="0">
+              <a:rPr b="0" dirty="0" sz="2800" i="0" lang="en-US">
                 <a:solidFill>
                   <a:srgbClr val="0D0D0D"/>
                 </a:solidFill>
@@ -6980,7 +6711,7 @@
               <a:buAutoNum type="arabicPeriod"/>
             </a:pPr>
             <a:r>
-              <a:rPr lang="en-US" sz="2800" b="0" i="0" dirty="0">
+              <a:rPr b="0" dirty="0" sz="2800" i="0" lang="en-US">
                 <a:solidFill>
                   <a:srgbClr val="0D0D0D"/>
                 </a:solidFill>
@@ -6997,7 +6728,7 @@
               <a:buAutoNum type="arabicPeriod"/>
             </a:pPr>
             <a:r>
-              <a:rPr lang="en-US" sz="2800" b="0" i="0" dirty="0">
+              <a:rPr b="0" dirty="0" sz="2800" i="0" lang="en-US">
                 <a:solidFill>
                   <a:srgbClr val="0D0D0D"/>
                 </a:solidFill>
@@ -7014,7 +6745,7 @@
               <a:buAutoNum type="arabicPeriod"/>
             </a:pPr>
             <a:r>
-              <a:rPr lang="en-US" sz="2800" b="0" i="0" dirty="0">
+              <a:rPr b="0" dirty="0" sz="2800" i="0" lang="en-US">
                 <a:solidFill>
                   <a:srgbClr val="0D0D0D"/>
                 </a:solidFill>
@@ -7031,7 +6762,7 @@
               <a:buAutoNum type="arabicPeriod"/>
             </a:pPr>
             <a:r>
-              <a:rPr lang="en-US" sz="2800" dirty="0">
+              <a:rPr dirty="0" sz="2800" lang="en-US">
                 <a:solidFill>
                   <a:srgbClr val="0D0D0D"/>
                 </a:solidFill>
@@ -7040,7 +6771,7 @@
               </a:rPr>
               <a:t>Dataset Description</a:t>
             </a:r>
-            <a:endParaRPr lang="en-US" sz="2800" b="0" i="0" dirty="0">
+            <a:endParaRPr b="0" dirty="0" sz="2800" i="0" lang="en-US">
               <a:solidFill>
                 <a:srgbClr val="0D0D0D"/>
               </a:solidFill>
@@ -7055,7 +6786,7 @@
               <a:buAutoNum type="arabicPeriod"/>
             </a:pPr>
             <a:r>
-              <a:rPr lang="en-US" sz="2800" b="0" i="0" dirty="0">
+              <a:rPr b="0" dirty="0" sz="2800" i="0" lang="en-US">
                 <a:solidFill>
                   <a:srgbClr val="0D0D0D"/>
                 </a:solidFill>
@@ -7072,7 +6803,7 @@
               <a:buAutoNum type="arabicPeriod"/>
             </a:pPr>
             <a:r>
-              <a:rPr lang="en-US" sz="2800" b="0" i="0" dirty="0">
+              <a:rPr b="0" dirty="0" sz="2800" i="0" lang="en-US">
                 <a:solidFill>
                   <a:srgbClr val="0D0D0D"/>
                 </a:solidFill>
@@ -7083,7 +6814,7 @@
               <a:t>Results and </a:t>
             </a:r>
             <a:r>
-              <a:rPr lang="en-US" sz="2800" dirty="0">
+              <a:rPr dirty="0" sz="2800" lang="en-US">
                 <a:solidFill>
                   <a:srgbClr val="0D0D0D"/>
                 </a:solidFill>
@@ -7092,7 +6823,7 @@
               </a:rPr>
               <a:t>Discussion</a:t>
             </a:r>
-            <a:endParaRPr lang="en-US" sz="2800" b="0" i="0" dirty="0">
+            <a:endParaRPr b="0" dirty="0" sz="2800" i="0" lang="en-US">
               <a:solidFill>
                 <a:srgbClr val="0D0D0D"/>
               </a:solidFill>
@@ -7107,7 +6838,7 @@
               <a:buAutoNum type="arabicPeriod"/>
             </a:pPr>
             <a:r>
-              <a:rPr lang="en-US" sz="2800" b="0" i="0" dirty="0">
+              <a:rPr b="0" dirty="0" sz="2800" i="0" lang="en-US">
                 <a:solidFill>
                   <a:srgbClr val="0D0D0D"/>
                 </a:solidFill>
@@ -7119,7 +6850,7 @@
             </a:r>
           </a:p>
           <a:p>
-            <a:endParaRPr lang="en-IN" sz="2800" dirty="0">
+            <a:endParaRPr dirty="0" sz="2800" lang="en-IN">
               <a:latin typeface="Times New Roman" panose="02020603050405020304" pitchFamily="18" charset="0"/>
               <a:cs typeface="Times New Roman" panose="02020603050405020304" pitchFamily="18" charset="0"/>
             </a:endParaRPr>
@@ -7139,7 +6870,7 @@
   <p:cSld>
     <p:spTree>
       <p:nvGrpSpPr>
-        <p:cNvPr id="1" name=""/>
+        <p:cNvPr id="32" name=""/>
         <p:cNvGrpSpPr/>
         <p:nvPr/>
       </p:nvGrpSpPr>
@@ -7153,7 +6884,7 @@
       </p:grpSpPr>
       <p:grpSp>
         <p:nvGrpSpPr>
-          <p:cNvPr id="2" name="object 2"/>
+          <p:cNvPr id="33" name="object 2"/>
           <p:cNvGrpSpPr/>
           <p:nvPr/>
         </p:nvGrpSpPr>
@@ -7167,7 +6898,7 @@
         </p:grpSpPr>
         <p:sp>
           <p:nvSpPr>
-            <p:cNvPr id="3" name="object 3"/>
+            <p:cNvPr id="1048644" name="object 3"/>
             <p:cNvSpPr/>
             <p:nvPr/>
           </p:nvSpPr>
@@ -7178,9 +6909,7 @@
             </a:xfrm>
             <a:custGeom>
               <a:avLst/>
-              <a:gdLst/>
               <a:ahLst/>
-              <a:cxnLst/>
               <a:rect l="l" t="t" r="r" b="b"/>
               <a:pathLst>
                 <a:path w="457200" h="457200">
@@ -7208,16 +6937,13 @@
             </a:solidFill>
           </p:spPr>
           <p:txBody>
-            <a:bodyPr wrap="square" lIns="0" tIns="0" rIns="0" bIns="0" rtlCol="0"/>
-            <a:lstStyle/>
-            <a:p>
-              <a:endParaRPr/>
-            </a:p>
+            <a:bodyPr bIns="0" lIns="0" rIns="0" rtlCol="0" tIns="0" wrap="square"/>
+            <a:p/>
           </p:txBody>
         </p:sp>
         <p:sp>
           <p:nvSpPr>
-            <p:cNvPr id="4" name="object 4"/>
+            <p:cNvPr id="1048645" name="object 4"/>
             <p:cNvSpPr/>
             <p:nvPr/>
           </p:nvSpPr>
@@ -7228,9 +6954,7 @@
             </a:xfrm>
             <a:custGeom>
               <a:avLst/>
-              <a:gdLst/>
               <a:ahLst/>
-              <a:cxnLst/>
               <a:rect l="l" t="t" r="r" b="b"/>
               <a:pathLst>
                 <a:path w="180975" h="180975">
@@ -7258,21 +6982,20 @@
             </a:solidFill>
           </p:spPr>
           <p:txBody>
-            <a:bodyPr wrap="square" lIns="0" tIns="0" rIns="0" bIns="0" rtlCol="0"/>
-            <a:lstStyle/>
-            <a:p>
-              <a:endParaRPr/>
-            </a:p>
+            <a:bodyPr bIns="0" lIns="0" rIns="0" rtlCol="0" tIns="0" wrap="square"/>
+            <a:p/>
           </p:txBody>
         </p:sp>
         <p:pic>
           <p:nvPicPr>
-            <p:cNvPr id="5" name="object 5"/>
-            <p:cNvPicPr/>
+            <p:cNvPr id="2097158" name="object 5"/>
+            <p:cNvPicPr>
+              <a:picLocks/>
+            </p:cNvPicPr>
             <p:nvPr/>
           </p:nvPicPr>
           <p:blipFill>
-            <a:blip r:embed="rId2" cstate="print"/>
+            <a:blip xmlns:r="http://schemas.openxmlformats.org/officeDocument/2006/relationships" r:embed="rId1" cstate="print"/>
             <a:stretch>
               <a:fillRect/>
             </a:stretch>
@@ -7282,15 +7005,13 @@
               <a:off x="7991475" y="2933700"/>
               <a:ext cx="2762250" cy="3257550"/>
             </a:xfrm>
-            <a:prstGeom prst="rect">
-              <a:avLst/>
-            </a:prstGeom>
+            <a:prstGeom prst="rect"/>
           </p:spPr>
         </p:pic>
       </p:grpSp>
       <p:sp>
         <p:nvSpPr>
-          <p:cNvPr id="7" name="object 7"/>
+          <p:cNvPr id="1048646" name="object 7"/>
           <p:cNvSpPr txBox="1">
             <a:spLocks noGrp="1"/>
           </p:cNvSpPr>
@@ -7301,17 +7022,14 @@
         <p:spPr>
           <a:xfrm>
             <a:off x="834072" y="575055"/>
-            <a:ext cx="5636895" cy="678180"/>
+            <a:ext cx="5636895" cy="1261110"/>
           </a:xfrm>
-          <a:prstGeom prst="rect">
-            <a:avLst/>
-          </a:prstGeom>
+          <a:prstGeom prst="rect"/>
         </p:spPr>
         <p:txBody>
-          <a:bodyPr vert="horz" wrap="square" lIns="0" tIns="16510" rIns="0" bIns="0" rtlCol="0">
+          <a:bodyPr bIns="0" lIns="0" rIns="0" rtlCol="0" tIns="16510" vert="horz" wrap="square">
             <a:spAutoFit/>
           </a:bodyPr>
-          <a:lstStyle/>
           <a:p>
             <a:pPr marL="12700">
               <a:lnSpc>
@@ -7321,59 +7039,59 @@
                 <a:spcPts val="130"/>
               </a:spcBef>
               <a:tabLst>
-                <a:tab pos="2727960" algn="l"/>
+                <a:tab algn="l" pos="2727960"/>
               </a:tabLst>
             </a:pPr>
             <a:r>
-              <a:rPr sz="4250" spc="-20" dirty="0"/>
+              <a:rPr dirty="0" sz="4250" spc="-20"/>
               <a:t>P</a:t>
             </a:r>
             <a:r>
-              <a:rPr sz="4250" spc="15" dirty="0"/>
+              <a:rPr dirty="0" sz="4250" spc="15"/>
               <a:t>ROB</a:t>
             </a:r>
             <a:r>
-              <a:rPr sz="4250" spc="55" dirty="0"/>
+              <a:rPr dirty="0" sz="4250" spc="55"/>
               <a:t>L</a:t>
             </a:r>
             <a:r>
-              <a:rPr sz="4250" spc="-20" dirty="0"/>
+              <a:rPr dirty="0" sz="4250" spc="-20"/>
               <a:t>E</a:t>
             </a:r>
             <a:r>
-              <a:rPr sz="4250" spc="20" dirty="0"/>
+              <a:rPr dirty="0" sz="4250" spc="20"/>
               <a:t>M</a:t>
             </a:r>
             <a:r>
-              <a:rPr sz="4250" dirty="0"/>
+              <a:rPr dirty="0" sz="4250"/>
               <a:t>	</a:t>
             </a:r>
             <a:r>
-              <a:rPr sz="4250" spc="10" dirty="0"/>
+              <a:rPr dirty="0" sz="4250" spc="10"/>
               <a:t>S</a:t>
             </a:r>
             <a:r>
-              <a:rPr sz="4250" spc="-370" dirty="0"/>
+              <a:rPr dirty="0" sz="4250" spc="-370"/>
               <a:t>T</a:t>
             </a:r>
             <a:r>
-              <a:rPr sz="4250" spc="-375" dirty="0"/>
+              <a:rPr dirty="0" sz="4250" spc="-375"/>
               <a:t>A</a:t>
             </a:r>
             <a:r>
-              <a:rPr sz="4250" spc="15" dirty="0"/>
+              <a:rPr dirty="0" sz="4250" spc="15"/>
               <a:t>T</a:t>
             </a:r>
             <a:r>
-              <a:rPr sz="4250" spc="-10" dirty="0"/>
+              <a:rPr dirty="0" sz="4250" spc="-10"/>
               <a:t>E</a:t>
             </a:r>
             <a:r>
-              <a:rPr sz="4250" spc="-20" dirty="0"/>
+              <a:rPr dirty="0" sz="4250" spc="-20"/>
               <a:t>ME</a:t>
             </a:r>
             <a:r>
-              <a:rPr sz="4250" spc="10" dirty="0"/>
+              <a:rPr dirty="0" sz="4250" spc="10"/>
               <a:t>NT</a:t>
             </a:r>
             <a:endParaRPr sz="4250"/>
@@ -7382,12 +7100,14 @@
       </p:sp>
       <p:pic>
         <p:nvPicPr>
-          <p:cNvPr id="8" name="object 8"/>
-          <p:cNvPicPr/>
+          <p:cNvPr id="2097159" name="object 8"/>
+          <p:cNvPicPr>
+            <a:picLocks/>
+          </p:cNvPicPr>
           <p:nvPr/>
         </p:nvPicPr>
         <p:blipFill>
-          <a:blip r:embed="rId3" cstate="print"/>
+          <a:blip xmlns:r="http://schemas.openxmlformats.org/officeDocument/2006/relationships" r:embed="rId2" cstate="print"/>
           <a:stretch>
             <a:fillRect/>
           </a:stretch>
@@ -7397,14 +7117,12 @@
             <a:off x="676275" y="6467475"/>
             <a:ext cx="2143125" cy="200025"/>
           </a:xfrm>
-          <a:prstGeom prst="rect">
-            <a:avLst/>
-          </a:prstGeom>
+          <a:prstGeom prst="rect"/>
         </p:spPr>
       </p:pic>
       <p:sp>
         <p:nvSpPr>
-          <p:cNvPr id="10" name="object 10"/>
+          <p:cNvPr id="1048647" name="object 10"/>
           <p:cNvSpPr txBox="1">
             <a:spLocks noGrp="1"/>
           </p:cNvSpPr>
@@ -7413,15 +7131,12 @@
           </p:nvPr>
         </p:nvSpPr>
         <p:spPr>
-          <a:prstGeom prst="rect">
-            <a:avLst/>
-          </a:prstGeom>
+          <a:prstGeom prst="rect"/>
         </p:spPr>
         <p:txBody>
-          <a:bodyPr vert="horz" wrap="square" lIns="0" tIns="6985" rIns="0" bIns="0" rtlCol="0">
+          <a:bodyPr bIns="0" lIns="0" rIns="0" rtlCol="0" tIns="6985" vert="horz" wrap="square">
             <a:spAutoFit/>
           </a:bodyPr>
-          <a:lstStyle/>
           <a:p>
             <a:pPr marL="38100">
               <a:lnSpc>
@@ -7432,46 +7147,37 @@
               </a:spcBef>
             </a:pPr>
             <a:fld id="{81D60167-4931-47E6-BA6A-407CBD079E47}" type="slidenum">
-              <a:rPr spc="10" dirty="0"/>
+              <a:rPr dirty="0" spc="10"/>
               <a:t>4</a:t>
             </a:fld>
-            <a:endParaRPr spc="10" dirty="0"/>
-          </a:p>
-        </p:txBody>
-      </p:sp>
-      <p:sp>
-        <p:nvSpPr>
-          <p:cNvPr id="11" name="TextBox 10">
-            <a:extLst>
-              <a:ext uri="{FF2B5EF4-FFF2-40B4-BE49-F238E27FC236}">
-                <a16:creationId xmlns:a16="http://schemas.microsoft.com/office/drawing/2014/main" id="{CDC429E4-AA9C-02F2-797D-49855540F9C8}"/>
-              </a:ext>
-            </a:extLst>
-          </p:cNvPr>
+            <a:endParaRPr dirty="0" spc="10"/>
+          </a:p>
+        </p:txBody>
+      </p:sp>
+      <p:sp>
+        <p:nvSpPr>
+          <p:cNvPr id="1048648" name="TextBox 10"/>
           <p:cNvSpPr txBox="1"/>
           <p:nvPr/>
         </p:nvSpPr>
         <p:spPr>
           <a:xfrm rot="10800000" flipV="1">
-            <a:off x="762000" y="2302044"/>
-            <a:ext cx="6934200" cy="1754326"/>
+            <a:off x="762000" y="2200037"/>
+            <a:ext cx="6934200" cy="1958340"/>
           </a:xfrm>
-          <a:prstGeom prst="rect">
-            <a:avLst/>
-          </a:prstGeom>
+          <a:prstGeom prst="rect"/>
           <a:noFill/>
         </p:spPr>
         <p:txBody>
           <a:bodyPr wrap="square">
             <a:spAutoFit/>
           </a:bodyPr>
-          <a:lstStyle/>
-          <a:p>
-            <a:endParaRPr lang="en-IN" dirty="0"/>
-          </a:p>
-          <a:p>
-            <a:r>
-              <a:rPr lang="en-IN" dirty="0"/>
+          <a:p>
+            <a:endParaRPr dirty="0" lang="en-IN"/>
+          </a:p>
+          <a:p>
+            <a:r>
+              <a:rPr dirty="0" lang="en-IN"/>
               <a:t>Our organization lacks a clear, data-driven understanding of employee performance, making it challenging to identify top performers, address areas needing improvement, and align individual efforts with company goals. This results in missed opportunities for enhancing productivity and fostering employee growth.</a:t>
             </a:r>
           </a:p>
@@ -7490,7 +7196,7 @@
   <p:cSld>
     <p:spTree>
       <p:nvGrpSpPr>
-        <p:cNvPr id="1" name=""/>
+        <p:cNvPr id="34" name=""/>
         <p:cNvGrpSpPr/>
         <p:nvPr/>
       </p:nvGrpSpPr>
@@ -7504,7 +7210,7 @@
       </p:grpSpPr>
       <p:grpSp>
         <p:nvGrpSpPr>
-          <p:cNvPr id="2" name="object 2"/>
+          <p:cNvPr id="35" name="object 2"/>
           <p:cNvGrpSpPr/>
           <p:nvPr/>
         </p:nvGrpSpPr>
@@ -7518,7 +7224,7 @@
         </p:grpSpPr>
         <p:sp>
           <p:nvSpPr>
-            <p:cNvPr id="3" name="object 3"/>
+            <p:cNvPr id="1048649" name="object 3"/>
             <p:cNvSpPr/>
             <p:nvPr/>
           </p:nvSpPr>
@@ -7529,9 +7235,7 @@
             </a:xfrm>
             <a:custGeom>
               <a:avLst/>
-              <a:gdLst/>
               <a:ahLst/>
-              <a:cxnLst/>
               <a:rect l="l" t="t" r="r" b="b"/>
               <a:pathLst>
                 <a:path w="457200" h="457200">
@@ -7559,16 +7263,13 @@
             </a:solidFill>
           </p:spPr>
           <p:txBody>
-            <a:bodyPr wrap="square" lIns="0" tIns="0" rIns="0" bIns="0" rtlCol="0"/>
-            <a:lstStyle/>
-            <a:p>
-              <a:endParaRPr/>
-            </a:p>
+            <a:bodyPr bIns="0" lIns="0" rIns="0" rtlCol="0" tIns="0" wrap="square"/>
+            <a:p/>
           </p:txBody>
         </p:sp>
         <p:sp>
           <p:nvSpPr>
-            <p:cNvPr id="4" name="object 4"/>
+            <p:cNvPr id="1048650" name="object 4"/>
             <p:cNvSpPr/>
             <p:nvPr/>
           </p:nvSpPr>
@@ -7579,9 +7280,7 @@
             </a:xfrm>
             <a:custGeom>
               <a:avLst/>
-              <a:gdLst/>
               <a:ahLst/>
-              <a:cxnLst/>
               <a:rect l="l" t="t" r="r" b="b"/>
               <a:pathLst>
                 <a:path w="180975" h="180975">
@@ -7609,21 +7308,20 @@
             </a:solidFill>
           </p:spPr>
           <p:txBody>
-            <a:bodyPr wrap="square" lIns="0" tIns="0" rIns="0" bIns="0" rtlCol="0"/>
-            <a:lstStyle/>
-            <a:p>
-              <a:endParaRPr/>
-            </a:p>
+            <a:bodyPr bIns="0" lIns="0" rIns="0" rtlCol="0" tIns="0" wrap="square"/>
+            <a:p/>
           </p:txBody>
         </p:sp>
         <p:pic>
           <p:nvPicPr>
-            <p:cNvPr id="5" name="object 5"/>
-            <p:cNvPicPr/>
+            <p:cNvPr id="2097160" name="object 5"/>
+            <p:cNvPicPr>
+              <a:picLocks/>
+            </p:cNvPicPr>
             <p:nvPr/>
           </p:nvPicPr>
           <p:blipFill>
-            <a:blip r:embed="rId2" cstate="print"/>
+            <a:blip xmlns:r="http://schemas.openxmlformats.org/officeDocument/2006/relationships" r:embed="rId1" cstate="print"/>
             <a:stretch>
               <a:fillRect/>
             </a:stretch>
@@ -7633,15 +7331,13 @@
               <a:off x="8658225" y="2647950"/>
               <a:ext cx="3533775" cy="3810000"/>
             </a:xfrm>
-            <a:prstGeom prst="rect">
-              <a:avLst/>
-            </a:prstGeom>
+            <a:prstGeom prst="rect"/>
           </p:spPr>
         </p:pic>
       </p:grpSp>
       <p:sp>
         <p:nvSpPr>
-          <p:cNvPr id="7" name="object 7"/>
+          <p:cNvPr id="1048651" name="object 7"/>
           <p:cNvSpPr txBox="1">
             <a:spLocks noGrp="1"/>
           </p:cNvSpPr>
@@ -7652,17 +7348,14 @@
         <p:spPr>
           <a:xfrm>
             <a:off x="739775" y="829627"/>
-            <a:ext cx="5263515" cy="678180"/>
+            <a:ext cx="5263515" cy="638810"/>
           </a:xfrm>
-          <a:prstGeom prst="rect">
-            <a:avLst/>
-          </a:prstGeom>
+          <a:prstGeom prst="rect"/>
         </p:spPr>
         <p:txBody>
-          <a:bodyPr vert="horz" wrap="square" lIns="0" tIns="16510" rIns="0" bIns="0" rtlCol="0">
+          <a:bodyPr bIns="0" lIns="0" rIns="0" rtlCol="0" tIns="16510" vert="horz" wrap="square">
             <a:spAutoFit/>
           </a:bodyPr>
-          <a:lstStyle/>
           <a:p>
             <a:pPr marL="12700">
               <a:lnSpc>
@@ -7672,15 +7365,15 @@
                 <a:spcPts val="130"/>
               </a:spcBef>
               <a:tabLst>
-                <a:tab pos="2642870" algn="l"/>
+                <a:tab algn="l" pos="2642870"/>
               </a:tabLst>
             </a:pPr>
             <a:r>
-              <a:rPr sz="4250" spc="5" dirty="0"/>
+              <a:rPr dirty="0" sz="4250" spc="5"/>
               <a:t>PROJECT	</a:t>
             </a:r>
             <a:r>
-              <a:rPr sz="4250" spc="-20" dirty="0"/>
+              <a:rPr dirty="0" sz="4250" spc="-20"/>
               <a:t>OVERVIEW</a:t>
             </a:r>
             <a:endParaRPr sz="4250"/>
@@ -7689,12 +7382,14 @@
       </p:sp>
       <p:pic>
         <p:nvPicPr>
-          <p:cNvPr id="8" name="object 8"/>
-          <p:cNvPicPr/>
+          <p:cNvPr id="2097161" name="object 8"/>
+          <p:cNvPicPr>
+            <a:picLocks/>
+          </p:cNvPicPr>
           <p:nvPr/>
         </p:nvPicPr>
         <p:blipFill>
-          <a:blip r:embed="rId3" cstate="print"/>
+          <a:blip xmlns:r="http://schemas.openxmlformats.org/officeDocument/2006/relationships" r:embed="rId2" cstate="print"/>
           <a:stretch>
             <a:fillRect/>
           </a:stretch>
@@ -7704,14 +7399,12 @@
             <a:off x="676275" y="6467475"/>
             <a:ext cx="2143125" cy="200025"/>
           </a:xfrm>
-          <a:prstGeom prst="rect">
-            <a:avLst/>
-          </a:prstGeom>
+          <a:prstGeom prst="rect"/>
         </p:spPr>
       </p:pic>
       <p:sp>
         <p:nvSpPr>
-          <p:cNvPr id="10" name="object 10"/>
+          <p:cNvPr id="1048652" name="object 10"/>
           <p:cNvSpPr txBox="1">
             <a:spLocks noGrp="1"/>
           </p:cNvSpPr>
@@ -7720,15 +7413,12 @@
           </p:nvPr>
         </p:nvSpPr>
         <p:spPr>
-          <a:prstGeom prst="rect">
-            <a:avLst/>
-          </a:prstGeom>
+          <a:prstGeom prst="rect"/>
         </p:spPr>
         <p:txBody>
-          <a:bodyPr vert="horz" wrap="square" lIns="0" tIns="6985" rIns="0" bIns="0" rtlCol="0">
+          <a:bodyPr bIns="0" lIns="0" rIns="0" rtlCol="0" tIns="6985" vert="horz" wrap="square">
             <a:spAutoFit/>
           </a:bodyPr>
-          <a:lstStyle/>
           <a:p>
             <a:pPr marL="38100">
               <a:lnSpc>
@@ -7739,71 +7429,62 @@
               </a:spcBef>
             </a:pPr>
             <a:fld id="{81D60167-4931-47E6-BA6A-407CBD079E47}" type="slidenum">
-              <a:rPr spc="10" dirty="0"/>
+              <a:rPr dirty="0" spc="10"/>
               <a:t>5</a:t>
             </a:fld>
-            <a:endParaRPr spc="10" dirty="0"/>
-          </a:p>
-        </p:txBody>
-      </p:sp>
-      <p:sp>
-        <p:nvSpPr>
-          <p:cNvPr id="14" name="TextBox 13">
-            <a:extLst>
-              <a:ext uri="{FF2B5EF4-FFF2-40B4-BE49-F238E27FC236}">
-                <a16:creationId xmlns:a16="http://schemas.microsoft.com/office/drawing/2014/main" id="{90176699-B580-EC9A-39AF-AC8448B0AC1A}"/>
-              </a:ext>
-            </a:extLst>
-          </p:cNvPr>
+            <a:endParaRPr dirty="0" spc="10"/>
+          </a:p>
+        </p:txBody>
+      </p:sp>
+      <p:sp>
+        <p:nvSpPr>
+          <p:cNvPr id="1048653" name="TextBox 13"/>
           <p:cNvSpPr txBox="1"/>
           <p:nvPr/>
         </p:nvSpPr>
         <p:spPr>
           <a:xfrm>
             <a:off x="739775" y="1676400"/>
-            <a:ext cx="8023225" cy="3508653"/>
+            <a:ext cx="8023225" cy="3291841"/>
           </a:xfrm>
-          <a:prstGeom prst="rect">
-            <a:avLst/>
-          </a:prstGeom>
+          <a:prstGeom prst="rect"/>
           <a:noFill/>
         </p:spPr>
         <p:txBody>
           <a:bodyPr wrap="square">
             <a:spAutoFit/>
           </a:bodyPr>
-          <a:lstStyle/>
-          <a:p>
-            <a:r>
-              <a:rPr lang="en-IN" dirty="0"/>
+          <a:p>
+            <a:r>
+              <a:rPr dirty="0" lang="en-IN"/>
               <a:t>:</a:t>
             </a:r>
           </a:p>
           <a:p>
-            <a:endParaRPr lang="en-IN" dirty="0"/>
-          </a:p>
-          <a:p>
-            <a:r>
-              <a:rPr lang="en-IN" dirty="0"/>
+            <a:endParaRPr dirty="0" lang="en-IN"/>
+          </a:p>
+          <a:p>
+            <a:r>
+              <a:rPr dirty="0" lang="en-IN"/>
               <a:t>This project focuses on developing a comprehensive tool to </a:t>
             </a:r>
             <a:r>
-              <a:rPr lang="en-IN" dirty="0" err="1"/>
+              <a:rPr dirty="0" lang="en-IN" err="1"/>
               <a:t>analyze</a:t>
             </a:r>
             <a:r>
-              <a:rPr lang="en-IN" dirty="0"/>
+              <a:rPr dirty="0" lang="en-IN"/>
               <a:t> performance. We will gather and evaluate detailed performance data, using advanced data visualization techniques to create clear and interactive charts and dashboards. The tool will help identify top performers, highlight areas needing improvement, and provide insights to align individual and team efforts with organizational </a:t>
             </a:r>
             <a:r>
-              <a:rPr lang="en-IN" dirty="0">
+              <a:rPr dirty="0" lang="en-IN">
                 <a:latin typeface="Times New Roman" panose="02020603050405020304" pitchFamily="18" charset="0"/>
                 <a:cs typeface="Times New Roman" panose="02020603050405020304" pitchFamily="18" charset="0"/>
               </a:rPr>
               <a:t>goals</a:t>
             </a:r>
             <a:r>
-              <a:rPr lang="en-IN" dirty="0"/>
+              <a:rPr dirty="0" lang="en-IN"/>
               <a:t>. By integrating automated analytics and visual summaries, the solution aims to enhance productivity, support targeted development initiatives, and foster a more effective and motivated workforce. Ultimately, this tool will enable data-driven decision-making, driving better overall performance and contributing to the company’s long-term success.</a:t>
             </a:r>
           </a:p>
@@ -7822,7 +7503,7 @@
   <p:cSld>
     <p:spTree>
       <p:nvGrpSpPr>
-        <p:cNvPr id="1" name=""/>
+        <p:cNvPr id="36" name=""/>
         <p:cNvGrpSpPr/>
         <p:nvPr/>
       </p:nvGrpSpPr>
@@ -7836,7 +7517,7 @@
       </p:grpSpPr>
       <p:sp>
         <p:nvSpPr>
-          <p:cNvPr id="2" name="object 2"/>
+          <p:cNvPr id="1048654" name="object 2"/>
           <p:cNvSpPr/>
           <p:nvPr/>
         </p:nvSpPr>
@@ -7847,9 +7528,7 @@
           </a:xfrm>
           <a:custGeom>
             <a:avLst/>
-            <a:gdLst/>
             <a:ahLst/>
-            <a:cxnLst/>
             <a:rect l="l" t="t" r="r" b="b"/>
             <a:pathLst>
               <a:path w="457200" h="457200">
@@ -7877,16 +7556,13 @@
           </a:solidFill>
         </p:spPr>
         <p:txBody>
-          <a:bodyPr wrap="square" lIns="0" tIns="0" rIns="0" bIns="0" rtlCol="0"/>
-          <a:lstStyle/>
-          <a:p>
-            <a:endParaRPr/>
-          </a:p>
-        </p:txBody>
-      </p:sp>
-      <p:sp>
-        <p:nvSpPr>
-          <p:cNvPr id="4" name="object 4"/>
+          <a:bodyPr bIns="0" lIns="0" rIns="0" rtlCol="0" tIns="0" wrap="square"/>
+          <a:p/>
+        </p:txBody>
+      </p:sp>
+      <p:sp>
+        <p:nvSpPr>
+          <p:cNvPr id="1048655" name="object 4"/>
           <p:cNvSpPr/>
           <p:nvPr/>
         </p:nvSpPr>
@@ -7897,9 +7573,7 @@
           </a:xfrm>
           <a:custGeom>
             <a:avLst/>
-            <a:gdLst/>
             <a:ahLst/>
-            <a:cxnLst/>
             <a:rect l="l" t="t" r="r" b="b"/>
             <a:pathLst>
               <a:path w="180975" h="180975">
@@ -7927,16 +7601,13 @@
           </a:solidFill>
         </p:spPr>
         <p:txBody>
-          <a:bodyPr wrap="square" lIns="0" tIns="0" rIns="0" bIns="0" rtlCol="0"/>
-          <a:lstStyle/>
-          <a:p>
-            <a:endParaRPr/>
-          </a:p>
-        </p:txBody>
-      </p:sp>
-      <p:sp>
-        <p:nvSpPr>
-          <p:cNvPr id="5" name="object 5"/>
+          <a:bodyPr bIns="0" lIns="0" rIns="0" rtlCol="0" tIns="0" wrap="square"/>
+          <a:p/>
+        </p:txBody>
+      </p:sp>
+      <p:sp>
+        <p:nvSpPr>
+          <p:cNvPr id="1048656" name="object 5"/>
           <p:cNvSpPr txBox="1">
             <a:spLocks noGrp="1"/>
           </p:cNvSpPr>
@@ -7949,15 +7620,12 @@
             <a:off x="699452" y="891793"/>
             <a:ext cx="5014595" cy="518159"/>
           </a:xfrm>
-          <a:prstGeom prst="rect">
-            <a:avLst/>
-          </a:prstGeom>
+          <a:prstGeom prst="rect"/>
         </p:spPr>
         <p:txBody>
-          <a:bodyPr vert="horz" wrap="square" lIns="0" tIns="16510" rIns="0" bIns="0" rtlCol="0">
+          <a:bodyPr bIns="0" lIns="0" rIns="0" rtlCol="0" tIns="16510" vert="horz" wrap="square">
             <a:spAutoFit/>
           </a:bodyPr>
-          <a:lstStyle/>
           <a:p>
             <a:pPr marL="12700">
               <a:lnSpc>
@@ -7968,83 +7636,83 @@
               </a:spcBef>
             </a:pPr>
             <a:r>
-              <a:rPr sz="3200" spc="25" dirty="0"/>
+              <a:rPr dirty="0" sz="3200" spc="25"/>
               <a:t>W</a:t>
             </a:r>
             <a:r>
-              <a:rPr sz="3200" spc="-20" dirty="0"/>
+              <a:rPr dirty="0" sz="3200" spc="-20"/>
               <a:t>H</a:t>
             </a:r>
             <a:r>
-              <a:rPr sz="3200" spc="20" dirty="0"/>
+              <a:rPr dirty="0" sz="3200" spc="20"/>
               <a:t>O</a:t>
             </a:r>
             <a:r>
-              <a:rPr sz="3200" spc="-235" dirty="0"/>
+              <a:rPr dirty="0" sz="3200" spc="-235"/>
               <a:t> </a:t>
             </a:r>
             <a:r>
-              <a:rPr sz="3200" spc="-10" dirty="0"/>
+              <a:rPr dirty="0" sz="3200" spc="-10"/>
               <a:t>AR</a:t>
             </a:r>
             <a:r>
-              <a:rPr sz="3200" spc="15" dirty="0"/>
+              <a:rPr dirty="0" sz="3200" spc="15"/>
               <a:t>E</a:t>
             </a:r>
             <a:r>
-              <a:rPr sz="3200" spc="-35" dirty="0"/>
+              <a:rPr dirty="0" sz="3200" spc="-35"/>
               <a:t> </a:t>
             </a:r>
             <a:r>
-              <a:rPr sz="3200" spc="-10" dirty="0"/>
+              <a:rPr dirty="0" sz="3200" spc="-10"/>
               <a:t>T</a:t>
             </a:r>
             <a:r>
-              <a:rPr sz="3200" spc="-15" dirty="0"/>
+              <a:rPr dirty="0" sz="3200" spc="-15"/>
               <a:t>H</a:t>
             </a:r>
             <a:r>
-              <a:rPr sz="3200" spc="15" dirty="0"/>
+              <a:rPr dirty="0" sz="3200" spc="15"/>
               <a:t>E</a:t>
             </a:r>
             <a:r>
-              <a:rPr sz="3200" spc="-35" dirty="0"/>
+              <a:rPr dirty="0" sz="3200" spc="-35"/>
               <a:t> </a:t>
             </a:r>
             <a:r>
-              <a:rPr sz="3200" spc="-20" dirty="0"/>
+              <a:rPr dirty="0" sz="3200" spc="-20"/>
               <a:t>E</a:t>
             </a:r>
             <a:r>
-              <a:rPr sz="3200" spc="30" dirty="0"/>
+              <a:rPr dirty="0" sz="3200" spc="30"/>
               <a:t>N</a:t>
             </a:r>
             <a:r>
-              <a:rPr sz="3200" spc="15" dirty="0"/>
+              <a:rPr dirty="0" sz="3200" spc="15"/>
               <a:t>D</a:t>
             </a:r>
             <a:r>
-              <a:rPr sz="3200" spc="-45" dirty="0"/>
+              <a:rPr dirty="0" sz="3200" spc="-45"/>
               <a:t> </a:t>
             </a:r>
             <a:r>
-              <a:rPr sz="3200" dirty="0"/>
+              <a:rPr dirty="0" sz="3200"/>
               <a:t>U</a:t>
             </a:r>
             <a:r>
-              <a:rPr sz="3200" spc="10" dirty="0"/>
+              <a:rPr dirty="0" sz="3200" spc="10"/>
               <a:t>S</a:t>
             </a:r>
             <a:r>
-              <a:rPr sz="3200" spc="-25" dirty="0"/>
+              <a:rPr dirty="0" sz="3200" spc="-25"/>
               <a:t>E</a:t>
             </a:r>
             <a:r>
-              <a:rPr sz="3200" spc="-10" dirty="0"/>
+              <a:rPr dirty="0" sz="3200" spc="-10"/>
               <a:t>R</a:t>
             </a:r>
             <a:r>
-              <a:rPr sz="3200" spc="5" dirty="0"/>
+              <a:rPr dirty="0" sz="3200" spc="5"/>
               <a:t>S?</a:t>
             </a:r>
             <a:endParaRPr sz="3200"/>
@@ -8053,12 +7721,14 @@
       </p:sp>
       <p:pic>
         <p:nvPicPr>
-          <p:cNvPr id="6" name="object 6"/>
-          <p:cNvPicPr/>
+          <p:cNvPr id="2097162" name="object 6"/>
+          <p:cNvPicPr>
+            <a:picLocks/>
+          </p:cNvPicPr>
           <p:nvPr/>
         </p:nvPicPr>
         <p:blipFill>
-          <a:blip r:embed="rId2" cstate="print"/>
+          <a:blip xmlns:r="http://schemas.openxmlformats.org/officeDocument/2006/relationships" r:embed="rId1" cstate="print"/>
           <a:stretch>
             <a:fillRect/>
           </a:stretch>
@@ -8068,14 +7738,12 @@
             <a:off x="723900" y="6172200"/>
             <a:ext cx="2181225" cy="485775"/>
           </a:xfrm>
-          <a:prstGeom prst="rect">
-            <a:avLst/>
-          </a:prstGeom>
+          <a:prstGeom prst="rect"/>
         </p:spPr>
       </p:pic>
       <p:sp>
         <p:nvSpPr>
-          <p:cNvPr id="8" name="object 8"/>
+          <p:cNvPr id="1048657" name="object 8"/>
           <p:cNvSpPr txBox="1">
             <a:spLocks noGrp="1"/>
           </p:cNvSpPr>
@@ -8084,15 +7752,12 @@
           </p:nvPr>
         </p:nvSpPr>
         <p:spPr>
-          <a:prstGeom prst="rect">
-            <a:avLst/>
-          </a:prstGeom>
+          <a:prstGeom prst="rect"/>
         </p:spPr>
         <p:txBody>
-          <a:bodyPr vert="horz" wrap="square" lIns="0" tIns="6985" rIns="0" bIns="0" rtlCol="0">
+          <a:bodyPr bIns="0" lIns="0" rIns="0" rtlCol="0" tIns="6985" vert="horz" wrap="square">
             <a:spAutoFit/>
           </a:bodyPr>
-          <a:lstStyle/>
           <a:p>
             <a:pPr marL="38100">
               <a:lnSpc>
@@ -8103,94 +7768,85 @@
               </a:spcBef>
             </a:pPr>
             <a:fld id="{81D60167-4931-47E6-BA6A-407CBD079E47}" type="slidenum">
-              <a:rPr spc="10" dirty="0"/>
+              <a:rPr dirty="0" spc="10"/>
               <a:t>6</a:t>
             </a:fld>
-            <a:endParaRPr spc="10" dirty="0"/>
-          </a:p>
-        </p:txBody>
-      </p:sp>
-      <p:sp>
-        <p:nvSpPr>
-          <p:cNvPr id="9" name="TextBox 8">
-            <a:extLst>
-              <a:ext uri="{FF2B5EF4-FFF2-40B4-BE49-F238E27FC236}">
-                <a16:creationId xmlns:a16="http://schemas.microsoft.com/office/drawing/2014/main" id="{CC9B2699-97C3-B05B-6447-6AC8AC732DCD}"/>
-              </a:ext>
-            </a:extLst>
-          </p:cNvPr>
+            <a:endParaRPr dirty="0" spc="10"/>
+          </a:p>
+        </p:txBody>
+      </p:sp>
+      <p:sp>
+        <p:nvSpPr>
+          <p:cNvPr id="1048658" name="TextBox 8"/>
           <p:cNvSpPr txBox="1"/>
           <p:nvPr/>
         </p:nvSpPr>
         <p:spPr>
           <a:xfrm>
             <a:off x="699452" y="1676400"/>
-            <a:ext cx="8278496" cy="1754326"/>
+            <a:ext cx="8278496" cy="1691641"/>
           </a:xfrm>
-          <a:prstGeom prst="rect">
-            <a:avLst/>
-          </a:prstGeom>
+          <a:prstGeom prst="rect"/>
           <a:noFill/>
         </p:spPr>
         <p:txBody>
           <a:bodyPr wrap="square">
             <a:spAutoFit/>
           </a:bodyPr>
-          <a:lstStyle/>
-          <a:p>
-            <a:pPr marL="285750" indent="-285750">
+          <a:p>
+            <a:pPr indent="-285750" marL="285750">
               <a:buFont typeface="Wingdings" panose="05000000000000000000" pitchFamily="2" charset="2"/>
               <a:buChar char="Ø"/>
             </a:pPr>
-            <a:endParaRPr lang="en-US" dirty="0"/>
-          </a:p>
-          <a:p>
-            <a:pPr marL="285750" indent="-285750">
+            <a:endParaRPr dirty="0" lang="en-US"/>
+          </a:p>
+          <a:p>
+            <a:pPr indent="-285750" marL="285750">
               <a:buFont typeface="Wingdings" panose="05000000000000000000" pitchFamily="2" charset="2"/>
               <a:buChar char="Ø"/>
             </a:pPr>
-            <a:endParaRPr lang="en-US" dirty="0"/>
-          </a:p>
-          <a:p>
-            <a:pPr marL="285750" indent="-285750">
+            <a:endParaRPr dirty="0" lang="en-US"/>
+          </a:p>
+          <a:p>
+            <a:pPr indent="-285750" marL="285750">
               <a:buFont typeface="Wingdings" panose="05000000000000000000" pitchFamily="2" charset="2"/>
               <a:buChar char="Ø"/>
             </a:pPr>
             <a:r>
-              <a:rPr lang="en-US" dirty="0"/>
+              <a:rPr dirty="0" lang="en-US"/>
               <a:t>Managers and Team Leaders</a:t>
             </a:r>
           </a:p>
           <a:p>
-            <a:pPr marL="285750" indent="-285750">
+            <a:pPr indent="-285750" marL="285750">
               <a:buFont typeface="Wingdings" panose="05000000000000000000" pitchFamily="2" charset="2"/>
               <a:buChar char="Ø"/>
             </a:pPr>
             <a:r>
-              <a:rPr lang="en-US" dirty="0"/>
+              <a:rPr dirty="0" lang="en-US"/>
               <a:t> HR Professionals</a:t>
             </a:r>
           </a:p>
           <a:p>
-            <a:pPr marL="285750" indent="-285750">
+            <a:pPr indent="-285750" marL="285750">
               <a:buFont typeface="Wingdings" panose="05000000000000000000" pitchFamily="2" charset="2"/>
               <a:buChar char="Ø"/>
             </a:pPr>
             <a:r>
-              <a:rPr lang="en-US" dirty="0"/>
+              <a:rPr dirty="0" lang="en-US"/>
               <a:t> Executives</a:t>
             </a:r>
           </a:p>
           <a:p>
-            <a:pPr marL="285750" indent="-285750">
+            <a:pPr indent="-285750" marL="285750">
               <a:buFont typeface="Wingdings" panose="05000000000000000000" pitchFamily="2" charset="2"/>
               <a:buChar char="Ø"/>
             </a:pPr>
             <a:r>
-              <a:rPr lang="en-US" dirty="0"/>
+              <a:rPr dirty="0" lang="en-US"/>
               <a:t> Employees</a:t>
             </a:r>
-            <a:endParaRPr lang="en-IN" dirty="0"/>
+            <a:endParaRPr dirty="0" lang="en-IN"/>
           </a:p>
         </p:txBody>
       </p:sp>
@@ -8207,7 +7863,7 @@
   <p:cSld>
     <p:spTree>
       <p:nvGrpSpPr>
-        <p:cNvPr id="1" name=""/>
+        <p:cNvPr id="37" name=""/>
         <p:cNvGrpSpPr/>
         <p:nvPr/>
       </p:nvGrpSpPr>
@@ -8221,12 +7877,14 @@
       </p:grpSpPr>
       <p:pic>
         <p:nvPicPr>
-          <p:cNvPr id="2" name="object 2"/>
-          <p:cNvPicPr/>
+          <p:cNvPr id="2097163" name="object 2"/>
+          <p:cNvPicPr>
+            <a:picLocks/>
+          </p:cNvPicPr>
           <p:nvPr/>
         </p:nvPicPr>
         <p:blipFill>
-          <a:blip r:embed="rId2" cstate="print"/>
+          <a:blip xmlns:r="http://schemas.openxmlformats.org/officeDocument/2006/relationships" r:embed="rId1" cstate="print"/>
           <a:stretch>
             <a:fillRect/>
           </a:stretch>
@@ -8236,14 +7894,12 @@
             <a:off x="0" y="1476375"/>
             <a:ext cx="2695574" cy="3248025"/>
           </a:xfrm>
-          <a:prstGeom prst="rect">
-            <a:avLst/>
-          </a:prstGeom>
+          <a:prstGeom prst="rect"/>
         </p:spPr>
       </p:pic>
       <p:sp>
         <p:nvSpPr>
-          <p:cNvPr id="6" name="object 6"/>
+          <p:cNvPr id="1048659" name="object 6"/>
           <p:cNvSpPr txBox="1">
             <a:spLocks noGrp="1"/>
           </p:cNvSpPr>
@@ -8254,17 +7910,14 @@
         <p:spPr>
           <a:xfrm>
             <a:off x="533400" y="901065"/>
-            <a:ext cx="9763125" cy="575310"/>
+            <a:ext cx="9763125" cy="546735"/>
           </a:xfrm>
-          <a:prstGeom prst="rect">
-            <a:avLst/>
-          </a:prstGeom>
+          <a:prstGeom prst="rect"/>
         </p:spPr>
         <p:txBody>
-          <a:bodyPr vert="horz" wrap="square" lIns="0" tIns="13335" rIns="0" bIns="0" rtlCol="0">
+          <a:bodyPr bIns="0" lIns="0" rIns="0" rtlCol="0" tIns="13335" vert="horz" wrap="square">
             <a:spAutoFit/>
           </a:bodyPr>
-          <a:lstStyle/>
           <a:p>
             <a:pPr marL="12700">
               <a:lnSpc>
@@ -8275,147 +7928,147 @@
               </a:spcBef>
             </a:pPr>
             <a:r>
-              <a:rPr sz="3600" spc="10" dirty="0"/>
+              <a:rPr dirty="0" sz="3600" spc="10"/>
               <a:t>O</a:t>
             </a:r>
             <a:r>
-              <a:rPr sz="3600" spc="25" dirty="0"/>
+              <a:rPr dirty="0" sz="3600" spc="25"/>
               <a:t>U</a:t>
             </a:r>
             <a:r>
-              <a:rPr sz="3600" dirty="0"/>
+              <a:rPr dirty="0" sz="3600"/>
               <a:t>R</a:t>
             </a:r>
             <a:r>
-              <a:rPr sz="3600" spc="5" dirty="0"/>
+              <a:rPr dirty="0" sz="3600" spc="5"/>
               <a:t> </a:t>
             </a:r>
             <a:r>
-              <a:rPr sz="3600" spc="25" dirty="0"/>
+              <a:rPr dirty="0" sz="3600" spc="25"/>
               <a:t>S</a:t>
             </a:r>
             <a:r>
-              <a:rPr sz="3600" spc="10" dirty="0"/>
+              <a:rPr dirty="0" sz="3600" spc="10"/>
               <a:t>O</a:t>
             </a:r>
             <a:r>
-              <a:rPr sz="3600" spc="25" dirty="0"/>
+              <a:rPr dirty="0" sz="3600" spc="25"/>
               <a:t>LU</a:t>
             </a:r>
             <a:r>
-              <a:rPr sz="3600" spc="-35" dirty="0"/>
+              <a:rPr dirty="0" sz="3600" spc="-35"/>
               <a:t>T</a:t>
             </a:r>
             <a:r>
-              <a:rPr sz="3600" spc="-30" dirty="0"/>
+              <a:rPr dirty="0" sz="3600" spc="-30"/>
               <a:t>I</a:t>
             </a:r>
             <a:r>
-              <a:rPr sz="3600" spc="10" dirty="0"/>
+              <a:rPr dirty="0" sz="3600" spc="10"/>
               <a:t>O</a:t>
             </a:r>
             <a:r>
-              <a:rPr sz="3600" dirty="0"/>
+              <a:rPr dirty="0" sz="3600"/>
               <a:t>N</a:t>
             </a:r>
             <a:r>
-              <a:rPr sz="3600" spc="-345" dirty="0"/>
+              <a:rPr dirty="0" sz="3600" spc="-345"/>
               <a:t> </a:t>
             </a:r>
             <a:r>
-              <a:rPr sz="3600" spc="-35" dirty="0"/>
+              <a:rPr dirty="0" sz="3600" spc="-35"/>
               <a:t>A</a:t>
             </a:r>
             <a:r>
-              <a:rPr sz="3600" spc="-5" dirty="0"/>
+              <a:rPr dirty="0" sz="3600" spc="-5"/>
               <a:t>N</a:t>
             </a:r>
             <a:r>
-              <a:rPr sz="3600" dirty="0"/>
+              <a:rPr dirty="0" sz="3600"/>
               <a:t>D</a:t>
             </a:r>
             <a:r>
-              <a:rPr sz="3600" spc="35" dirty="0"/>
+              <a:rPr dirty="0" sz="3600" spc="35"/>
               <a:t> </a:t>
             </a:r>
             <a:r>
-              <a:rPr sz="3600" spc="-30" dirty="0"/>
+              <a:rPr dirty="0" sz="3600" spc="-30"/>
               <a:t>I</a:t>
             </a:r>
             <a:r>
-              <a:rPr sz="3600" spc="-35" dirty="0"/>
+              <a:rPr dirty="0" sz="3600" spc="-35"/>
               <a:t>T</a:t>
             </a:r>
             <a:r>
-              <a:rPr sz="3600" dirty="0"/>
+              <a:rPr dirty="0" sz="3600"/>
               <a:t>S</a:t>
             </a:r>
             <a:r>
-              <a:rPr sz="3600" spc="60" dirty="0"/>
+              <a:rPr dirty="0" sz="3600" spc="60"/>
               <a:t> </a:t>
             </a:r>
             <a:r>
-              <a:rPr sz="3600" spc="-295" dirty="0"/>
+              <a:rPr dirty="0" sz="3600" spc="-295"/>
               <a:t>V</a:t>
             </a:r>
             <a:r>
-              <a:rPr sz="3600" spc="-35" dirty="0"/>
+              <a:rPr dirty="0" sz="3600" spc="-35"/>
               <a:t>A</a:t>
             </a:r>
             <a:r>
-              <a:rPr sz="3600" spc="25" dirty="0"/>
+              <a:rPr dirty="0" sz="3600" spc="25"/>
               <a:t>LU</a:t>
             </a:r>
             <a:r>
-              <a:rPr sz="3600" dirty="0"/>
+              <a:rPr dirty="0" sz="3600"/>
               <a:t>E</a:t>
             </a:r>
             <a:r>
-              <a:rPr sz="3600" spc="-65" dirty="0"/>
+              <a:rPr dirty="0" sz="3600" spc="-65"/>
               <a:t> </a:t>
             </a:r>
             <a:r>
-              <a:rPr sz="3600" spc="-15" dirty="0"/>
+              <a:rPr dirty="0" sz="3600" spc="-15"/>
               <a:t>P</a:t>
             </a:r>
             <a:r>
-              <a:rPr sz="3600" spc="-30" dirty="0"/>
+              <a:rPr dirty="0" sz="3600" spc="-30"/>
               <a:t>R</a:t>
             </a:r>
             <a:r>
-              <a:rPr sz="3600" spc="10" dirty="0"/>
+              <a:rPr dirty="0" sz="3600" spc="10"/>
               <a:t>O</a:t>
             </a:r>
             <a:r>
-              <a:rPr sz="3600" spc="-15" dirty="0"/>
+              <a:rPr dirty="0" sz="3600" spc="-15"/>
               <a:t>P</a:t>
             </a:r>
             <a:r>
-              <a:rPr sz="3600" spc="10" dirty="0"/>
+              <a:rPr dirty="0" sz="3600" spc="10"/>
               <a:t>O</a:t>
             </a:r>
             <a:r>
-              <a:rPr sz="3600" spc="25" dirty="0"/>
+              <a:rPr dirty="0" sz="3600" spc="25"/>
               <a:t>S</a:t>
             </a:r>
             <a:r>
-              <a:rPr sz="3600" spc="-30" dirty="0"/>
+              <a:rPr dirty="0" sz="3600" spc="-30"/>
               <a:t>I</a:t>
             </a:r>
             <a:r>
-              <a:rPr sz="3600" spc="-35" dirty="0"/>
+              <a:rPr dirty="0" sz="3600" spc="-35"/>
               <a:t>T</a:t>
             </a:r>
             <a:r>
-              <a:rPr sz="3600" spc="-30" dirty="0"/>
+              <a:rPr dirty="0" sz="3600" spc="-30"/>
               <a:t>I</a:t>
             </a:r>
             <a:r>
-              <a:rPr sz="3600" spc="10" dirty="0"/>
+              <a:rPr dirty="0" sz="3600" spc="10"/>
               <a:t>O</a:t>
             </a:r>
             <a:r>
-              <a:rPr sz="3600" dirty="0"/>
+              <a:rPr dirty="0" sz="3600"/>
               <a:t>N</a:t>
             </a:r>
           </a:p>
@@ -8423,12 +8076,14 @@
       </p:sp>
       <p:pic>
         <p:nvPicPr>
-          <p:cNvPr id="7" name="object 7"/>
-          <p:cNvPicPr/>
+          <p:cNvPr id="2097164" name="object 7"/>
+          <p:cNvPicPr>
+            <a:picLocks/>
+          </p:cNvPicPr>
           <p:nvPr/>
         </p:nvPicPr>
         <p:blipFill>
-          <a:blip r:embed="rId3" cstate="print"/>
+          <a:blip xmlns:r="http://schemas.openxmlformats.org/officeDocument/2006/relationships" r:embed="rId2" cstate="print"/>
           <a:stretch>
             <a:fillRect/>
           </a:stretch>
@@ -8438,14 +8093,12 @@
             <a:off x="676275" y="6467475"/>
             <a:ext cx="2143125" cy="200025"/>
           </a:xfrm>
-          <a:prstGeom prst="rect">
-            <a:avLst/>
-          </a:prstGeom>
+          <a:prstGeom prst="rect"/>
         </p:spPr>
       </p:pic>
       <p:sp>
         <p:nvSpPr>
-          <p:cNvPr id="9" name="object 9"/>
+          <p:cNvPr id="1048660" name="object 9"/>
           <p:cNvSpPr txBox="1">
             <a:spLocks noGrp="1"/>
           </p:cNvSpPr>
@@ -8454,15 +8107,12 @@
           </p:nvPr>
         </p:nvSpPr>
         <p:spPr>
-          <a:prstGeom prst="rect">
-            <a:avLst/>
-          </a:prstGeom>
+          <a:prstGeom prst="rect"/>
         </p:spPr>
         <p:txBody>
-          <a:bodyPr vert="horz" wrap="square" lIns="0" tIns="6985" rIns="0" bIns="0" rtlCol="0">
+          <a:bodyPr bIns="0" lIns="0" rIns="0" rtlCol="0" tIns="6985" vert="horz" wrap="square">
             <a:spAutoFit/>
           </a:bodyPr>
-          <a:lstStyle/>
           <a:p>
             <a:pPr marL="38100">
               <a:lnSpc>
@@ -8473,49 +8123,40 @@
               </a:spcBef>
             </a:pPr>
             <a:fld id="{81D60167-4931-47E6-BA6A-407CBD079E47}" type="slidenum">
-              <a:rPr spc="10" dirty="0"/>
+              <a:rPr dirty="0" spc="10"/>
               <a:t>7</a:t>
             </a:fld>
-            <a:endParaRPr spc="10" dirty="0"/>
-          </a:p>
-        </p:txBody>
-      </p:sp>
-      <p:sp>
-        <p:nvSpPr>
-          <p:cNvPr id="10" name="TextBox 9">
-            <a:extLst>
-              <a:ext uri="{FF2B5EF4-FFF2-40B4-BE49-F238E27FC236}">
-                <a16:creationId xmlns:a16="http://schemas.microsoft.com/office/drawing/2014/main" id="{3B0EA024-214A-3DD8-5E3A-B2C9AEF85FB1}"/>
-              </a:ext>
-            </a:extLst>
-          </p:cNvPr>
+            <a:endParaRPr dirty="0" spc="10"/>
+          </a:p>
+        </p:txBody>
+      </p:sp>
+      <p:sp>
+        <p:nvSpPr>
+          <p:cNvPr id="1048661" name="TextBox 9"/>
           <p:cNvSpPr txBox="1"/>
           <p:nvPr/>
         </p:nvSpPr>
         <p:spPr>
           <a:xfrm>
             <a:off x="3124200" y="1600200"/>
-            <a:ext cx="6934199" cy="2308324"/>
+            <a:ext cx="6934199" cy="2225041"/>
           </a:xfrm>
-          <a:prstGeom prst="rect">
-            <a:avLst/>
-          </a:prstGeom>
+          <a:prstGeom prst="rect"/>
           <a:noFill/>
         </p:spPr>
         <p:txBody>
           <a:bodyPr wrap="square">
             <a:spAutoFit/>
           </a:bodyPr>
-          <a:lstStyle/>
-          <a:p>
-            <a:endParaRPr lang="en-IN" dirty="0"/>
-          </a:p>
-          <a:p>
-            <a:endParaRPr lang="en-IN" dirty="0"/>
-          </a:p>
-          <a:p>
-            <a:r>
-              <a:rPr lang="en-IN" dirty="0"/>
+          <a:p>
+            <a:endParaRPr dirty="0" lang="en-IN"/>
+          </a:p>
+          <a:p>
+            <a:endParaRPr dirty="0" lang="en-IN"/>
+          </a:p>
+          <a:p>
+            <a:r>
+              <a:rPr dirty="0" lang="en-IN"/>
               <a:t>Our solution provides a comprehensive analysis of employee performance through advanced data visualization and automated insights. This approach boosts productivity, identifies top performers, and targets areas for improvement, ensuring alignment with company goals. The result is a more motivated and effective workforce, driving overall organizational success.</a:t>
             </a:r>
           </a:p>
@@ -8534,7 +8175,7 @@
   <p:cSld>
     <p:spTree>
       <p:nvGrpSpPr>
-        <p:cNvPr id="1" name=""/>
+        <p:cNvPr id="38" name=""/>
         <p:cNvGrpSpPr/>
         <p:nvPr/>
       </p:nvGrpSpPr>
@@ -8548,13 +8189,7 @@
       </p:grpSpPr>
       <p:sp>
         <p:nvSpPr>
-          <p:cNvPr id="2" name="Title 1">
-            <a:extLst>
-              <a:ext uri="{FF2B5EF4-FFF2-40B4-BE49-F238E27FC236}">
-                <a16:creationId xmlns:a16="http://schemas.microsoft.com/office/drawing/2014/main" id="{6E06195E-16D6-79D8-7A9F-F8EB1FE9E212}"/>
-              </a:ext>
-            </a:extLst>
-          </p:cNvPr>
+          <p:cNvPr id="1048662" name="Title 1"/>
           <p:cNvSpPr>
             <a:spLocks noGrp="1"/>
           </p:cNvSpPr>
@@ -8565,61 +8200,55 @@
         <p:spPr>
           <a:xfrm>
             <a:off x="755332" y="385444"/>
-            <a:ext cx="10681335" cy="3447098"/>
+            <a:ext cx="10681335" cy="2971800"/>
           </a:xfrm>
         </p:spPr>
         <p:txBody>
           <a:bodyPr/>
-          <a:lstStyle/>
-          <a:p>
-            <a:r>
-              <a:rPr lang="en-IN" dirty="0"/>
+          <a:p>
+            <a:r>
+              <a:rPr dirty="0" lang="en-IN"/>
               <a:t>Dataset Description</a:t>
             </a:r>
             <a:br>
-              <a:rPr lang="en-IN" dirty="0"/>
+              <a:rPr dirty="0" lang="en-IN"/>
             </a:br>
             <a:br>
-              <a:rPr lang="en-IN" dirty="0"/>
+              <a:rPr dirty="0" lang="en-IN"/>
             </a:br>
             <a:r>
-              <a:rPr lang="en-IN" sz="2000" dirty="0"/>
+              <a:rPr dirty="0" sz="2000" lang="en-IN"/>
               <a:t>EMPLOYEE DATASET: KAGGLE</a:t>
             </a:r>
             <a:br>
-              <a:rPr lang="en-IN" sz="2000" dirty="0"/>
+              <a:rPr dirty="0" sz="2000" lang="en-IN"/>
             </a:br>
             <a:r>
-              <a:rPr lang="en-IN" sz="2000" dirty="0"/>
+              <a:rPr dirty="0" sz="2000" lang="en-IN"/>
               <a:t>FEATURES: 26</a:t>
             </a:r>
             <a:br>
-              <a:rPr lang="en-IN" sz="2000" dirty="0"/>
+              <a:rPr dirty="0" sz="2000" lang="en-IN"/>
             </a:br>
             <a:r>
-              <a:rPr lang="en-IN" sz="2000" dirty="0"/>
+              <a:rPr dirty="0" sz="2000" lang="en-IN"/>
               <a:t>FEATURES TAKEN: 8</a:t>
             </a:r>
             <a:br>
-              <a:rPr lang="en-IN" sz="2000" dirty="0"/>
+              <a:rPr dirty="0" sz="2000" lang="en-IN"/>
             </a:br>
             <a:r>
-              <a:rPr lang="en-IN" sz="2000" dirty="0"/>
+              <a:rPr dirty="0" sz="2000" lang="en-IN"/>
               <a:t>FIELD NAMES: BUSINESS UNIT, FIRST NAME, GENDER CODE AND PERFORMANCE SCORE</a:t>
             </a:r>
             <a:br>
-              <a:rPr lang="en-IN" sz="2000" b="0" dirty="0"/>
+              <a:rPr b="0" dirty="0" sz="2000" lang="en-IN"/>
             </a:br>
-            <a:endParaRPr lang="en-IN" dirty="0"/>
+            <a:endParaRPr dirty="0" lang="en-IN"/>
           </a:p>
         </p:txBody>
       </p:sp>
     </p:spTree>
-    <p:extLst>
-      <p:ext uri="{BB962C8B-B14F-4D97-AF65-F5344CB8AC3E}">
-        <p14:creationId xmlns:p14="http://schemas.microsoft.com/office/powerpoint/2010/main" val="2720660618"/>
-      </p:ext>
-    </p:extLst>
   </p:cSld>
   <p:clrMapOvr>
     <a:masterClrMapping/>
@@ -8632,7 +8261,7 @@
   <p:cSld>
     <p:spTree>
       <p:nvGrpSpPr>
-        <p:cNvPr id="1" name=""/>
+        <p:cNvPr id="39" name=""/>
         <p:cNvGrpSpPr/>
         <p:nvPr/>
       </p:nvGrpSpPr>
@@ -8646,7 +8275,7 @@
       </p:grpSpPr>
       <p:sp>
         <p:nvSpPr>
-          <p:cNvPr id="2" name="object 2"/>
+          <p:cNvPr id="1048663" name="object 2"/>
           <p:cNvSpPr txBox="1"/>
           <p:nvPr/>
         </p:nvSpPr>
@@ -8655,15 +8284,12 @@
             <a:off x="752475" y="6486037"/>
             <a:ext cx="1773555" cy="166370"/>
           </a:xfrm>
-          <a:prstGeom prst="rect">
-            <a:avLst/>
-          </a:prstGeom>
+          <a:prstGeom prst="rect"/>
         </p:spPr>
         <p:txBody>
-          <a:bodyPr vert="horz" wrap="square" lIns="0" tIns="0" rIns="0" bIns="0" rtlCol="0">
+          <a:bodyPr bIns="0" lIns="0" rIns="0" rtlCol="0" tIns="0" vert="horz" wrap="square">
             <a:spAutoFit/>
           </a:bodyPr>
-          <a:lstStyle/>
           <a:p>
             <a:pPr>
               <a:lnSpc>
@@ -8671,7 +8297,7 @@
               </a:lnSpc>
             </a:pPr>
             <a:r>
-              <a:rPr sz="1100" spc="20" dirty="0">
+              <a:rPr dirty="0" sz="1100" spc="20">
                 <a:solidFill>
                   <a:srgbClr val="2D83C3"/>
                 </a:solidFill>
@@ -8681,7 +8307,7 @@
               <a:t>3/21/202</a:t>
             </a:r>
             <a:r>
-              <a:rPr sz="1100" spc="10" dirty="0">
+              <a:rPr dirty="0" sz="1100" spc="10">
                 <a:solidFill>
                   <a:srgbClr val="2D83C3"/>
                 </a:solidFill>
@@ -8691,7 +8317,7 @@
               <a:t>4</a:t>
             </a:r>
             <a:r>
-              <a:rPr sz="1100" dirty="0">
+              <a:rPr dirty="0" sz="1100">
                 <a:solidFill>
                   <a:srgbClr val="2D83C3"/>
                 </a:solidFill>
@@ -8701,7 +8327,7 @@
               <a:t> </a:t>
             </a:r>
             <a:r>
-              <a:rPr sz="1100" spc="130" dirty="0">
+              <a:rPr dirty="0" sz="1100" spc="130">
                 <a:solidFill>
                   <a:srgbClr val="2D83C3"/>
                 </a:solidFill>
@@ -8711,7 +8337,7 @@
               <a:t> </a:t>
             </a:r>
             <a:r>
-              <a:rPr sz="1100" b="1" spc="50" dirty="0">
+              <a:rPr b="1" dirty="0" sz="1100" spc="50">
                 <a:solidFill>
                   <a:srgbClr val="2D83C3"/>
                 </a:solidFill>
@@ -8721,7 +8347,7 @@
               <a:t>A</a:t>
             </a:r>
             <a:r>
-              <a:rPr sz="1100" b="1" spc="15" dirty="0">
+              <a:rPr b="1" dirty="0" sz="1100" spc="15">
                 <a:solidFill>
                   <a:srgbClr val="2D83C3"/>
                 </a:solidFill>
@@ -8731,7 +8357,7 @@
               <a:t>nnu</a:t>
             </a:r>
             <a:r>
-              <a:rPr sz="1100" b="1" spc="10" dirty="0">
+              <a:rPr b="1" dirty="0" sz="1100" spc="10">
                 <a:solidFill>
                   <a:srgbClr val="2D83C3"/>
                 </a:solidFill>
@@ -8741,7 +8367,7 @@
               <a:t>al</a:t>
             </a:r>
             <a:r>
-              <a:rPr sz="1100" b="1" spc="-140" dirty="0">
+              <a:rPr b="1" dirty="0" sz="1100" spc="-140">
                 <a:solidFill>
                   <a:srgbClr val="2D83C3"/>
                 </a:solidFill>
@@ -8751,7 +8377,7 @@
               <a:t> </a:t>
             </a:r>
             <a:r>
-              <a:rPr sz="1100" b="1" dirty="0">
+              <a:rPr b="1" dirty="0" sz="1100">
                 <a:solidFill>
                   <a:srgbClr val="2D83C3"/>
                 </a:solidFill>
@@ -8761,7 +8387,7 @@
               <a:t>R</a:t>
             </a:r>
             <a:r>
-              <a:rPr sz="1100" b="1" spc="35" dirty="0">
+              <a:rPr b="1" dirty="0" sz="1100" spc="35">
                 <a:solidFill>
                   <a:srgbClr val="2D83C3"/>
                 </a:solidFill>
@@ -8771,7 +8397,7 @@
               <a:t>e</a:t>
             </a:r>
             <a:r>
-              <a:rPr sz="1100" b="1" spc="90" dirty="0">
+              <a:rPr b="1" dirty="0" sz="1100" spc="90">
                 <a:solidFill>
                   <a:srgbClr val="2D83C3"/>
                 </a:solidFill>
@@ -8781,7 +8407,7 @@
               <a:t>v</a:t>
             </a:r>
             <a:r>
-              <a:rPr sz="1100" b="1" spc="-35" dirty="0">
+              <a:rPr b="1" dirty="0" sz="1100" spc="-35">
                 <a:solidFill>
                   <a:srgbClr val="2D83C3"/>
                 </a:solidFill>
@@ -8791,7 +8417,7 @@
               <a:t>i</a:t>
             </a:r>
             <a:r>
-              <a:rPr sz="1100" b="1" spc="35" dirty="0">
+              <a:rPr b="1" dirty="0" sz="1100" spc="35">
                 <a:solidFill>
                   <a:srgbClr val="2D83C3"/>
                 </a:solidFill>
@@ -8801,7 +8427,7 @@
               <a:t>e</a:t>
             </a:r>
             <a:r>
-              <a:rPr sz="1100" b="1" spc="15" dirty="0">
+              <a:rPr b="1" dirty="0" sz="1100" spc="15">
                 <a:solidFill>
                   <a:srgbClr val="2D83C3"/>
                 </a:solidFill>
@@ -8819,7 +8445,7 @@
       </p:sp>
       <p:sp>
         <p:nvSpPr>
-          <p:cNvPr id="5" name="object 5"/>
+          <p:cNvPr id="1048664" name="object 5"/>
           <p:cNvSpPr/>
           <p:nvPr/>
         </p:nvSpPr>
@@ -8830,9 +8456,7 @@
           </a:xfrm>
           <a:custGeom>
             <a:avLst/>
-            <a:gdLst/>
             <a:ahLst/>
-            <a:cxnLst/>
             <a:rect l="l" t="t" r="r" b="b"/>
             <a:pathLst>
               <a:path w="180975" h="180975">
@@ -8860,35 +8484,34 @@
           </a:solidFill>
         </p:spPr>
         <p:txBody>
-          <a:bodyPr wrap="square" lIns="0" tIns="0" rIns="0" bIns="0" rtlCol="0"/>
-          <a:lstStyle/>
-          <a:p>
-            <a:r>
-              <a:rPr lang="en-US" sz="1800" b="1" dirty="0"/>
+          <a:bodyPr bIns="0" lIns="0" rIns="0" rtlCol="0" tIns="0" wrap="square"/>
+          <a:p>
+            <a:r>
+              <a:rPr b="1" dirty="0" sz="1800" lang="en-US"/>
               <a:t>Aggregation</a:t>
             </a:r>
             <a:r>
-              <a:rPr lang="en-US" sz="1800" dirty="0"/>
+              <a:rPr dirty="0" sz="1800" lang="en-US"/>
               <a:t>: Our Excel sheet compiles comprehensive employee performance data, segmented by key metrics such as productivity, efficiency, and goal achievement.</a:t>
             </a:r>
           </a:p>
           <a:p>
             <a:r>
-              <a:rPr lang="en-US" sz="1800" dirty="0"/>
+              <a:rPr dirty="0" sz="1800" lang="en-US"/>
               <a:t>  </a:t>
             </a:r>
           </a:p>
           <a:p>
             <a:r>
-              <a:rPr lang="en-US" sz="1800" dirty="0"/>
+              <a:rPr dirty="0" sz="1800" lang="en-US"/>
               <a:t> </a:t>
             </a:r>
             <a:r>
-              <a:rPr lang="en-US" sz="1800" b="1" dirty="0"/>
+              <a:rPr b="1" dirty="0" sz="1800" lang="en-US"/>
               <a:t>Dynamic Dashboards</a:t>
             </a:r>
             <a:r>
-              <a:rPr lang="en-US" sz="1800" dirty="0"/>
+              <a:rPr dirty="0" sz="1800" lang="en-US"/>
               <a:t>: The sheet includes interactive dashboards with real-time filtering options, allowing quick comparisons and insights into individual and team performance trends.</a:t>
             </a:r>
           </a:p>
@@ -8896,12 +8519,14 @@
       </p:sp>
       <p:pic>
         <p:nvPicPr>
-          <p:cNvPr id="6" name="object 6"/>
-          <p:cNvPicPr/>
+          <p:cNvPr id="2097165" name="object 6"/>
+          <p:cNvPicPr>
+            <a:picLocks/>
+          </p:cNvPicPr>
           <p:nvPr/>
         </p:nvPicPr>
         <p:blipFill>
-          <a:blip r:embed="rId2" cstate="print"/>
+          <a:blip xmlns:r="http://schemas.openxmlformats.org/officeDocument/2006/relationships" r:embed="rId1" cstate="print"/>
           <a:stretch>
             <a:fillRect/>
           </a:stretch>
@@ -8911,14 +8536,12 @@
             <a:off x="66675" y="3597351"/>
             <a:ext cx="2466975" cy="3203497"/>
           </a:xfrm>
-          <a:prstGeom prst="rect">
-            <a:avLst/>
-          </a:prstGeom>
+          <a:prstGeom prst="rect"/>
         </p:spPr>
       </p:pic>
       <p:sp>
         <p:nvSpPr>
-          <p:cNvPr id="7" name="object 7"/>
+          <p:cNvPr id="1048665" name="object 7"/>
           <p:cNvSpPr txBox="1">
             <a:spLocks noGrp="1"/>
           </p:cNvSpPr>
@@ -8933,13 +8556,12 @@
           </a:xfrm>
         </p:spPr>
         <p:txBody>
-          <a:bodyPr vert="horz" wrap="square" lIns="0" tIns="16510" rIns="0" bIns="0" rtlCol="0">
+          <a:bodyPr bIns="0" lIns="0" rIns="0" rtlCol="0" tIns="16510" vert="horz" wrap="square">
             <a:spAutoFit/>
           </a:bodyPr>
-          <a:lstStyle/>
-          <a:p>
-            <a:r>
-              <a:rPr lang="en-US" dirty="0"/>
+          <a:p>
+            <a:r>
+              <a:rPr dirty="0" lang="en-US"/>
               <a:t>THE "WOW" IN OUR SOLUTION</a:t>
             </a:r>
           </a:p>
@@ -8947,7 +8569,7 @@
       </p:sp>
       <p:sp>
         <p:nvSpPr>
-          <p:cNvPr id="8" name="object 8"/>
+          <p:cNvPr id="1048666" name="object 8"/>
           <p:cNvSpPr txBox="1"/>
           <p:nvPr/>
         </p:nvSpPr>
@@ -8956,15 +8578,12 @@
             <a:off x="11277218" y="6473337"/>
             <a:ext cx="228600" cy="191770"/>
           </a:xfrm>
-          <a:prstGeom prst="rect">
-            <a:avLst/>
-          </a:prstGeom>
+          <a:prstGeom prst="rect"/>
         </p:spPr>
         <p:txBody>
-          <a:bodyPr vert="horz" wrap="square" lIns="0" tIns="6985" rIns="0" bIns="0" rtlCol="0">
+          <a:bodyPr bIns="0" lIns="0" rIns="0" rtlCol="0" tIns="6985" vert="horz" wrap="square">
             <a:spAutoFit/>
           </a:bodyPr>
-          <a:lstStyle/>
           <a:p>
             <a:pPr marL="38100">
               <a:lnSpc>
@@ -8975,7 +8594,7 @@
               </a:spcBef>
             </a:pPr>
             <a:fld id="{81D60167-4931-47E6-BA6A-407CBD079E47}" type="slidenum">
-              <a:rPr sz="1100" spc="10" dirty="0">
+              <a:rPr dirty="0" sz="1100" spc="10">
                 <a:solidFill>
                   <a:srgbClr val="2D936B"/>
                 </a:solidFill>
@@ -8993,13 +8612,7 @@
       </p:sp>
       <p:sp>
         <p:nvSpPr>
-          <p:cNvPr id="9" name="TextBox 8">
-            <a:extLst>
-              <a:ext uri="{FF2B5EF4-FFF2-40B4-BE49-F238E27FC236}">
-                <a16:creationId xmlns:a16="http://schemas.microsoft.com/office/drawing/2014/main" id="{FAD9CEB2-36E1-0550-426B-2FAF97882044}"/>
-              </a:ext>
-            </a:extLst>
-          </p:cNvPr>
+          <p:cNvPr id="1048667" name="TextBox 8"/>
           <p:cNvSpPr txBox="1"/>
           <p:nvPr/>
         </p:nvSpPr>
@@ -9008,22 +8621,19 @@
             <a:off x="2438400" y="2427266"/>
             <a:ext cx="8534018" cy="954107"/>
           </a:xfrm>
-          <a:prstGeom prst="rect">
-            <a:avLst/>
-          </a:prstGeom>
+          <a:prstGeom prst="rect"/>
           <a:noFill/>
         </p:spPr>
         <p:txBody>
-          <a:bodyPr wrap="square" rtlCol="0">
+          <a:bodyPr rtlCol="0" wrap="square">
             <a:spAutoFit/>
           </a:bodyPr>
-          <a:lstStyle/>
           <a:p>
             <a:pPr algn="l">
               <a:buFont typeface="Arial" panose="020B0604020202020204" pitchFamily="34" charset="0"/>
               <a:buChar char="•"/>
             </a:pPr>
-            <a:endParaRPr lang="en-US" sz="2800" b="0" i="0" dirty="0">
+            <a:endParaRPr b="0" dirty="0" sz="2800" i="0" lang="en-US">
               <a:solidFill>
                 <a:srgbClr val="0D0D0D"/>
               </a:solidFill>
@@ -9033,7 +8643,7 @@
             </a:endParaRPr>
           </a:p>
           <a:p>
-            <a:endParaRPr lang="en-IN" sz="2800" dirty="0">
+            <a:endParaRPr dirty="0" sz="2800" lang="en-IN">
               <a:latin typeface="Times New Roman" panose="02020603050405020304" pitchFamily="18" charset="0"/>
               <a:cs typeface="Times New Roman" panose="02020603050405020304" pitchFamily="18" charset="0"/>
             </a:endParaRPr>
@@ -9053,10 +8663,10 @@
   <a:themeElements>
     <a:clrScheme name="Office">
       <a:dk1>
-        <a:sysClr val="windowText" lastClr="000000"/>
+        <a:sysClr lastClr="000000" val="windowText"/>
       </a:dk1>
       <a:lt1>
-        <a:sysClr val="window" lastClr="FFFFFF"/>
+        <a:sysClr lastClr="FFFFFF" val="window"/>
       </a:lt1>
       <a:dk2>
         <a:srgbClr val="1F497D"/>
@@ -9237,7 +8847,7 @@
       <a:effectStyleLst>
         <a:effectStyle>
           <a:effectLst>
-            <a:outerShdw blurRad="40000" dist="20000" dir="5400000" rotWithShape="0">
+            <a:outerShdw blurRad="40000" dir="5400000" dist="20000" rotWithShape="0">
               <a:srgbClr val="000000">
                 <a:alpha val="38000"/>
               </a:srgbClr>
@@ -9246,7 +8856,7 @@
         </a:effectStyle>
         <a:effectStyle>
           <a:effectLst>
-            <a:outerShdw blurRad="40000" dist="23000" dir="5400000" rotWithShape="0">
+            <a:outerShdw blurRad="40000" dir="5400000" dist="23000" rotWithShape="0">
               <a:srgbClr val="000000">
                 <a:alpha val="35000"/>
               </a:srgbClr>
@@ -9255,7 +8865,7 @@
         </a:effectStyle>
         <a:effectStyle>
           <a:effectLst>
-            <a:outerShdw blurRad="40000" dist="23000" dir="5400000" rotWithShape="0">
+            <a:outerShdw blurRad="40000" dir="5400000" dist="23000" rotWithShape="0">
               <a:srgbClr val="000000">
                 <a:alpha val="35000"/>
               </a:srgbClr>
@@ -9265,7 +8875,7 @@
             <a:camera prst="orthographicFront">
               <a:rot lat="0" lon="0" rev="0"/>
             </a:camera>
-            <a:lightRig rig="threePt" dir="t">
+            <a:lightRig dir="t" rig="threePt">
               <a:rot lat="0" lon="0" rev="1200000"/>
             </a:lightRig>
           </a:scene3d>
@@ -9326,8 +8936,6 @@
       </a:bgFillStyleLst>
     </a:fmtScheme>
   </a:themeElements>
-  <a:objectDefaults/>
-  <a:extraClrSchemeLst/>
 </a:theme>
 </file>
 
@@ -9336,10 +8944,10 @@
   <a:themeElements>
     <a:clrScheme name="Office">
       <a:dk1>
-        <a:sysClr val="windowText" lastClr="000000"/>
+        <a:sysClr lastClr="000000" val="windowText"/>
       </a:dk1>
       <a:lt1>
-        <a:sysClr val="window" lastClr="FFFFFF"/>
+        <a:sysClr lastClr="FFFFFF" val="window"/>
       </a:lt1>
       <a:dk2>
         <a:srgbClr val="44546A"/>
@@ -9568,7 +9176,7 @@
         </a:effectStyle>
         <a:effectStyle>
           <a:effectLst>
-            <a:outerShdw blurRad="57150" dist="19050" dir="5400000" algn="ctr" rotWithShape="0">
+            <a:outerShdw algn="ctr" blurRad="57150" dir="5400000" dist="19050" rotWithShape="0">
               <a:srgbClr val="000000">
                 <a:alpha val="63000"/>
               </a:srgbClr>
@@ -9616,12 +9224,5 @@
       </a:bgFillStyleLst>
     </a:fmtScheme>
   </a:themeElements>
-  <a:objectDefaults/>
-  <a:extraClrSchemeLst/>
-  <a:extLst>
-    <a:ext uri="{05A4C25C-085E-4340-85A3-A5531E510DB2}">
-      <thm15:themeFamily xmlns:thm15="http://schemas.microsoft.com/office/thememl/2012/main" name="Office Theme" id="{62F939B6-93AF-4DB8-9C6B-D6C7DFDC589F}" vid="{4A3C46E8-61CC-4603-A589-7422A47A8E4A}"/>
-    </a:ext>
-  </a:extLst>
 </a:theme>
 </file>